--- a/Presentation/IntroToJava.pptx
+++ b/Presentation/IntroToJava.pptx
@@ -4,36 +4,37 @@
   <p:sldMasterIdLst>
     <p:sldMasterId id="2147483648" r:id="rId1"/>
     <p:sldMasterId id="2147483660" r:id="rId2"/>
+    <p:sldMasterId id="2147483672" r:id="rId3"/>
   </p:sldMasterIdLst>
   <p:notesMasterIdLst>
-    <p:notesMasterId r:id="rId28"/>
+    <p:notesMasterId r:id="rId29"/>
   </p:notesMasterIdLst>
   <p:sldIdLst>
-    <p:sldId id="256" r:id="rId3"/>
-    <p:sldId id="259" r:id="rId4"/>
-    <p:sldId id="283" r:id="rId5"/>
-    <p:sldId id="260" r:id="rId6"/>
-    <p:sldId id="261" r:id="rId7"/>
-    <p:sldId id="262" r:id="rId8"/>
-    <p:sldId id="263" r:id="rId9"/>
-    <p:sldId id="280" r:id="rId10"/>
-    <p:sldId id="264" r:id="rId11"/>
-    <p:sldId id="265" r:id="rId12"/>
-    <p:sldId id="266" r:id="rId13"/>
-    <p:sldId id="282" r:id="rId14"/>
-    <p:sldId id="267" r:id="rId15"/>
-    <p:sldId id="268" r:id="rId16"/>
-    <p:sldId id="269" r:id="rId17"/>
-    <p:sldId id="281" r:id="rId18"/>
-    <p:sldId id="270" r:id="rId19"/>
-    <p:sldId id="271" r:id="rId20"/>
-    <p:sldId id="273" r:id="rId21"/>
-    <p:sldId id="274" r:id="rId22"/>
-    <p:sldId id="275" r:id="rId23"/>
-    <p:sldId id="276" r:id="rId24"/>
-    <p:sldId id="277" r:id="rId25"/>
-    <p:sldId id="279" r:id="rId26"/>
-    <p:sldId id="278" r:id="rId27"/>
+    <p:sldId id="256" r:id="rId4"/>
+    <p:sldId id="259" r:id="rId5"/>
+    <p:sldId id="283" r:id="rId6"/>
+    <p:sldId id="260" r:id="rId7"/>
+    <p:sldId id="261" r:id="rId8"/>
+    <p:sldId id="262" r:id="rId9"/>
+    <p:sldId id="263" r:id="rId10"/>
+    <p:sldId id="280" r:id="rId11"/>
+    <p:sldId id="264" r:id="rId12"/>
+    <p:sldId id="265" r:id="rId13"/>
+    <p:sldId id="266" r:id="rId14"/>
+    <p:sldId id="282" r:id="rId15"/>
+    <p:sldId id="267" r:id="rId16"/>
+    <p:sldId id="268" r:id="rId17"/>
+    <p:sldId id="269" r:id="rId18"/>
+    <p:sldId id="281" r:id="rId19"/>
+    <p:sldId id="270" r:id="rId20"/>
+    <p:sldId id="271" r:id="rId21"/>
+    <p:sldId id="273" r:id="rId22"/>
+    <p:sldId id="274" r:id="rId23"/>
+    <p:sldId id="275" r:id="rId24"/>
+    <p:sldId id="285" r:id="rId25"/>
+    <p:sldId id="276" r:id="rId26"/>
+    <p:sldId id="279" r:id="rId27"/>
+    <p:sldId id="278" r:id="rId28"/>
   </p:sldIdLst>
   <p:sldSz cx="9144000" cy="6858000" type="screen4x3"/>
   <p:notesSz cx="6858000" cy="9144000"/>
@@ -247,7 +248,7 @@
           <a:p>
             <a:fld id="{296AB46D-0AED-42EB-931C-6B5E1C15349C}" type="datetimeFigureOut">
               <a:rPr lang="en-US" smtClean="0"/>
-              <a:t>3/15/2014</a:t>
+              <a:t>3/17/2014</a:t>
             </a:fld>
             <a:endParaRPr lang="en-US"/>
           </a:p>
@@ -974,7 +975,7 @@
               <a:pPr>
                 <a:defRPr/>
               </a:pPr>
-              <a:t>15/03/2014</a:t>
+              <a:t>17/03/2014</a:t>
             </a:fld>
             <a:endParaRPr lang="fr-CA"/>
           </a:p>
@@ -1171,7 +1172,7 @@
               <a:pPr>
                 <a:defRPr/>
               </a:pPr>
-              <a:t>15/03/2014</a:t>
+              <a:t>17/03/2014</a:t>
             </a:fld>
             <a:endParaRPr lang="fr-CA"/>
           </a:p>
@@ -1378,7 +1379,7 @@
               <a:pPr>
                 <a:defRPr/>
               </a:pPr>
-              <a:t>15/03/2014</a:t>
+              <a:t>17/03/2014</a:t>
             </a:fld>
             <a:endParaRPr lang="fr-CA"/>
           </a:p>
@@ -1653,7 +1654,7 @@
               <a:pPr>
                 <a:defRPr/>
               </a:pPr>
-              <a:t>15/03/2014</a:t>
+              <a:t>17/03/2014</a:t>
             </a:fld>
             <a:endParaRPr lang="fr-CA">
               <a:solidFill>
@@ -1880,7 +1881,7 @@
               <a:pPr>
                 <a:defRPr/>
               </a:pPr>
-              <a:t>15/03/2014</a:t>
+              <a:t>17/03/2014</a:t>
             </a:fld>
             <a:endParaRPr lang="fr-CA">
               <a:solidFill>
@@ -2183,7 +2184,7 @@
               <a:pPr>
                 <a:defRPr/>
               </a:pPr>
-              <a:t>15/03/2014</a:t>
+              <a:t>17/03/2014</a:t>
             </a:fld>
             <a:endParaRPr lang="fr-CA">
               <a:solidFill>
@@ -2528,7 +2529,7 @@
               <a:pPr>
                 <a:defRPr/>
               </a:pPr>
-              <a:t>15/03/2014</a:t>
+              <a:t>17/03/2014</a:t>
             </a:fld>
             <a:endParaRPr lang="fr-CA">
               <a:solidFill>
@@ -3007,7 +3008,7 @@
               <a:pPr>
                 <a:defRPr/>
               </a:pPr>
-              <a:t>15/03/2014</a:t>
+              <a:t>17/03/2014</a:t>
             </a:fld>
             <a:endParaRPr lang="fr-CA">
               <a:solidFill>
@@ -3182,7 +3183,7 @@
               <a:pPr>
                 <a:defRPr/>
               </a:pPr>
-              <a:t>15/03/2014</a:t>
+              <a:t>17/03/2014</a:t>
             </a:fld>
             <a:endParaRPr lang="fr-CA">
               <a:solidFill>
@@ -3334,7 +3335,7 @@
               <a:pPr>
                 <a:defRPr/>
               </a:pPr>
-              <a:t>15/03/2014</a:t>
+              <a:t>17/03/2014</a:t>
             </a:fld>
             <a:endParaRPr lang="fr-CA">
               <a:solidFill>
@@ -3668,7 +3669,7 @@
               <a:pPr>
                 <a:defRPr/>
               </a:pPr>
-              <a:t>15/03/2014</a:t>
+              <a:t>17/03/2014</a:t>
             </a:fld>
             <a:endParaRPr lang="fr-CA">
               <a:solidFill>
@@ -3889,7 +3890,7 @@
               <a:pPr>
                 <a:defRPr/>
               </a:pPr>
-              <a:t>15/03/2014</a:t>
+              <a:t>17/03/2014</a:t>
             </a:fld>
             <a:endParaRPr lang="fr-CA"/>
           </a:p>
@@ -4178,7 +4179,7 @@
               <a:pPr>
                 <a:defRPr/>
               </a:pPr>
-              <a:t>15/03/2014</a:t>
+              <a:t>17/03/2014</a:t>
             </a:fld>
             <a:endParaRPr lang="fr-CA">
               <a:solidFill>
@@ -4405,7 +4406,7 @@
               <a:pPr>
                 <a:defRPr/>
               </a:pPr>
-              <a:t>15/03/2014</a:t>
+              <a:t>17/03/2014</a:t>
             </a:fld>
             <a:endParaRPr lang="fr-CA">
               <a:solidFill>
@@ -4642,7 +4643,7 @@
               <a:pPr>
                 <a:defRPr/>
               </a:pPr>
-              <a:t>15/03/2014</a:t>
+              <a:t>17/03/2014</a:t>
             </a:fld>
             <a:endParaRPr lang="fr-CA">
               <a:solidFill>
@@ -4744,7 +4745,533 @@
 </p:sldLayout>
 </file>
 
-<file path=ppt/slideLayouts/slideLayout3.xml><?xml version="1.0" encoding="utf-8"?>
+<file path=ppt/slideLayouts/slideLayout23.xml><?xml version="1.0" encoding="utf-8"?>
+<p:sldLayout xmlns:a="http://schemas.openxmlformats.org/drawingml/2006/main" xmlns:r="http://schemas.openxmlformats.org/officeDocument/2006/relationships" xmlns:p="http://schemas.openxmlformats.org/presentationml/2006/main" type="title" preserve="1">
+  <p:cSld name="Diapositive de titre">
+    <p:spTree>
+      <p:nvGrpSpPr>
+        <p:cNvPr id="1" name=""/>
+        <p:cNvGrpSpPr/>
+        <p:nvPr/>
+      </p:nvGrpSpPr>
+      <p:grpSpPr>
+        <a:xfrm>
+          <a:off x="0" y="0"/>
+          <a:ext cx="0" cy="0"/>
+          <a:chOff x="0" y="0"/>
+          <a:chExt cx="0" cy="0"/>
+        </a:xfrm>
+      </p:grpSpPr>
+      <p:sp>
+        <p:nvSpPr>
+          <p:cNvPr id="2" name="Titre 1"/>
+          <p:cNvSpPr>
+            <a:spLocks noGrp="1"/>
+          </p:cNvSpPr>
+          <p:nvPr>
+            <p:ph type="ctrTitle"/>
+          </p:nvPr>
+        </p:nvSpPr>
+        <p:spPr>
+          <a:xfrm>
+            <a:off x="685800" y="2130425"/>
+            <a:ext cx="7772400" cy="1470025"/>
+          </a:xfrm>
+        </p:spPr>
+        <p:txBody>
+          <a:bodyPr/>
+          <a:lstStyle/>
+          <a:p>
+            <a:r>
+              <a:rPr lang="fr-FR" smtClean="0"/>
+              <a:t>Cliquez pour modifier le style du titre</a:t>
+            </a:r>
+            <a:endParaRPr lang="fr-CA"/>
+          </a:p>
+        </p:txBody>
+      </p:sp>
+      <p:sp>
+        <p:nvSpPr>
+          <p:cNvPr id="3" name="Sous-titre 2"/>
+          <p:cNvSpPr>
+            <a:spLocks noGrp="1"/>
+          </p:cNvSpPr>
+          <p:nvPr>
+            <p:ph type="subTitle" idx="1"/>
+          </p:nvPr>
+        </p:nvSpPr>
+        <p:spPr>
+          <a:xfrm>
+            <a:off x="1371600" y="3886200"/>
+            <a:ext cx="6400800" cy="1752600"/>
+          </a:xfrm>
+        </p:spPr>
+        <p:txBody>
+          <a:bodyPr/>
+          <a:lstStyle>
+            <a:lvl1pPr marL="0" indent="0" algn="ctr">
+              <a:buNone/>
+              <a:defRPr>
+                <a:solidFill>
+                  <a:schemeClr val="tx1">
+                    <a:tint val="75000"/>
+                  </a:schemeClr>
+                </a:solidFill>
+              </a:defRPr>
+            </a:lvl1pPr>
+            <a:lvl2pPr marL="457200" indent="0" algn="ctr">
+              <a:buNone/>
+              <a:defRPr>
+                <a:solidFill>
+                  <a:schemeClr val="tx1">
+                    <a:tint val="75000"/>
+                  </a:schemeClr>
+                </a:solidFill>
+              </a:defRPr>
+            </a:lvl2pPr>
+            <a:lvl3pPr marL="914400" indent="0" algn="ctr">
+              <a:buNone/>
+              <a:defRPr>
+                <a:solidFill>
+                  <a:schemeClr val="tx1">
+                    <a:tint val="75000"/>
+                  </a:schemeClr>
+                </a:solidFill>
+              </a:defRPr>
+            </a:lvl3pPr>
+            <a:lvl4pPr marL="1371600" indent="0" algn="ctr">
+              <a:buNone/>
+              <a:defRPr>
+                <a:solidFill>
+                  <a:schemeClr val="tx1">
+                    <a:tint val="75000"/>
+                  </a:schemeClr>
+                </a:solidFill>
+              </a:defRPr>
+            </a:lvl4pPr>
+            <a:lvl5pPr marL="1828800" indent="0" algn="ctr">
+              <a:buNone/>
+              <a:defRPr>
+                <a:solidFill>
+                  <a:schemeClr val="tx1">
+                    <a:tint val="75000"/>
+                  </a:schemeClr>
+                </a:solidFill>
+              </a:defRPr>
+            </a:lvl5pPr>
+            <a:lvl6pPr marL="2286000" indent="0" algn="ctr">
+              <a:buNone/>
+              <a:defRPr>
+                <a:solidFill>
+                  <a:schemeClr val="tx1">
+                    <a:tint val="75000"/>
+                  </a:schemeClr>
+                </a:solidFill>
+              </a:defRPr>
+            </a:lvl6pPr>
+            <a:lvl7pPr marL="2743200" indent="0" algn="ctr">
+              <a:buNone/>
+              <a:defRPr>
+                <a:solidFill>
+                  <a:schemeClr val="tx1">
+                    <a:tint val="75000"/>
+                  </a:schemeClr>
+                </a:solidFill>
+              </a:defRPr>
+            </a:lvl7pPr>
+            <a:lvl8pPr marL="3200400" indent="0" algn="ctr">
+              <a:buNone/>
+              <a:defRPr>
+                <a:solidFill>
+                  <a:schemeClr val="tx1">
+                    <a:tint val="75000"/>
+                  </a:schemeClr>
+                </a:solidFill>
+              </a:defRPr>
+            </a:lvl8pPr>
+            <a:lvl9pPr marL="3657600" indent="0" algn="ctr">
+              <a:buNone/>
+              <a:defRPr>
+                <a:solidFill>
+                  <a:schemeClr val="tx1">
+                    <a:tint val="75000"/>
+                  </a:schemeClr>
+                </a:solidFill>
+              </a:defRPr>
+            </a:lvl9pPr>
+          </a:lstStyle>
+          <a:p>
+            <a:r>
+              <a:rPr lang="fr-FR" smtClean="0"/>
+              <a:t>Cliquez pour modifier le style des sous-titres du masque</a:t>
+            </a:r>
+            <a:endParaRPr lang="fr-CA"/>
+          </a:p>
+        </p:txBody>
+      </p:sp>
+      <p:sp>
+        <p:nvSpPr>
+          <p:cNvPr id="4" name="Espace réservé de la date 3"/>
+          <p:cNvSpPr>
+            <a:spLocks noGrp="1"/>
+          </p:cNvSpPr>
+          <p:nvPr>
+            <p:ph type="dt" sz="half" idx="10"/>
+          </p:nvPr>
+        </p:nvSpPr>
+        <p:spPr/>
+        <p:txBody>
+          <a:bodyPr/>
+          <a:lstStyle>
+            <a:lvl1pPr>
+              <a:defRPr/>
+            </a:lvl1pPr>
+          </a:lstStyle>
+          <a:p>
+            <a:pPr>
+              <a:defRPr/>
+            </a:pPr>
+            <a:fld id="{2D21B75A-ACC3-45E9-99BF-8C293E9FCC3E}" type="datetimeFigureOut">
+              <a:rPr lang="fr-FR">
+                <a:solidFill>
+                  <a:prstClr val="black">
+                    <a:tint val="75000"/>
+                  </a:prstClr>
+                </a:solidFill>
+              </a:rPr>
+              <a:pPr>
+                <a:defRPr/>
+              </a:pPr>
+              <a:t>17/03/2014</a:t>
+            </a:fld>
+            <a:endParaRPr lang="fr-CA">
+              <a:solidFill>
+                <a:prstClr val="black">
+                  <a:tint val="75000"/>
+                </a:prstClr>
+              </a:solidFill>
+            </a:endParaRPr>
+          </a:p>
+        </p:txBody>
+      </p:sp>
+      <p:sp>
+        <p:nvSpPr>
+          <p:cNvPr id="5" name="Espace réservé du pied de page 4"/>
+          <p:cNvSpPr>
+            <a:spLocks noGrp="1"/>
+          </p:cNvSpPr>
+          <p:nvPr>
+            <p:ph type="ftr" sz="quarter" idx="11"/>
+          </p:nvPr>
+        </p:nvSpPr>
+        <p:spPr/>
+        <p:txBody>
+          <a:bodyPr/>
+          <a:lstStyle>
+            <a:lvl1pPr>
+              <a:defRPr/>
+            </a:lvl1pPr>
+          </a:lstStyle>
+          <a:p>
+            <a:pPr>
+              <a:defRPr/>
+            </a:pPr>
+            <a:endParaRPr lang="fr-CA">
+              <a:solidFill>
+                <a:prstClr val="black">
+                  <a:tint val="75000"/>
+                </a:prstClr>
+              </a:solidFill>
+            </a:endParaRPr>
+          </a:p>
+        </p:txBody>
+      </p:sp>
+      <p:sp>
+        <p:nvSpPr>
+          <p:cNvPr id="6" name="Espace réservé du numéro de diapositive 5"/>
+          <p:cNvSpPr>
+            <a:spLocks noGrp="1"/>
+          </p:cNvSpPr>
+          <p:nvPr>
+            <p:ph type="sldNum" sz="quarter" idx="12"/>
+          </p:nvPr>
+        </p:nvSpPr>
+        <p:spPr/>
+        <p:txBody>
+          <a:bodyPr/>
+          <a:lstStyle>
+            <a:lvl1pPr>
+              <a:defRPr/>
+            </a:lvl1pPr>
+          </a:lstStyle>
+          <a:p>
+            <a:pPr>
+              <a:defRPr/>
+            </a:pPr>
+            <a:fld id="{9E211B9E-8F16-4CAF-825B-DAF8D7CCEEFD}" type="slidenum">
+              <a:rPr lang="fr-CA">
+                <a:solidFill>
+                  <a:prstClr val="black">
+                    <a:tint val="75000"/>
+                  </a:prstClr>
+                </a:solidFill>
+              </a:rPr>
+              <a:pPr>
+                <a:defRPr/>
+              </a:pPr>
+              <a:t>‹#›</a:t>
+            </a:fld>
+            <a:endParaRPr lang="fr-CA">
+              <a:solidFill>
+                <a:prstClr val="black">
+                  <a:tint val="75000"/>
+                </a:prstClr>
+              </a:solidFill>
+            </a:endParaRPr>
+          </a:p>
+        </p:txBody>
+      </p:sp>
+    </p:spTree>
+    <p:extLst>
+      <p:ext uri="{BB962C8B-B14F-4D97-AF65-F5344CB8AC3E}">
+        <p14:creationId xmlns:p14="http://schemas.microsoft.com/office/powerpoint/2010/main" val="3948889037"/>
+      </p:ext>
+    </p:extLst>
+  </p:cSld>
+  <p:clrMapOvr>
+    <a:masterClrMapping/>
+  </p:clrMapOvr>
+</p:sldLayout>
+</file>
+
+<file path=ppt/slideLayouts/slideLayout24.xml><?xml version="1.0" encoding="utf-8"?>
+<p:sldLayout xmlns:a="http://schemas.openxmlformats.org/drawingml/2006/main" xmlns:r="http://schemas.openxmlformats.org/officeDocument/2006/relationships" xmlns:p="http://schemas.openxmlformats.org/presentationml/2006/main" type="obj" preserve="1">
+  <p:cSld name="Titre et contenu">
+    <p:spTree>
+      <p:nvGrpSpPr>
+        <p:cNvPr id="1" name=""/>
+        <p:cNvGrpSpPr/>
+        <p:nvPr/>
+      </p:nvGrpSpPr>
+      <p:grpSpPr>
+        <a:xfrm>
+          <a:off x="0" y="0"/>
+          <a:ext cx="0" cy="0"/>
+          <a:chOff x="0" y="0"/>
+          <a:chExt cx="0" cy="0"/>
+        </a:xfrm>
+      </p:grpSpPr>
+      <p:sp>
+        <p:nvSpPr>
+          <p:cNvPr id="2" name="Titre 1"/>
+          <p:cNvSpPr>
+            <a:spLocks noGrp="1"/>
+          </p:cNvSpPr>
+          <p:nvPr>
+            <p:ph type="title"/>
+          </p:nvPr>
+        </p:nvSpPr>
+        <p:spPr/>
+        <p:txBody>
+          <a:bodyPr/>
+          <a:lstStyle/>
+          <a:p>
+            <a:r>
+              <a:rPr lang="fr-FR" smtClean="0"/>
+              <a:t>Cliquez pour modifier le style du titre</a:t>
+            </a:r>
+            <a:endParaRPr lang="fr-CA"/>
+          </a:p>
+        </p:txBody>
+      </p:sp>
+      <p:sp>
+        <p:nvSpPr>
+          <p:cNvPr id="3" name="Espace réservé du contenu 2"/>
+          <p:cNvSpPr>
+            <a:spLocks noGrp="1"/>
+          </p:cNvSpPr>
+          <p:nvPr>
+            <p:ph idx="1"/>
+          </p:nvPr>
+        </p:nvSpPr>
+        <p:spPr/>
+        <p:txBody>
+          <a:bodyPr/>
+          <a:lstStyle/>
+          <a:p>
+            <a:pPr lvl="0"/>
+            <a:r>
+              <a:rPr lang="fr-FR" smtClean="0"/>
+              <a:t>Cliquez pour modifier les styles du texte du masque</a:t>
+            </a:r>
+          </a:p>
+          <a:p>
+            <a:pPr lvl="1"/>
+            <a:r>
+              <a:rPr lang="fr-FR" smtClean="0"/>
+              <a:t>Deuxième niveau</a:t>
+            </a:r>
+          </a:p>
+          <a:p>
+            <a:pPr lvl="2"/>
+            <a:r>
+              <a:rPr lang="fr-FR" smtClean="0"/>
+              <a:t>Troisième niveau</a:t>
+            </a:r>
+          </a:p>
+          <a:p>
+            <a:pPr lvl="3"/>
+            <a:r>
+              <a:rPr lang="fr-FR" smtClean="0"/>
+              <a:t>Quatrième niveau</a:t>
+            </a:r>
+          </a:p>
+          <a:p>
+            <a:pPr lvl="4"/>
+            <a:r>
+              <a:rPr lang="fr-FR" smtClean="0"/>
+              <a:t>Cinquième niveau</a:t>
+            </a:r>
+            <a:endParaRPr lang="fr-CA"/>
+          </a:p>
+        </p:txBody>
+      </p:sp>
+      <p:sp>
+        <p:nvSpPr>
+          <p:cNvPr id="4" name="Espace réservé de la date 3"/>
+          <p:cNvSpPr>
+            <a:spLocks noGrp="1"/>
+          </p:cNvSpPr>
+          <p:nvPr>
+            <p:ph type="dt" sz="half" idx="10"/>
+          </p:nvPr>
+        </p:nvSpPr>
+        <p:spPr/>
+        <p:txBody>
+          <a:bodyPr/>
+          <a:lstStyle>
+            <a:lvl1pPr>
+              <a:defRPr/>
+            </a:lvl1pPr>
+          </a:lstStyle>
+          <a:p>
+            <a:pPr>
+              <a:defRPr/>
+            </a:pPr>
+            <a:fld id="{A728FDC4-A3EE-4B60-B213-524BFF99EC8F}" type="datetimeFigureOut">
+              <a:rPr lang="fr-FR">
+                <a:solidFill>
+                  <a:prstClr val="black">
+                    <a:tint val="75000"/>
+                  </a:prstClr>
+                </a:solidFill>
+              </a:rPr>
+              <a:pPr>
+                <a:defRPr/>
+              </a:pPr>
+              <a:t>17/03/2014</a:t>
+            </a:fld>
+            <a:endParaRPr lang="fr-CA">
+              <a:solidFill>
+                <a:prstClr val="black">
+                  <a:tint val="75000"/>
+                </a:prstClr>
+              </a:solidFill>
+            </a:endParaRPr>
+          </a:p>
+        </p:txBody>
+      </p:sp>
+      <p:sp>
+        <p:nvSpPr>
+          <p:cNvPr id="5" name="Espace réservé du pied de page 4"/>
+          <p:cNvSpPr>
+            <a:spLocks noGrp="1"/>
+          </p:cNvSpPr>
+          <p:nvPr>
+            <p:ph type="ftr" sz="quarter" idx="11"/>
+          </p:nvPr>
+        </p:nvSpPr>
+        <p:spPr/>
+        <p:txBody>
+          <a:bodyPr/>
+          <a:lstStyle>
+            <a:lvl1pPr>
+              <a:defRPr/>
+            </a:lvl1pPr>
+          </a:lstStyle>
+          <a:p>
+            <a:pPr>
+              <a:defRPr/>
+            </a:pPr>
+            <a:endParaRPr lang="fr-CA">
+              <a:solidFill>
+                <a:prstClr val="black">
+                  <a:tint val="75000"/>
+                </a:prstClr>
+              </a:solidFill>
+            </a:endParaRPr>
+          </a:p>
+        </p:txBody>
+      </p:sp>
+      <p:sp>
+        <p:nvSpPr>
+          <p:cNvPr id="6" name="Espace réservé du numéro de diapositive 5"/>
+          <p:cNvSpPr>
+            <a:spLocks noGrp="1"/>
+          </p:cNvSpPr>
+          <p:nvPr>
+            <p:ph type="sldNum" sz="quarter" idx="12"/>
+          </p:nvPr>
+        </p:nvSpPr>
+        <p:spPr/>
+        <p:txBody>
+          <a:bodyPr/>
+          <a:lstStyle>
+            <a:lvl1pPr>
+              <a:defRPr/>
+            </a:lvl1pPr>
+          </a:lstStyle>
+          <a:p>
+            <a:pPr>
+              <a:defRPr/>
+            </a:pPr>
+            <a:fld id="{ABE39134-E119-4877-9308-4D1130BBEFBB}" type="slidenum">
+              <a:rPr lang="fr-CA">
+                <a:solidFill>
+                  <a:prstClr val="black">
+                    <a:tint val="75000"/>
+                  </a:prstClr>
+                </a:solidFill>
+              </a:rPr>
+              <a:pPr>
+                <a:defRPr/>
+              </a:pPr>
+              <a:t>‹#›</a:t>
+            </a:fld>
+            <a:endParaRPr lang="fr-CA">
+              <a:solidFill>
+                <a:prstClr val="black">
+                  <a:tint val="75000"/>
+                </a:prstClr>
+              </a:solidFill>
+            </a:endParaRPr>
+          </a:p>
+        </p:txBody>
+      </p:sp>
+    </p:spTree>
+    <p:extLst>
+      <p:ext uri="{BB962C8B-B14F-4D97-AF65-F5344CB8AC3E}">
+        <p14:creationId xmlns:p14="http://schemas.microsoft.com/office/powerpoint/2010/main" val="3757058543"/>
+      </p:ext>
+    </p:extLst>
+  </p:cSld>
+  <p:clrMapOvr>
+    <a:masterClrMapping/>
+  </p:clrMapOvr>
+</p:sldLayout>
+</file>
+
+<file path=ppt/slideLayouts/slideLayout25.xml><?xml version="1.0" encoding="utf-8"?>
 <p:sldLayout xmlns:a="http://schemas.openxmlformats.org/drawingml/2006/main" xmlns:r="http://schemas.openxmlformats.org/officeDocument/2006/relationships" xmlns:p="http://schemas.openxmlformats.org/presentationml/2006/main" type="secHead" preserve="1">
   <p:cSld name="Titre de section">
     <p:spTree>
@@ -4935,13 +5462,25 @@
               <a:defRPr/>
             </a:pPr>
             <a:fld id="{5F7721C8-4ADA-48C2-AEDD-C10FBDE0CE7F}" type="datetimeFigureOut">
-              <a:rPr lang="fr-FR"/>
+              <a:rPr lang="fr-FR">
+                <a:solidFill>
+                  <a:prstClr val="black">
+                    <a:tint val="75000"/>
+                  </a:prstClr>
+                </a:solidFill>
+              </a:rPr>
               <a:pPr>
                 <a:defRPr/>
               </a:pPr>
-              <a:t>15/03/2014</a:t>
+              <a:t>17/03/2014</a:t>
             </a:fld>
-            <a:endParaRPr lang="fr-CA"/>
+            <a:endParaRPr lang="fr-CA">
+              <a:solidFill>
+                <a:prstClr val="black">
+                  <a:tint val="75000"/>
+                </a:prstClr>
+              </a:solidFill>
+            </a:endParaRPr>
           </a:p>
         </p:txBody>
       </p:sp>
@@ -4967,7 +5506,13 @@
             <a:pPr>
               <a:defRPr/>
             </a:pPr>
-            <a:endParaRPr lang="fr-CA"/>
+            <a:endParaRPr lang="fr-CA">
+              <a:solidFill>
+                <a:prstClr val="black">
+                  <a:tint val="75000"/>
+                </a:prstClr>
+              </a:solidFill>
+            </a:endParaRPr>
           </a:p>
         </p:txBody>
       </p:sp>
@@ -4994,20 +5539,32 @@
               <a:defRPr/>
             </a:pPr>
             <a:fld id="{A11B87D4-D2D4-4695-9D33-C159A97836E6}" type="slidenum">
-              <a:rPr lang="fr-CA"/>
+              <a:rPr lang="fr-CA">
+                <a:solidFill>
+                  <a:prstClr val="black">
+                    <a:tint val="75000"/>
+                  </a:prstClr>
+                </a:solidFill>
+              </a:rPr>
               <a:pPr>
                 <a:defRPr/>
               </a:pPr>
               <a:t>‹#›</a:t>
             </a:fld>
-            <a:endParaRPr lang="fr-CA"/>
+            <a:endParaRPr lang="fr-CA">
+              <a:solidFill>
+                <a:prstClr val="black">
+                  <a:tint val="75000"/>
+                </a:prstClr>
+              </a:solidFill>
+            </a:endParaRPr>
           </a:p>
         </p:txBody>
       </p:sp>
     </p:spTree>
     <p:extLst>
       <p:ext uri="{BB962C8B-B14F-4D97-AF65-F5344CB8AC3E}">
-        <p14:creationId xmlns:p14="http://schemas.microsoft.com/office/powerpoint/2010/main" val="755027211"/>
+        <p14:creationId xmlns:p14="http://schemas.microsoft.com/office/powerpoint/2010/main" val="1525349602"/>
       </p:ext>
     </p:extLst>
   </p:cSld>
@@ -5017,7 +5574,7 @@
 </p:sldLayout>
 </file>
 
-<file path=ppt/slideLayouts/slideLayout4.xml><?xml version="1.0" encoding="utf-8"?>
+<file path=ppt/slideLayouts/slideLayout26.xml><?xml version="1.0" encoding="utf-8"?>
 <p:sldLayout xmlns:a="http://schemas.openxmlformats.org/drawingml/2006/main" xmlns:r="http://schemas.openxmlformats.org/officeDocument/2006/relationships" xmlns:p="http://schemas.openxmlformats.org/presentationml/2006/main" type="twoObj" preserve="1">
   <p:cSld name="Deux contenus">
     <p:spTree>
@@ -5250,13 +5807,25 @@
               <a:defRPr/>
             </a:pPr>
             <a:fld id="{95318E18-FD57-49EF-8E7D-1D3818009FC3}" type="datetimeFigureOut">
-              <a:rPr lang="fr-FR"/>
+              <a:rPr lang="fr-FR">
+                <a:solidFill>
+                  <a:prstClr val="black">
+                    <a:tint val="75000"/>
+                  </a:prstClr>
+                </a:solidFill>
+              </a:rPr>
               <a:pPr>
                 <a:defRPr/>
               </a:pPr>
-              <a:t>15/03/2014</a:t>
+              <a:t>17/03/2014</a:t>
             </a:fld>
-            <a:endParaRPr lang="fr-CA"/>
+            <a:endParaRPr lang="fr-CA">
+              <a:solidFill>
+                <a:prstClr val="black">
+                  <a:tint val="75000"/>
+                </a:prstClr>
+              </a:solidFill>
+            </a:endParaRPr>
           </a:p>
         </p:txBody>
       </p:sp>
@@ -5282,7 +5851,13 @@
             <a:pPr>
               <a:defRPr/>
             </a:pPr>
-            <a:endParaRPr lang="fr-CA"/>
+            <a:endParaRPr lang="fr-CA">
+              <a:solidFill>
+                <a:prstClr val="black">
+                  <a:tint val="75000"/>
+                </a:prstClr>
+              </a:solidFill>
+            </a:endParaRPr>
           </a:p>
         </p:txBody>
       </p:sp>
@@ -5309,20 +5884,32 @@
               <a:defRPr/>
             </a:pPr>
             <a:fld id="{EB11E058-7DF2-49C6-AEF7-B27802844182}" type="slidenum">
-              <a:rPr lang="fr-CA"/>
+              <a:rPr lang="fr-CA">
+                <a:solidFill>
+                  <a:prstClr val="black">
+                    <a:tint val="75000"/>
+                  </a:prstClr>
+                </a:solidFill>
+              </a:rPr>
               <a:pPr>
                 <a:defRPr/>
               </a:pPr>
               <a:t>‹#›</a:t>
             </a:fld>
-            <a:endParaRPr lang="fr-CA"/>
+            <a:endParaRPr lang="fr-CA">
+              <a:solidFill>
+                <a:prstClr val="black">
+                  <a:tint val="75000"/>
+                </a:prstClr>
+              </a:solidFill>
+            </a:endParaRPr>
           </a:p>
         </p:txBody>
       </p:sp>
     </p:spTree>
     <p:extLst>
       <p:ext uri="{BB962C8B-B14F-4D97-AF65-F5344CB8AC3E}">
-        <p14:creationId xmlns:p14="http://schemas.microsoft.com/office/powerpoint/2010/main" val="132020180"/>
+        <p14:creationId xmlns:p14="http://schemas.microsoft.com/office/powerpoint/2010/main" val="3035193669"/>
       </p:ext>
     </p:extLst>
   </p:cSld>
@@ -5332,7 +5919,7 @@
 </p:sldLayout>
 </file>
 
-<file path=ppt/slideLayouts/slideLayout5.xml><?xml version="1.0" encoding="utf-8"?>
+<file path=ppt/slideLayouts/slideLayout27.xml><?xml version="1.0" encoding="utf-8"?>
 <p:sldLayout xmlns:a="http://schemas.openxmlformats.org/drawingml/2006/main" xmlns:r="http://schemas.openxmlformats.org/officeDocument/2006/relationships" xmlns:p="http://schemas.openxmlformats.org/presentationml/2006/main" type="twoTxTwoObj" preserve="1">
   <p:cSld name="Comparaison">
     <p:spTree>
@@ -5699,13 +6286,25 @@
               <a:defRPr/>
             </a:pPr>
             <a:fld id="{4F97093E-A4C8-4ECC-A5F3-4F3428078293}" type="datetimeFigureOut">
-              <a:rPr lang="fr-FR"/>
+              <a:rPr lang="fr-FR">
+                <a:solidFill>
+                  <a:prstClr val="black">
+                    <a:tint val="75000"/>
+                  </a:prstClr>
+                </a:solidFill>
+              </a:rPr>
               <a:pPr>
                 <a:defRPr/>
               </a:pPr>
-              <a:t>15/03/2014</a:t>
+              <a:t>17/03/2014</a:t>
             </a:fld>
-            <a:endParaRPr lang="fr-CA"/>
+            <a:endParaRPr lang="fr-CA">
+              <a:solidFill>
+                <a:prstClr val="black">
+                  <a:tint val="75000"/>
+                </a:prstClr>
+              </a:solidFill>
+            </a:endParaRPr>
           </a:p>
         </p:txBody>
       </p:sp>
@@ -5731,7 +6330,13 @@
             <a:pPr>
               <a:defRPr/>
             </a:pPr>
-            <a:endParaRPr lang="fr-CA"/>
+            <a:endParaRPr lang="fr-CA">
+              <a:solidFill>
+                <a:prstClr val="black">
+                  <a:tint val="75000"/>
+                </a:prstClr>
+              </a:solidFill>
+            </a:endParaRPr>
           </a:p>
         </p:txBody>
       </p:sp>
@@ -5758,20 +6363,32 @@
               <a:defRPr/>
             </a:pPr>
             <a:fld id="{FC658A1F-F67B-4A6E-B05E-14CC8346E358}" type="slidenum">
-              <a:rPr lang="fr-CA"/>
+              <a:rPr lang="fr-CA">
+                <a:solidFill>
+                  <a:prstClr val="black">
+                    <a:tint val="75000"/>
+                  </a:prstClr>
+                </a:solidFill>
+              </a:rPr>
               <a:pPr>
                 <a:defRPr/>
               </a:pPr>
               <a:t>‹#›</a:t>
             </a:fld>
-            <a:endParaRPr lang="fr-CA"/>
+            <a:endParaRPr lang="fr-CA">
+              <a:solidFill>
+                <a:prstClr val="black">
+                  <a:tint val="75000"/>
+                </a:prstClr>
+              </a:solidFill>
+            </a:endParaRPr>
           </a:p>
         </p:txBody>
       </p:sp>
     </p:spTree>
     <p:extLst>
       <p:ext uri="{BB962C8B-B14F-4D97-AF65-F5344CB8AC3E}">
-        <p14:creationId xmlns:p14="http://schemas.microsoft.com/office/powerpoint/2010/main" val="1525647926"/>
+        <p14:creationId xmlns:p14="http://schemas.microsoft.com/office/powerpoint/2010/main" val="1465591354"/>
       </p:ext>
     </p:extLst>
   </p:cSld>
@@ -5781,7 +6398,7 @@
 </p:sldLayout>
 </file>
 
-<file path=ppt/slideLayouts/slideLayout6.xml><?xml version="1.0" encoding="utf-8"?>
+<file path=ppt/slideLayouts/slideLayout28.xml><?xml version="1.0" encoding="utf-8"?>
 <p:sldLayout xmlns:a="http://schemas.openxmlformats.org/drawingml/2006/main" xmlns:r="http://schemas.openxmlformats.org/officeDocument/2006/relationships" xmlns:p="http://schemas.openxmlformats.org/presentationml/2006/main" type="titleOnly" preserve="1">
   <p:cSld name="Titre seul">
     <p:spTree>
@@ -5844,13 +6461,25 @@
               <a:defRPr/>
             </a:pPr>
             <a:fld id="{2D7B113C-22A0-4609-97DC-F31794970970}" type="datetimeFigureOut">
-              <a:rPr lang="fr-FR"/>
+              <a:rPr lang="fr-FR">
+                <a:solidFill>
+                  <a:prstClr val="black">
+                    <a:tint val="75000"/>
+                  </a:prstClr>
+                </a:solidFill>
+              </a:rPr>
               <a:pPr>
                 <a:defRPr/>
               </a:pPr>
-              <a:t>15/03/2014</a:t>
+              <a:t>17/03/2014</a:t>
             </a:fld>
-            <a:endParaRPr lang="fr-CA"/>
+            <a:endParaRPr lang="fr-CA">
+              <a:solidFill>
+                <a:prstClr val="black">
+                  <a:tint val="75000"/>
+                </a:prstClr>
+              </a:solidFill>
+            </a:endParaRPr>
           </a:p>
         </p:txBody>
       </p:sp>
@@ -5876,7 +6505,13 @@
             <a:pPr>
               <a:defRPr/>
             </a:pPr>
-            <a:endParaRPr lang="fr-CA"/>
+            <a:endParaRPr lang="fr-CA">
+              <a:solidFill>
+                <a:prstClr val="black">
+                  <a:tint val="75000"/>
+                </a:prstClr>
+              </a:solidFill>
+            </a:endParaRPr>
           </a:p>
         </p:txBody>
       </p:sp>
@@ -5903,20 +6538,32 @@
               <a:defRPr/>
             </a:pPr>
             <a:fld id="{B792F932-8A19-4536-979E-6C4D316C1356}" type="slidenum">
-              <a:rPr lang="fr-CA"/>
+              <a:rPr lang="fr-CA">
+                <a:solidFill>
+                  <a:prstClr val="black">
+                    <a:tint val="75000"/>
+                  </a:prstClr>
+                </a:solidFill>
+              </a:rPr>
               <a:pPr>
                 <a:defRPr/>
               </a:pPr>
               <a:t>‹#›</a:t>
             </a:fld>
-            <a:endParaRPr lang="fr-CA"/>
+            <a:endParaRPr lang="fr-CA">
+              <a:solidFill>
+                <a:prstClr val="black">
+                  <a:tint val="75000"/>
+                </a:prstClr>
+              </a:solidFill>
+            </a:endParaRPr>
           </a:p>
         </p:txBody>
       </p:sp>
     </p:spTree>
     <p:extLst>
       <p:ext uri="{BB962C8B-B14F-4D97-AF65-F5344CB8AC3E}">
-        <p14:creationId xmlns:p14="http://schemas.microsoft.com/office/powerpoint/2010/main" val="726108803"/>
+        <p14:creationId xmlns:p14="http://schemas.microsoft.com/office/powerpoint/2010/main" val="712774092"/>
       </p:ext>
     </p:extLst>
   </p:cSld>
@@ -5926,7 +6573,7 @@
 </p:sldLayout>
 </file>
 
-<file path=ppt/slideLayouts/slideLayout7.xml><?xml version="1.0" encoding="utf-8"?>
+<file path=ppt/slideLayouts/slideLayout29.xml><?xml version="1.0" encoding="utf-8"?>
 <p:sldLayout xmlns:a="http://schemas.openxmlformats.org/drawingml/2006/main" xmlns:r="http://schemas.openxmlformats.org/officeDocument/2006/relationships" xmlns:p="http://schemas.openxmlformats.org/presentationml/2006/main" type="blank" preserve="1">
   <p:cSld name="Vide">
     <p:spTree>
@@ -5966,13 +6613,25 @@
               <a:defRPr/>
             </a:pPr>
             <a:fld id="{4453D4E9-2AE7-44D5-B23F-79D33A9FACD1}" type="datetimeFigureOut">
-              <a:rPr lang="fr-FR"/>
+              <a:rPr lang="fr-FR">
+                <a:solidFill>
+                  <a:prstClr val="black">
+                    <a:tint val="75000"/>
+                  </a:prstClr>
+                </a:solidFill>
+              </a:rPr>
               <a:pPr>
                 <a:defRPr/>
               </a:pPr>
-              <a:t>15/03/2014</a:t>
+              <a:t>17/03/2014</a:t>
             </a:fld>
-            <a:endParaRPr lang="fr-CA"/>
+            <a:endParaRPr lang="fr-CA">
+              <a:solidFill>
+                <a:prstClr val="black">
+                  <a:tint val="75000"/>
+                </a:prstClr>
+              </a:solidFill>
+            </a:endParaRPr>
           </a:p>
         </p:txBody>
       </p:sp>
@@ -5998,7 +6657,13 @@
             <a:pPr>
               <a:defRPr/>
             </a:pPr>
-            <a:endParaRPr lang="fr-CA"/>
+            <a:endParaRPr lang="fr-CA">
+              <a:solidFill>
+                <a:prstClr val="black">
+                  <a:tint val="75000"/>
+                </a:prstClr>
+              </a:solidFill>
+            </a:endParaRPr>
           </a:p>
         </p:txBody>
       </p:sp>
@@ -6025,20 +6690,32 @@
               <a:defRPr/>
             </a:pPr>
             <a:fld id="{C14850EA-6C63-40DB-8DDC-8154D43146F7}" type="slidenum">
-              <a:rPr lang="fr-CA"/>
+              <a:rPr lang="fr-CA">
+                <a:solidFill>
+                  <a:prstClr val="black">
+                    <a:tint val="75000"/>
+                  </a:prstClr>
+                </a:solidFill>
+              </a:rPr>
               <a:pPr>
                 <a:defRPr/>
               </a:pPr>
               <a:t>‹#›</a:t>
             </a:fld>
-            <a:endParaRPr lang="fr-CA"/>
+            <a:endParaRPr lang="fr-CA">
+              <a:solidFill>
+                <a:prstClr val="black">
+                  <a:tint val="75000"/>
+                </a:prstClr>
+              </a:solidFill>
+            </a:endParaRPr>
           </a:p>
         </p:txBody>
       </p:sp>
     </p:spTree>
     <p:extLst>
       <p:ext uri="{BB962C8B-B14F-4D97-AF65-F5344CB8AC3E}">
-        <p14:creationId xmlns:p14="http://schemas.microsoft.com/office/powerpoint/2010/main" val="1637726097"/>
+        <p14:creationId xmlns:p14="http://schemas.microsoft.com/office/powerpoint/2010/main" val="3818641903"/>
       </p:ext>
     </p:extLst>
   </p:cSld>
@@ -6048,7 +6725,280 @@
 </p:sldLayout>
 </file>
 
-<file path=ppt/slideLayouts/slideLayout8.xml><?xml version="1.0" encoding="utf-8"?>
+<file path=ppt/slideLayouts/slideLayout3.xml><?xml version="1.0" encoding="utf-8"?>
+<p:sldLayout xmlns:a="http://schemas.openxmlformats.org/drawingml/2006/main" xmlns:r="http://schemas.openxmlformats.org/officeDocument/2006/relationships" xmlns:p="http://schemas.openxmlformats.org/presentationml/2006/main" type="secHead" preserve="1">
+  <p:cSld name="Titre de section">
+    <p:spTree>
+      <p:nvGrpSpPr>
+        <p:cNvPr id="1" name=""/>
+        <p:cNvGrpSpPr/>
+        <p:nvPr/>
+      </p:nvGrpSpPr>
+      <p:grpSpPr>
+        <a:xfrm>
+          <a:off x="0" y="0"/>
+          <a:ext cx="0" cy="0"/>
+          <a:chOff x="0" y="0"/>
+          <a:chExt cx="0" cy="0"/>
+        </a:xfrm>
+      </p:grpSpPr>
+      <p:sp>
+        <p:nvSpPr>
+          <p:cNvPr id="2" name="Titre 1"/>
+          <p:cNvSpPr>
+            <a:spLocks noGrp="1"/>
+          </p:cNvSpPr>
+          <p:nvPr>
+            <p:ph type="title"/>
+          </p:nvPr>
+        </p:nvSpPr>
+        <p:spPr>
+          <a:xfrm>
+            <a:off x="722313" y="4406900"/>
+            <a:ext cx="7772400" cy="1362075"/>
+          </a:xfrm>
+        </p:spPr>
+        <p:txBody>
+          <a:bodyPr anchor="t"/>
+          <a:lstStyle>
+            <a:lvl1pPr algn="l">
+              <a:defRPr sz="4000" b="1" cap="all"/>
+            </a:lvl1pPr>
+          </a:lstStyle>
+          <a:p>
+            <a:r>
+              <a:rPr lang="fr-FR" smtClean="0"/>
+              <a:t>Cliquez pour modifier le style du titre</a:t>
+            </a:r>
+            <a:endParaRPr lang="fr-CA"/>
+          </a:p>
+        </p:txBody>
+      </p:sp>
+      <p:sp>
+        <p:nvSpPr>
+          <p:cNvPr id="3" name="Espace réservé du texte 2"/>
+          <p:cNvSpPr>
+            <a:spLocks noGrp="1"/>
+          </p:cNvSpPr>
+          <p:nvPr>
+            <p:ph type="body" idx="1"/>
+          </p:nvPr>
+        </p:nvSpPr>
+        <p:spPr>
+          <a:xfrm>
+            <a:off x="722313" y="2906713"/>
+            <a:ext cx="7772400" cy="1500187"/>
+          </a:xfrm>
+        </p:spPr>
+        <p:txBody>
+          <a:bodyPr anchor="b"/>
+          <a:lstStyle>
+            <a:lvl1pPr marL="0" indent="0">
+              <a:buNone/>
+              <a:defRPr sz="2000">
+                <a:solidFill>
+                  <a:schemeClr val="tx1">
+                    <a:tint val="75000"/>
+                  </a:schemeClr>
+                </a:solidFill>
+              </a:defRPr>
+            </a:lvl1pPr>
+            <a:lvl2pPr marL="457200" indent="0">
+              <a:buNone/>
+              <a:defRPr sz="1800">
+                <a:solidFill>
+                  <a:schemeClr val="tx1">
+                    <a:tint val="75000"/>
+                  </a:schemeClr>
+                </a:solidFill>
+              </a:defRPr>
+            </a:lvl2pPr>
+            <a:lvl3pPr marL="914400" indent="0">
+              <a:buNone/>
+              <a:defRPr sz="1600">
+                <a:solidFill>
+                  <a:schemeClr val="tx1">
+                    <a:tint val="75000"/>
+                  </a:schemeClr>
+                </a:solidFill>
+              </a:defRPr>
+            </a:lvl3pPr>
+            <a:lvl4pPr marL="1371600" indent="0">
+              <a:buNone/>
+              <a:defRPr sz="1400">
+                <a:solidFill>
+                  <a:schemeClr val="tx1">
+                    <a:tint val="75000"/>
+                  </a:schemeClr>
+                </a:solidFill>
+              </a:defRPr>
+            </a:lvl4pPr>
+            <a:lvl5pPr marL="1828800" indent="0">
+              <a:buNone/>
+              <a:defRPr sz="1400">
+                <a:solidFill>
+                  <a:schemeClr val="tx1">
+                    <a:tint val="75000"/>
+                  </a:schemeClr>
+                </a:solidFill>
+              </a:defRPr>
+            </a:lvl5pPr>
+            <a:lvl6pPr marL="2286000" indent="0">
+              <a:buNone/>
+              <a:defRPr sz="1400">
+                <a:solidFill>
+                  <a:schemeClr val="tx1">
+                    <a:tint val="75000"/>
+                  </a:schemeClr>
+                </a:solidFill>
+              </a:defRPr>
+            </a:lvl6pPr>
+            <a:lvl7pPr marL="2743200" indent="0">
+              <a:buNone/>
+              <a:defRPr sz="1400">
+                <a:solidFill>
+                  <a:schemeClr val="tx1">
+                    <a:tint val="75000"/>
+                  </a:schemeClr>
+                </a:solidFill>
+              </a:defRPr>
+            </a:lvl7pPr>
+            <a:lvl8pPr marL="3200400" indent="0">
+              <a:buNone/>
+              <a:defRPr sz="1400">
+                <a:solidFill>
+                  <a:schemeClr val="tx1">
+                    <a:tint val="75000"/>
+                  </a:schemeClr>
+                </a:solidFill>
+              </a:defRPr>
+            </a:lvl8pPr>
+            <a:lvl9pPr marL="3657600" indent="0">
+              <a:buNone/>
+              <a:defRPr sz="1400">
+                <a:solidFill>
+                  <a:schemeClr val="tx1">
+                    <a:tint val="75000"/>
+                  </a:schemeClr>
+                </a:solidFill>
+              </a:defRPr>
+            </a:lvl9pPr>
+          </a:lstStyle>
+          <a:p>
+            <a:pPr lvl="0"/>
+            <a:r>
+              <a:rPr lang="fr-FR" smtClean="0"/>
+              <a:t>Cliquez pour modifier les styles du texte du masque</a:t>
+            </a:r>
+          </a:p>
+        </p:txBody>
+      </p:sp>
+      <p:sp>
+        <p:nvSpPr>
+          <p:cNvPr id="4" name="Espace réservé de la date 3"/>
+          <p:cNvSpPr>
+            <a:spLocks noGrp="1"/>
+          </p:cNvSpPr>
+          <p:nvPr>
+            <p:ph type="dt" sz="half" idx="10"/>
+          </p:nvPr>
+        </p:nvSpPr>
+        <p:spPr/>
+        <p:txBody>
+          <a:bodyPr/>
+          <a:lstStyle>
+            <a:lvl1pPr>
+              <a:defRPr/>
+            </a:lvl1pPr>
+          </a:lstStyle>
+          <a:p>
+            <a:pPr>
+              <a:defRPr/>
+            </a:pPr>
+            <a:fld id="{5F7721C8-4ADA-48C2-AEDD-C10FBDE0CE7F}" type="datetimeFigureOut">
+              <a:rPr lang="fr-FR"/>
+              <a:pPr>
+                <a:defRPr/>
+              </a:pPr>
+              <a:t>17/03/2014</a:t>
+            </a:fld>
+            <a:endParaRPr lang="fr-CA"/>
+          </a:p>
+        </p:txBody>
+      </p:sp>
+      <p:sp>
+        <p:nvSpPr>
+          <p:cNvPr id="5" name="Espace réservé du pied de page 4"/>
+          <p:cNvSpPr>
+            <a:spLocks noGrp="1"/>
+          </p:cNvSpPr>
+          <p:nvPr>
+            <p:ph type="ftr" sz="quarter" idx="11"/>
+          </p:nvPr>
+        </p:nvSpPr>
+        <p:spPr/>
+        <p:txBody>
+          <a:bodyPr/>
+          <a:lstStyle>
+            <a:lvl1pPr>
+              <a:defRPr/>
+            </a:lvl1pPr>
+          </a:lstStyle>
+          <a:p>
+            <a:pPr>
+              <a:defRPr/>
+            </a:pPr>
+            <a:endParaRPr lang="fr-CA"/>
+          </a:p>
+        </p:txBody>
+      </p:sp>
+      <p:sp>
+        <p:nvSpPr>
+          <p:cNvPr id="6" name="Espace réservé du numéro de diapositive 5"/>
+          <p:cNvSpPr>
+            <a:spLocks noGrp="1"/>
+          </p:cNvSpPr>
+          <p:nvPr>
+            <p:ph type="sldNum" sz="quarter" idx="12"/>
+          </p:nvPr>
+        </p:nvSpPr>
+        <p:spPr/>
+        <p:txBody>
+          <a:bodyPr/>
+          <a:lstStyle>
+            <a:lvl1pPr>
+              <a:defRPr/>
+            </a:lvl1pPr>
+          </a:lstStyle>
+          <a:p>
+            <a:pPr>
+              <a:defRPr/>
+            </a:pPr>
+            <a:fld id="{A11B87D4-D2D4-4695-9D33-C159A97836E6}" type="slidenum">
+              <a:rPr lang="fr-CA"/>
+              <a:pPr>
+                <a:defRPr/>
+              </a:pPr>
+              <a:t>‹#›</a:t>
+            </a:fld>
+            <a:endParaRPr lang="fr-CA"/>
+          </a:p>
+        </p:txBody>
+      </p:sp>
+    </p:spTree>
+    <p:extLst>
+      <p:ext uri="{BB962C8B-B14F-4D97-AF65-F5344CB8AC3E}">
+        <p14:creationId xmlns:p14="http://schemas.microsoft.com/office/powerpoint/2010/main" val="755027211"/>
+      </p:ext>
+    </p:extLst>
+  </p:cSld>
+  <p:clrMapOvr>
+    <a:masterClrMapping/>
+  </p:clrMapOvr>
+</p:sldLayout>
+</file>
+
+<file path=ppt/slideLayouts/slideLayout30.xml><?xml version="1.0" encoding="utf-8"?>
 <p:sldLayout xmlns:a="http://schemas.openxmlformats.org/drawingml/2006/main" xmlns:r="http://schemas.openxmlformats.org/officeDocument/2006/relationships" xmlns:p="http://schemas.openxmlformats.org/presentationml/2006/main" type="objTx" preserve="1">
   <p:cSld name="Contenu avec légende">
     <p:spTree>
@@ -6270,13 +7220,25 @@
               <a:defRPr/>
             </a:pPr>
             <a:fld id="{CC29D74E-78CC-4F1A-B22B-281425343ABC}" type="datetimeFigureOut">
-              <a:rPr lang="fr-FR"/>
+              <a:rPr lang="fr-FR">
+                <a:solidFill>
+                  <a:prstClr val="black">
+                    <a:tint val="75000"/>
+                  </a:prstClr>
+                </a:solidFill>
+              </a:rPr>
               <a:pPr>
                 <a:defRPr/>
               </a:pPr>
-              <a:t>15/03/2014</a:t>
+              <a:t>17/03/2014</a:t>
             </a:fld>
-            <a:endParaRPr lang="fr-CA"/>
+            <a:endParaRPr lang="fr-CA">
+              <a:solidFill>
+                <a:prstClr val="black">
+                  <a:tint val="75000"/>
+                </a:prstClr>
+              </a:solidFill>
+            </a:endParaRPr>
           </a:p>
         </p:txBody>
       </p:sp>
@@ -6302,7 +7264,13 @@
             <a:pPr>
               <a:defRPr/>
             </a:pPr>
-            <a:endParaRPr lang="fr-CA"/>
+            <a:endParaRPr lang="fr-CA">
+              <a:solidFill>
+                <a:prstClr val="black">
+                  <a:tint val="75000"/>
+                </a:prstClr>
+              </a:solidFill>
+            </a:endParaRPr>
           </a:p>
         </p:txBody>
       </p:sp>
@@ -6329,20 +7297,32 @@
               <a:defRPr/>
             </a:pPr>
             <a:fld id="{39A539E0-6E28-4012-A28B-68A1137698A8}" type="slidenum">
-              <a:rPr lang="fr-CA"/>
+              <a:rPr lang="fr-CA">
+                <a:solidFill>
+                  <a:prstClr val="black">
+                    <a:tint val="75000"/>
+                  </a:prstClr>
+                </a:solidFill>
+              </a:rPr>
               <a:pPr>
                 <a:defRPr/>
               </a:pPr>
               <a:t>‹#›</a:t>
             </a:fld>
-            <a:endParaRPr lang="fr-CA"/>
+            <a:endParaRPr lang="fr-CA">
+              <a:solidFill>
+                <a:prstClr val="black">
+                  <a:tint val="75000"/>
+                </a:prstClr>
+              </a:solidFill>
+            </a:endParaRPr>
           </a:p>
         </p:txBody>
       </p:sp>
     </p:spTree>
     <p:extLst>
       <p:ext uri="{BB962C8B-B14F-4D97-AF65-F5344CB8AC3E}">
-        <p14:creationId xmlns:p14="http://schemas.microsoft.com/office/powerpoint/2010/main" val="416941481"/>
+        <p14:creationId xmlns:p14="http://schemas.microsoft.com/office/powerpoint/2010/main" val="3641337244"/>
       </p:ext>
     </p:extLst>
   </p:cSld>
@@ -6352,7 +7332,7 @@
 </p:sldLayout>
 </file>
 
-<file path=ppt/slideLayouts/slideLayout9.xml><?xml version="1.0" encoding="utf-8"?>
+<file path=ppt/slideLayouts/slideLayout31.xml><?xml version="1.0" encoding="utf-8"?>
 <p:sldLayout xmlns:a="http://schemas.openxmlformats.org/drawingml/2006/main" xmlns:r="http://schemas.openxmlformats.org/officeDocument/2006/relationships" xmlns:p="http://schemas.openxmlformats.org/presentationml/2006/main" type="picTx" preserve="1">
   <p:cSld name="Image avec légende">
     <p:spTree>
@@ -6553,11 +7533,2123 @@
               <a:defRPr/>
             </a:pPr>
             <a:fld id="{E828ADF1-31BE-49AF-AE1F-FA49451BD604}" type="datetimeFigureOut">
+              <a:rPr lang="fr-FR">
+                <a:solidFill>
+                  <a:prstClr val="black">
+                    <a:tint val="75000"/>
+                  </a:prstClr>
+                </a:solidFill>
+              </a:rPr>
+              <a:pPr>
+                <a:defRPr/>
+              </a:pPr>
+              <a:t>17/03/2014</a:t>
+            </a:fld>
+            <a:endParaRPr lang="fr-CA">
+              <a:solidFill>
+                <a:prstClr val="black">
+                  <a:tint val="75000"/>
+                </a:prstClr>
+              </a:solidFill>
+            </a:endParaRPr>
+          </a:p>
+        </p:txBody>
+      </p:sp>
+      <p:sp>
+        <p:nvSpPr>
+          <p:cNvPr id="6" name="Espace réservé du pied de page 4"/>
+          <p:cNvSpPr>
+            <a:spLocks noGrp="1"/>
+          </p:cNvSpPr>
+          <p:nvPr>
+            <p:ph type="ftr" sz="quarter" idx="11"/>
+          </p:nvPr>
+        </p:nvSpPr>
+        <p:spPr/>
+        <p:txBody>
+          <a:bodyPr/>
+          <a:lstStyle>
+            <a:lvl1pPr>
+              <a:defRPr/>
+            </a:lvl1pPr>
+          </a:lstStyle>
+          <a:p>
+            <a:pPr>
+              <a:defRPr/>
+            </a:pPr>
+            <a:endParaRPr lang="fr-CA">
+              <a:solidFill>
+                <a:prstClr val="black">
+                  <a:tint val="75000"/>
+                </a:prstClr>
+              </a:solidFill>
+            </a:endParaRPr>
+          </a:p>
+        </p:txBody>
+      </p:sp>
+      <p:sp>
+        <p:nvSpPr>
+          <p:cNvPr id="7" name="Espace réservé du numéro de diapositive 5"/>
+          <p:cNvSpPr>
+            <a:spLocks noGrp="1"/>
+          </p:cNvSpPr>
+          <p:nvPr>
+            <p:ph type="sldNum" sz="quarter" idx="12"/>
+          </p:nvPr>
+        </p:nvSpPr>
+        <p:spPr/>
+        <p:txBody>
+          <a:bodyPr/>
+          <a:lstStyle>
+            <a:lvl1pPr>
+              <a:defRPr/>
+            </a:lvl1pPr>
+          </a:lstStyle>
+          <a:p>
+            <a:pPr>
+              <a:defRPr/>
+            </a:pPr>
+            <a:fld id="{8ECA844C-0478-4D1E-B59D-7EBFEDBC9CFA}" type="slidenum">
+              <a:rPr lang="fr-CA">
+                <a:solidFill>
+                  <a:prstClr val="black">
+                    <a:tint val="75000"/>
+                  </a:prstClr>
+                </a:solidFill>
+              </a:rPr>
+              <a:pPr>
+                <a:defRPr/>
+              </a:pPr>
+              <a:t>‹#›</a:t>
+            </a:fld>
+            <a:endParaRPr lang="fr-CA">
+              <a:solidFill>
+                <a:prstClr val="black">
+                  <a:tint val="75000"/>
+                </a:prstClr>
+              </a:solidFill>
+            </a:endParaRPr>
+          </a:p>
+        </p:txBody>
+      </p:sp>
+    </p:spTree>
+    <p:extLst>
+      <p:ext uri="{BB962C8B-B14F-4D97-AF65-F5344CB8AC3E}">
+        <p14:creationId xmlns:p14="http://schemas.microsoft.com/office/powerpoint/2010/main" val="2890895617"/>
+      </p:ext>
+    </p:extLst>
+  </p:cSld>
+  <p:clrMapOvr>
+    <a:masterClrMapping/>
+  </p:clrMapOvr>
+</p:sldLayout>
+</file>
+
+<file path=ppt/slideLayouts/slideLayout32.xml><?xml version="1.0" encoding="utf-8"?>
+<p:sldLayout xmlns:a="http://schemas.openxmlformats.org/drawingml/2006/main" xmlns:r="http://schemas.openxmlformats.org/officeDocument/2006/relationships" xmlns:p="http://schemas.openxmlformats.org/presentationml/2006/main" type="vertTx" preserve="1">
+  <p:cSld name="Titre et texte vertical">
+    <p:spTree>
+      <p:nvGrpSpPr>
+        <p:cNvPr id="1" name=""/>
+        <p:cNvGrpSpPr/>
+        <p:nvPr/>
+      </p:nvGrpSpPr>
+      <p:grpSpPr>
+        <a:xfrm>
+          <a:off x="0" y="0"/>
+          <a:ext cx="0" cy="0"/>
+          <a:chOff x="0" y="0"/>
+          <a:chExt cx="0" cy="0"/>
+        </a:xfrm>
+      </p:grpSpPr>
+      <p:sp>
+        <p:nvSpPr>
+          <p:cNvPr id="2" name="Titre 1"/>
+          <p:cNvSpPr>
+            <a:spLocks noGrp="1"/>
+          </p:cNvSpPr>
+          <p:nvPr>
+            <p:ph type="title"/>
+          </p:nvPr>
+        </p:nvSpPr>
+        <p:spPr/>
+        <p:txBody>
+          <a:bodyPr/>
+          <a:lstStyle/>
+          <a:p>
+            <a:r>
+              <a:rPr lang="fr-FR" smtClean="0"/>
+              <a:t>Cliquez pour modifier le style du titre</a:t>
+            </a:r>
+            <a:endParaRPr lang="fr-CA"/>
+          </a:p>
+        </p:txBody>
+      </p:sp>
+      <p:sp>
+        <p:nvSpPr>
+          <p:cNvPr id="3" name="Espace réservé du texte vertical 2"/>
+          <p:cNvSpPr>
+            <a:spLocks noGrp="1"/>
+          </p:cNvSpPr>
+          <p:nvPr>
+            <p:ph type="body" orient="vert" idx="1"/>
+          </p:nvPr>
+        </p:nvSpPr>
+        <p:spPr/>
+        <p:txBody>
+          <a:bodyPr vert="eaVert"/>
+          <a:lstStyle/>
+          <a:p>
+            <a:pPr lvl="0"/>
+            <a:r>
+              <a:rPr lang="fr-FR" smtClean="0"/>
+              <a:t>Cliquez pour modifier les styles du texte du masque</a:t>
+            </a:r>
+          </a:p>
+          <a:p>
+            <a:pPr lvl="1"/>
+            <a:r>
+              <a:rPr lang="fr-FR" smtClean="0"/>
+              <a:t>Deuxième niveau</a:t>
+            </a:r>
+          </a:p>
+          <a:p>
+            <a:pPr lvl="2"/>
+            <a:r>
+              <a:rPr lang="fr-FR" smtClean="0"/>
+              <a:t>Troisième niveau</a:t>
+            </a:r>
+          </a:p>
+          <a:p>
+            <a:pPr lvl="3"/>
+            <a:r>
+              <a:rPr lang="fr-FR" smtClean="0"/>
+              <a:t>Quatrième niveau</a:t>
+            </a:r>
+          </a:p>
+          <a:p>
+            <a:pPr lvl="4"/>
+            <a:r>
+              <a:rPr lang="fr-FR" smtClean="0"/>
+              <a:t>Cinquième niveau</a:t>
+            </a:r>
+            <a:endParaRPr lang="fr-CA"/>
+          </a:p>
+        </p:txBody>
+      </p:sp>
+      <p:sp>
+        <p:nvSpPr>
+          <p:cNvPr id="4" name="Espace réservé de la date 3"/>
+          <p:cNvSpPr>
+            <a:spLocks noGrp="1"/>
+          </p:cNvSpPr>
+          <p:nvPr>
+            <p:ph type="dt" sz="half" idx="10"/>
+          </p:nvPr>
+        </p:nvSpPr>
+        <p:spPr/>
+        <p:txBody>
+          <a:bodyPr/>
+          <a:lstStyle>
+            <a:lvl1pPr>
+              <a:defRPr/>
+            </a:lvl1pPr>
+          </a:lstStyle>
+          <a:p>
+            <a:pPr>
+              <a:defRPr/>
+            </a:pPr>
+            <a:fld id="{9B05A5D7-85DD-4529-AFC4-CD16C3CECF3F}" type="datetimeFigureOut">
+              <a:rPr lang="fr-FR">
+                <a:solidFill>
+                  <a:prstClr val="black">
+                    <a:tint val="75000"/>
+                  </a:prstClr>
+                </a:solidFill>
+              </a:rPr>
+              <a:pPr>
+                <a:defRPr/>
+              </a:pPr>
+              <a:t>17/03/2014</a:t>
+            </a:fld>
+            <a:endParaRPr lang="fr-CA">
+              <a:solidFill>
+                <a:prstClr val="black">
+                  <a:tint val="75000"/>
+                </a:prstClr>
+              </a:solidFill>
+            </a:endParaRPr>
+          </a:p>
+        </p:txBody>
+      </p:sp>
+      <p:sp>
+        <p:nvSpPr>
+          <p:cNvPr id="5" name="Espace réservé du pied de page 4"/>
+          <p:cNvSpPr>
+            <a:spLocks noGrp="1"/>
+          </p:cNvSpPr>
+          <p:nvPr>
+            <p:ph type="ftr" sz="quarter" idx="11"/>
+          </p:nvPr>
+        </p:nvSpPr>
+        <p:spPr/>
+        <p:txBody>
+          <a:bodyPr/>
+          <a:lstStyle>
+            <a:lvl1pPr>
+              <a:defRPr/>
+            </a:lvl1pPr>
+          </a:lstStyle>
+          <a:p>
+            <a:pPr>
+              <a:defRPr/>
+            </a:pPr>
+            <a:endParaRPr lang="fr-CA">
+              <a:solidFill>
+                <a:prstClr val="black">
+                  <a:tint val="75000"/>
+                </a:prstClr>
+              </a:solidFill>
+            </a:endParaRPr>
+          </a:p>
+        </p:txBody>
+      </p:sp>
+      <p:sp>
+        <p:nvSpPr>
+          <p:cNvPr id="6" name="Espace réservé du numéro de diapositive 5"/>
+          <p:cNvSpPr>
+            <a:spLocks noGrp="1"/>
+          </p:cNvSpPr>
+          <p:nvPr>
+            <p:ph type="sldNum" sz="quarter" idx="12"/>
+          </p:nvPr>
+        </p:nvSpPr>
+        <p:spPr/>
+        <p:txBody>
+          <a:bodyPr/>
+          <a:lstStyle>
+            <a:lvl1pPr>
+              <a:defRPr/>
+            </a:lvl1pPr>
+          </a:lstStyle>
+          <a:p>
+            <a:pPr>
+              <a:defRPr/>
+            </a:pPr>
+            <a:fld id="{A3E9D1EB-FFD5-4B8C-A2C6-2BDD7E6B335A}" type="slidenum">
+              <a:rPr lang="fr-CA">
+                <a:solidFill>
+                  <a:prstClr val="black">
+                    <a:tint val="75000"/>
+                  </a:prstClr>
+                </a:solidFill>
+              </a:rPr>
+              <a:pPr>
+                <a:defRPr/>
+              </a:pPr>
+              <a:t>‹#›</a:t>
+            </a:fld>
+            <a:endParaRPr lang="fr-CA">
+              <a:solidFill>
+                <a:prstClr val="black">
+                  <a:tint val="75000"/>
+                </a:prstClr>
+              </a:solidFill>
+            </a:endParaRPr>
+          </a:p>
+        </p:txBody>
+      </p:sp>
+    </p:spTree>
+    <p:extLst>
+      <p:ext uri="{BB962C8B-B14F-4D97-AF65-F5344CB8AC3E}">
+        <p14:creationId xmlns:p14="http://schemas.microsoft.com/office/powerpoint/2010/main" val="403472239"/>
+      </p:ext>
+    </p:extLst>
+  </p:cSld>
+  <p:clrMapOvr>
+    <a:masterClrMapping/>
+  </p:clrMapOvr>
+</p:sldLayout>
+</file>
+
+<file path=ppt/slideLayouts/slideLayout33.xml><?xml version="1.0" encoding="utf-8"?>
+<p:sldLayout xmlns:a="http://schemas.openxmlformats.org/drawingml/2006/main" xmlns:r="http://schemas.openxmlformats.org/officeDocument/2006/relationships" xmlns:p="http://schemas.openxmlformats.org/presentationml/2006/main" type="vertTitleAndTx" preserve="1">
+  <p:cSld name="Titre vertical et texte">
+    <p:spTree>
+      <p:nvGrpSpPr>
+        <p:cNvPr id="1" name=""/>
+        <p:cNvGrpSpPr/>
+        <p:nvPr/>
+      </p:nvGrpSpPr>
+      <p:grpSpPr>
+        <a:xfrm>
+          <a:off x="0" y="0"/>
+          <a:ext cx="0" cy="0"/>
+          <a:chOff x="0" y="0"/>
+          <a:chExt cx="0" cy="0"/>
+        </a:xfrm>
+      </p:grpSpPr>
+      <p:sp>
+        <p:nvSpPr>
+          <p:cNvPr id="2" name="Titre vertical 1"/>
+          <p:cNvSpPr>
+            <a:spLocks noGrp="1"/>
+          </p:cNvSpPr>
+          <p:nvPr>
+            <p:ph type="title" orient="vert"/>
+          </p:nvPr>
+        </p:nvSpPr>
+        <p:spPr>
+          <a:xfrm>
+            <a:off x="6629400" y="274638"/>
+            <a:ext cx="2057400" cy="5851525"/>
+          </a:xfrm>
+        </p:spPr>
+        <p:txBody>
+          <a:bodyPr vert="eaVert"/>
+          <a:lstStyle/>
+          <a:p>
+            <a:r>
+              <a:rPr lang="fr-FR" smtClean="0"/>
+              <a:t>Cliquez pour modifier le style du titre</a:t>
+            </a:r>
+            <a:endParaRPr lang="fr-CA"/>
+          </a:p>
+        </p:txBody>
+      </p:sp>
+      <p:sp>
+        <p:nvSpPr>
+          <p:cNvPr id="3" name="Espace réservé du texte vertical 2"/>
+          <p:cNvSpPr>
+            <a:spLocks noGrp="1"/>
+          </p:cNvSpPr>
+          <p:nvPr>
+            <p:ph type="body" orient="vert" idx="1"/>
+          </p:nvPr>
+        </p:nvSpPr>
+        <p:spPr>
+          <a:xfrm>
+            <a:off x="457200" y="274638"/>
+            <a:ext cx="6019800" cy="5851525"/>
+          </a:xfrm>
+        </p:spPr>
+        <p:txBody>
+          <a:bodyPr vert="eaVert"/>
+          <a:lstStyle/>
+          <a:p>
+            <a:pPr lvl="0"/>
+            <a:r>
+              <a:rPr lang="fr-FR" smtClean="0"/>
+              <a:t>Cliquez pour modifier les styles du texte du masque</a:t>
+            </a:r>
+          </a:p>
+          <a:p>
+            <a:pPr lvl="1"/>
+            <a:r>
+              <a:rPr lang="fr-FR" smtClean="0"/>
+              <a:t>Deuxième niveau</a:t>
+            </a:r>
+          </a:p>
+          <a:p>
+            <a:pPr lvl="2"/>
+            <a:r>
+              <a:rPr lang="fr-FR" smtClean="0"/>
+              <a:t>Troisième niveau</a:t>
+            </a:r>
+          </a:p>
+          <a:p>
+            <a:pPr lvl="3"/>
+            <a:r>
+              <a:rPr lang="fr-FR" smtClean="0"/>
+              <a:t>Quatrième niveau</a:t>
+            </a:r>
+          </a:p>
+          <a:p>
+            <a:pPr lvl="4"/>
+            <a:r>
+              <a:rPr lang="fr-FR" smtClean="0"/>
+              <a:t>Cinquième niveau</a:t>
+            </a:r>
+            <a:endParaRPr lang="fr-CA"/>
+          </a:p>
+        </p:txBody>
+      </p:sp>
+      <p:sp>
+        <p:nvSpPr>
+          <p:cNvPr id="4" name="Espace réservé de la date 3"/>
+          <p:cNvSpPr>
+            <a:spLocks noGrp="1"/>
+          </p:cNvSpPr>
+          <p:nvPr>
+            <p:ph type="dt" sz="half" idx="10"/>
+          </p:nvPr>
+        </p:nvSpPr>
+        <p:spPr/>
+        <p:txBody>
+          <a:bodyPr/>
+          <a:lstStyle>
+            <a:lvl1pPr>
+              <a:defRPr/>
+            </a:lvl1pPr>
+          </a:lstStyle>
+          <a:p>
+            <a:pPr>
+              <a:defRPr/>
+            </a:pPr>
+            <a:fld id="{688DAAA0-A89C-4889-81A3-E855943B5DCB}" type="datetimeFigureOut">
+              <a:rPr lang="fr-FR">
+                <a:solidFill>
+                  <a:prstClr val="black">
+                    <a:tint val="75000"/>
+                  </a:prstClr>
+                </a:solidFill>
+              </a:rPr>
+              <a:pPr>
+                <a:defRPr/>
+              </a:pPr>
+              <a:t>17/03/2014</a:t>
+            </a:fld>
+            <a:endParaRPr lang="fr-CA">
+              <a:solidFill>
+                <a:prstClr val="black">
+                  <a:tint val="75000"/>
+                </a:prstClr>
+              </a:solidFill>
+            </a:endParaRPr>
+          </a:p>
+        </p:txBody>
+      </p:sp>
+      <p:sp>
+        <p:nvSpPr>
+          <p:cNvPr id="5" name="Espace réservé du pied de page 4"/>
+          <p:cNvSpPr>
+            <a:spLocks noGrp="1"/>
+          </p:cNvSpPr>
+          <p:nvPr>
+            <p:ph type="ftr" sz="quarter" idx="11"/>
+          </p:nvPr>
+        </p:nvSpPr>
+        <p:spPr/>
+        <p:txBody>
+          <a:bodyPr/>
+          <a:lstStyle>
+            <a:lvl1pPr>
+              <a:defRPr/>
+            </a:lvl1pPr>
+          </a:lstStyle>
+          <a:p>
+            <a:pPr>
+              <a:defRPr/>
+            </a:pPr>
+            <a:endParaRPr lang="fr-CA">
+              <a:solidFill>
+                <a:prstClr val="black">
+                  <a:tint val="75000"/>
+                </a:prstClr>
+              </a:solidFill>
+            </a:endParaRPr>
+          </a:p>
+        </p:txBody>
+      </p:sp>
+      <p:sp>
+        <p:nvSpPr>
+          <p:cNvPr id="6" name="Espace réservé du numéro de diapositive 5"/>
+          <p:cNvSpPr>
+            <a:spLocks noGrp="1"/>
+          </p:cNvSpPr>
+          <p:nvPr>
+            <p:ph type="sldNum" sz="quarter" idx="12"/>
+          </p:nvPr>
+        </p:nvSpPr>
+        <p:spPr/>
+        <p:txBody>
+          <a:bodyPr/>
+          <a:lstStyle>
+            <a:lvl1pPr>
+              <a:defRPr/>
+            </a:lvl1pPr>
+          </a:lstStyle>
+          <a:p>
+            <a:pPr>
+              <a:defRPr/>
+            </a:pPr>
+            <a:fld id="{3B75B817-A520-4CA5-9E06-5D100088E73C}" type="slidenum">
+              <a:rPr lang="fr-CA">
+                <a:solidFill>
+                  <a:prstClr val="black">
+                    <a:tint val="75000"/>
+                  </a:prstClr>
+                </a:solidFill>
+              </a:rPr>
+              <a:pPr>
+                <a:defRPr/>
+              </a:pPr>
+              <a:t>‹#›</a:t>
+            </a:fld>
+            <a:endParaRPr lang="fr-CA">
+              <a:solidFill>
+                <a:prstClr val="black">
+                  <a:tint val="75000"/>
+                </a:prstClr>
+              </a:solidFill>
+            </a:endParaRPr>
+          </a:p>
+        </p:txBody>
+      </p:sp>
+    </p:spTree>
+    <p:extLst>
+      <p:ext uri="{BB962C8B-B14F-4D97-AF65-F5344CB8AC3E}">
+        <p14:creationId xmlns:p14="http://schemas.microsoft.com/office/powerpoint/2010/main" val="29294405"/>
+      </p:ext>
+    </p:extLst>
+  </p:cSld>
+  <p:clrMapOvr>
+    <a:masterClrMapping/>
+  </p:clrMapOvr>
+</p:sldLayout>
+</file>
+
+<file path=ppt/slideLayouts/slideLayout4.xml><?xml version="1.0" encoding="utf-8"?>
+<p:sldLayout xmlns:a="http://schemas.openxmlformats.org/drawingml/2006/main" xmlns:r="http://schemas.openxmlformats.org/officeDocument/2006/relationships" xmlns:p="http://schemas.openxmlformats.org/presentationml/2006/main" type="twoObj" preserve="1">
+  <p:cSld name="Deux contenus">
+    <p:spTree>
+      <p:nvGrpSpPr>
+        <p:cNvPr id="1" name=""/>
+        <p:cNvGrpSpPr/>
+        <p:nvPr/>
+      </p:nvGrpSpPr>
+      <p:grpSpPr>
+        <a:xfrm>
+          <a:off x="0" y="0"/>
+          <a:ext cx="0" cy="0"/>
+          <a:chOff x="0" y="0"/>
+          <a:chExt cx="0" cy="0"/>
+        </a:xfrm>
+      </p:grpSpPr>
+      <p:sp>
+        <p:nvSpPr>
+          <p:cNvPr id="2" name="Titre 1"/>
+          <p:cNvSpPr>
+            <a:spLocks noGrp="1"/>
+          </p:cNvSpPr>
+          <p:nvPr>
+            <p:ph type="title"/>
+          </p:nvPr>
+        </p:nvSpPr>
+        <p:spPr/>
+        <p:txBody>
+          <a:bodyPr/>
+          <a:lstStyle/>
+          <a:p>
+            <a:r>
+              <a:rPr lang="fr-FR" smtClean="0"/>
+              <a:t>Cliquez pour modifier le style du titre</a:t>
+            </a:r>
+            <a:endParaRPr lang="fr-CA"/>
+          </a:p>
+        </p:txBody>
+      </p:sp>
+      <p:sp>
+        <p:nvSpPr>
+          <p:cNvPr id="3" name="Espace réservé du contenu 2"/>
+          <p:cNvSpPr>
+            <a:spLocks noGrp="1"/>
+          </p:cNvSpPr>
+          <p:nvPr>
+            <p:ph sz="half" idx="1"/>
+          </p:nvPr>
+        </p:nvSpPr>
+        <p:spPr>
+          <a:xfrm>
+            <a:off x="457200" y="1600200"/>
+            <a:ext cx="4038600" cy="4525963"/>
+          </a:xfrm>
+        </p:spPr>
+        <p:txBody>
+          <a:bodyPr/>
+          <a:lstStyle>
+            <a:lvl1pPr>
+              <a:defRPr sz="2800"/>
+            </a:lvl1pPr>
+            <a:lvl2pPr>
+              <a:defRPr sz="2400"/>
+            </a:lvl2pPr>
+            <a:lvl3pPr>
+              <a:defRPr sz="2000"/>
+            </a:lvl3pPr>
+            <a:lvl4pPr>
+              <a:defRPr sz="1800"/>
+            </a:lvl4pPr>
+            <a:lvl5pPr>
+              <a:defRPr sz="1800"/>
+            </a:lvl5pPr>
+            <a:lvl6pPr>
+              <a:defRPr sz="1800"/>
+            </a:lvl6pPr>
+            <a:lvl7pPr>
+              <a:defRPr sz="1800"/>
+            </a:lvl7pPr>
+            <a:lvl8pPr>
+              <a:defRPr sz="1800"/>
+            </a:lvl8pPr>
+            <a:lvl9pPr>
+              <a:defRPr sz="1800"/>
+            </a:lvl9pPr>
+          </a:lstStyle>
+          <a:p>
+            <a:pPr lvl="0"/>
+            <a:r>
+              <a:rPr lang="fr-FR" smtClean="0"/>
+              <a:t>Cliquez pour modifier les styles du texte du masque</a:t>
+            </a:r>
+          </a:p>
+          <a:p>
+            <a:pPr lvl="1"/>
+            <a:r>
+              <a:rPr lang="fr-FR" smtClean="0"/>
+              <a:t>Deuxième niveau</a:t>
+            </a:r>
+          </a:p>
+          <a:p>
+            <a:pPr lvl="2"/>
+            <a:r>
+              <a:rPr lang="fr-FR" smtClean="0"/>
+              <a:t>Troisième niveau</a:t>
+            </a:r>
+          </a:p>
+          <a:p>
+            <a:pPr lvl="3"/>
+            <a:r>
+              <a:rPr lang="fr-FR" smtClean="0"/>
+              <a:t>Quatrième niveau</a:t>
+            </a:r>
+          </a:p>
+          <a:p>
+            <a:pPr lvl="4"/>
+            <a:r>
+              <a:rPr lang="fr-FR" smtClean="0"/>
+              <a:t>Cinquième niveau</a:t>
+            </a:r>
+            <a:endParaRPr lang="fr-CA"/>
+          </a:p>
+        </p:txBody>
+      </p:sp>
+      <p:sp>
+        <p:nvSpPr>
+          <p:cNvPr id="4" name="Espace réservé du contenu 3"/>
+          <p:cNvSpPr>
+            <a:spLocks noGrp="1"/>
+          </p:cNvSpPr>
+          <p:nvPr>
+            <p:ph sz="half" idx="2"/>
+          </p:nvPr>
+        </p:nvSpPr>
+        <p:spPr>
+          <a:xfrm>
+            <a:off x="4648200" y="1600200"/>
+            <a:ext cx="4038600" cy="4525963"/>
+          </a:xfrm>
+        </p:spPr>
+        <p:txBody>
+          <a:bodyPr/>
+          <a:lstStyle>
+            <a:lvl1pPr>
+              <a:defRPr sz="2800"/>
+            </a:lvl1pPr>
+            <a:lvl2pPr>
+              <a:defRPr sz="2400"/>
+            </a:lvl2pPr>
+            <a:lvl3pPr>
+              <a:defRPr sz="2000"/>
+            </a:lvl3pPr>
+            <a:lvl4pPr>
+              <a:defRPr sz="1800"/>
+            </a:lvl4pPr>
+            <a:lvl5pPr>
+              <a:defRPr sz="1800"/>
+            </a:lvl5pPr>
+            <a:lvl6pPr>
+              <a:defRPr sz="1800"/>
+            </a:lvl6pPr>
+            <a:lvl7pPr>
+              <a:defRPr sz="1800"/>
+            </a:lvl7pPr>
+            <a:lvl8pPr>
+              <a:defRPr sz="1800"/>
+            </a:lvl8pPr>
+            <a:lvl9pPr>
+              <a:defRPr sz="1800"/>
+            </a:lvl9pPr>
+          </a:lstStyle>
+          <a:p>
+            <a:pPr lvl="0"/>
+            <a:r>
+              <a:rPr lang="fr-FR" smtClean="0"/>
+              <a:t>Cliquez pour modifier les styles du texte du masque</a:t>
+            </a:r>
+          </a:p>
+          <a:p>
+            <a:pPr lvl="1"/>
+            <a:r>
+              <a:rPr lang="fr-FR" smtClean="0"/>
+              <a:t>Deuxième niveau</a:t>
+            </a:r>
+          </a:p>
+          <a:p>
+            <a:pPr lvl="2"/>
+            <a:r>
+              <a:rPr lang="fr-FR" smtClean="0"/>
+              <a:t>Troisième niveau</a:t>
+            </a:r>
+          </a:p>
+          <a:p>
+            <a:pPr lvl="3"/>
+            <a:r>
+              <a:rPr lang="fr-FR" smtClean="0"/>
+              <a:t>Quatrième niveau</a:t>
+            </a:r>
+          </a:p>
+          <a:p>
+            <a:pPr lvl="4"/>
+            <a:r>
+              <a:rPr lang="fr-FR" smtClean="0"/>
+              <a:t>Cinquième niveau</a:t>
+            </a:r>
+            <a:endParaRPr lang="fr-CA"/>
+          </a:p>
+        </p:txBody>
+      </p:sp>
+      <p:sp>
+        <p:nvSpPr>
+          <p:cNvPr id="5" name="Espace réservé de la date 3"/>
+          <p:cNvSpPr>
+            <a:spLocks noGrp="1"/>
+          </p:cNvSpPr>
+          <p:nvPr>
+            <p:ph type="dt" sz="half" idx="10"/>
+          </p:nvPr>
+        </p:nvSpPr>
+        <p:spPr/>
+        <p:txBody>
+          <a:bodyPr/>
+          <a:lstStyle>
+            <a:lvl1pPr>
+              <a:defRPr/>
+            </a:lvl1pPr>
+          </a:lstStyle>
+          <a:p>
+            <a:pPr>
+              <a:defRPr/>
+            </a:pPr>
+            <a:fld id="{95318E18-FD57-49EF-8E7D-1D3818009FC3}" type="datetimeFigureOut">
               <a:rPr lang="fr-FR"/>
               <a:pPr>
                 <a:defRPr/>
               </a:pPr>
-              <a:t>15/03/2014</a:t>
+              <a:t>17/03/2014</a:t>
+            </a:fld>
+            <a:endParaRPr lang="fr-CA"/>
+          </a:p>
+        </p:txBody>
+      </p:sp>
+      <p:sp>
+        <p:nvSpPr>
+          <p:cNvPr id="6" name="Espace réservé du pied de page 4"/>
+          <p:cNvSpPr>
+            <a:spLocks noGrp="1"/>
+          </p:cNvSpPr>
+          <p:nvPr>
+            <p:ph type="ftr" sz="quarter" idx="11"/>
+          </p:nvPr>
+        </p:nvSpPr>
+        <p:spPr/>
+        <p:txBody>
+          <a:bodyPr/>
+          <a:lstStyle>
+            <a:lvl1pPr>
+              <a:defRPr/>
+            </a:lvl1pPr>
+          </a:lstStyle>
+          <a:p>
+            <a:pPr>
+              <a:defRPr/>
+            </a:pPr>
+            <a:endParaRPr lang="fr-CA"/>
+          </a:p>
+        </p:txBody>
+      </p:sp>
+      <p:sp>
+        <p:nvSpPr>
+          <p:cNvPr id="7" name="Espace réservé du numéro de diapositive 5"/>
+          <p:cNvSpPr>
+            <a:spLocks noGrp="1"/>
+          </p:cNvSpPr>
+          <p:nvPr>
+            <p:ph type="sldNum" sz="quarter" idx="12"/>
+          </p:nvPr>
+        </p:nvSpPr>
+        <p:spPr/>
+        <p:txBody>
+          <a:bodyPr/>
+          <a:lstStyle>
+            <a:lvl1pPr>
+              <a:defRPr/>
+            </a:lvl1pPr>
+          </a:lstStyle>
+          <a:p>
+            <a:pPr>
+              <a:defRPr/>
+            </a:pPr>
+            <a:fld id="{EB11E058-7DF2-49C6-AEF7-B27802844182}" type="slidenum">
+              <a:rPr lang="fr-CA"/>
+              <a:pPr>
+                <a:defRPr/>
+              </a:pPr>
+              <a:t>‹#›</a:t>
+            </a:fld>
+            <a:endParaRPr lang="fr-CA"/>
+          </a:p>
+        </p:txBody>
+      </p:sp>
+    </p:spTree>
+    <p:extLst>
+      <p:ext uri="{BB962C8B-B14F-4D97-AF65-F5344CB8AC3E}">
+        <p14:creationId xmlns:p14="http://schemas.microsoft.com/office/powerpoint/2010/main" val="132020180"/>
+      </p:ext>
+    </p:extLst>
+  </p:cSld>
+  <p:clrMapOvr>
+    <a:masterClrMapping/>
+  </p:clrMapOvr>
+</p:sldLayout>
+</file>
+
+<file path=ppt/slideLayouts/slideLayout5.xml><?xml version="1.0" encoding="utf-8"?>
+<p:sldLayout xmlns:a="http://schemas.openxmlformats.org/drawingml/2006/main" xmlns:r="http://schemas.openxmlformats.org/officeDocument/2006/relationships" xmlns:p="http://schemas.openxmlformats.org/presentationml/2006/main" type="twoTxTwoObj" preserve="1">
+  <p:cSld name="Comparaison">
+    <p:spTree>
+      <p:nvGrpSpPr>
+        <p:cNvPr id="1" name=""/>
+        <p:cNvGrpSpPr/>
+        <p:nvPr/>
+      </p:nvGrpSpPr>
+      <p:grpSpPr>
+        <a:xfrm>
+          <a:off x="0" y="0"/>
+          <a:ext cx="0" cy="0"/>
+          <a:chOff x="0" y="0"/>
+          <a:chExt cx="0" cy="0"/>
+        </a:xfrm>
+      </p:grpSpPr>
+      <p:sp>
+        <p:nvSpPr>
+          <p:cNvPr id="2" name="Titre 1"/>
+          <p:cNvSpPr>
+            <a:spLocks noGrp="1"/>
+          </p:cNvSpPr>
+          <p:nvPr>
+            <p:ph type="title"/>
+          </p:nvPr>
+        </p:nvSpPr>
+        <p:spPr/>
+        <p:txBody>
+          <a:bodyPr/>
+          <a:lstStyle>
+            <a:lvl1pPr>
+              <a:defRPr/>
+            </a:lvl1pPr>
+          </a:lstStyle>
+          <a:p>
+            <a:r>
+              <a:rPr lang="fr-FR" smtClean="0"/>
+              <a:t>Cliquez pour modifier le style du titre</a:t>
+            </a:r>
+            <a:endParaRPr lang="fr-CA"/>
+          </a:p>
+        </p:txBody>
+      </p:sp>
+      <p:sp>
+        <p:nvSpPr>
+          <p:cNvPr id="3" name="Espace réservé du texte 2"/>
+          <p:cNvSpPr>
+            <a:spLocks noGrp="1"/>
+          </p:cNvSpPr>
+          <p:nvPr>
+            <p:ph type="body" idx="1"/>
+          </p:nvPr>
+        </p:nvSpPr>
+        <p:spPr>
+          <a:xfrm>
+            <a:off x="457200" y="1535113"/>
+            <a:ext cx="4040188" cy="639762"/>
+          </a:xfrm>
+        </p:spPr>
+        <p:txBody>
+          <a:bodyPr anchor="b"/>
+          <a:lstStyle>
+            <a:lvl1pPr marL="0" indent="0">
+              <a:buNone/>
+              <a:defRPr sz="2400" b="1"/>
+            </a:lvl1pPr>
+            <a:lvl2pPr marL="457200" indent="0">
+              <a:buNone/>
+              <a:defRPr sz="2000" b="1"/>
+            </a:lvl2pPr>
+            <a:lvl3pPr marL="914400" indent="0">
+              <a:buNone/>
+              <a:defRPr sz="1800" b="1"/>
+            </a:lvl3pPr>
+            <a:lvl4pPr marL="1371600" indent="0">
+              <a:buNone/>
+              <a:defRPr sz="1600" b="1"/>
+            </a:lvl4pPr>
+            <a:lvl5pPr marL="1828800" indent="0">
+              <a:buNone/>
+              <a:defRPr sz="1600" b="1"/>
+            </a:lvl5pPr>
+            <a:lvl6pPr marL="2286000" indent="0">
+              <a:buNone/>
+              <a:defRPr sz="1600" b="1"/>
+            </a:lvl6pPr>
+            <a:lvl7pPr marL="2743200" indent="0">
+              <a:buNone/>
+              <a:defRPr sz="1600" b="1"/>
+            </a:lvl7pPr>
+            <a:lvl8pPr marL="3200400" indent="0">
+              <a:buNone/>
+              <a:defRPr sz="1600" b="1"/>
+            </a:lvl8pPr>
+            <a:lvl9pPr marL="3657600" indent="0">
+              <a:buNone/>
+              <a:defRPr sz="1600" b="1"/>
+            </a:lvl9pPr>
+          </a:lstStyle>
+          <a:p>
+            <a:pPr lvl="0"/>
+            <a:r>
+              <a:rPr lang="fr-FR" smtClean="0"/>
+              <a:t>Cliquez pour modifier les styles du texte du masque</a:t>
+            </a:r>
+          </a:p>
+        </p:txBody>
+      </p:sp>
+      <p:sp>
+        <p:nvSpPr>
+          <p:cNvPr id="4" name="Espace réservé du contenu 3"/>
+          <p:cNvSpPr>
+            <a:spLocks noGrp="1"/>
+          </p:cNvSpPr>
+          <p:nvPr>
+            <p:ph sz="half" idx="2"/>
+          </p:nvPr>
+        </p:nvSpPr>
+        <p:spPr>
+          <a:xfrm>
+            <a:off x="457200" y="2174875"/>
+            <a:ext cx="4040188" cy="3951288"/>
+          </a:xfrm>
+        </p:spPr>
+        <p:txBody>
+          <a:bodyPr/>
+          <a:lstStyle>
+            <a:lvl1pPr>
+              <a:defRPr sz="2400"/>
+            </a:lvl1pPr>
+            <a:lvl2pPr>
+              <a:defRPr sz="2000"/>
+            </a:lvl2pPr>
+            <a:lvl3pPr>
+              <a:defRPr sz="1800"/>
+            </a:lvl3pPr>
+            <a:lvl4pPr>
+              <a:defRPr sz="1600"/>
+            </a:lvl4pPr>
+            <a:lvl5pPr>
+              <a:defRPr sz="1600"/>
+            </a:lvl5pPr>
+            <a:lvl6pPr>
+              <a:defRPr sz="1600"/>
+            </a:lvl6pPr>
+            <a:lvl7pPr>
+              <a:defRPr sz="1600"/>
+            </a:lvl7pPr>
+            <a:lvl8pPr>
+              <a:defRPr sz="1600"/>
+            </a:lvl8pPr>
+            <a:lvl9pPr>
+              <a:defRPr sz="1600"/>
+            </a:lvl9pPr>
+          </a:lstStyle>
+          <a:p>
+            <a:pPr lvl="0"/>
+            <a:r>
+              <a:rPr lang="fr-FR" smtClean="0"/>
+              <a:t>Cliquez pour modifier les styles du texte du masque</a:t>
+            </a:r>
+          </a:p>
+          <a:p>
+            <a:pPr lvl="1"/>
+            <a:r>
+              <a:rPr lang="fr-FR" smtClean="0"/>
+              <a:t>Deuxième niveau</a:t>
+            </a:r>
+          </a:p>
+          <a:p>
+            <a:pPr lvl="2"/>
+            <a:r>
+              <a:rPr lang="fr-FR" smtClean="0"/>
+              <a:t>Troisième niveau</a:t>
+            </a:r>
+          </a:p>
+          <a:p>
+            <a:pPr lvl="3"/>
+            <a:r>
+              <a:rPr lang="fr-FR" smtClean="0"/>
+              <a:t>Quatrième niveau</a:t>
+            </a:r>
+          </a:p>
+          <a:p>
+            <a:pPr lvl="4"/>
+            <a:r>
+              <a:rPr lang="fr-FR" smtClean="0"/>
+              <a:t>Cinquième niveau</a:t>
+            </a:r>
+            <a:endParaRPr lang="fr-CA"/>
+          </a:p>
+        </p:txBody>
+      </p:sp>
+      <p:sp>
+        <p:nvSpPr>
+          <p:cNvPr id="5" name="Espace réservé du texte 4"/>
+          <p:cNvSpPr>
+            <a:spLocks noGrp="1"/>
+          </p:cNvSpPr>
+          <p:nvPr>
+            <p:ph type="body" sz="quarter" idx="3"/>
+          </p:nvPr>
+        </p:nvSpPr>
+        <p:spPr>
+          <a:xfrm>
+            <a:off x="4645025" y="1535113"/>
+            <a:ext cx="4041775" cy="639762"/>
+          </a:xfrm>
+        </p:spPr>
+        <p:txBody>
+          <a:bodyPr anchor="b"/>
+          <a:lstStyle>
+            <a:lvl1pPr marL="0" indent="0">
+              <a:buNone/>
+              <a:defRPr sz="2400" b="1"/>
+            </a:lvl1pPr>
+            <a:lvl2pPr marL="457200" indent="0">
+              <a:buNone/>
+              <a:defRPr sz="2000" b="1"/>
+            </a:lvl2pPr>
+            <a:lvl3pPr marL="914400" indent="0">
+              <a:buNone/>
+              <a:defRPr sz="1800" b="1"/>
+            </a:lvl3pPr>
+            <a:lvl4pPr marL="1371600" indent="0">
+              <a:buNone/>
+              <a:defRPr sz="1600" b="1"/>
+            </a:lvl4pPr>
+            <a:lvl5pPr marL="1828800" indent="0">
+              <a:buNone/>
+              <a:defRPr sz="1600" b="1"/>
+            </a:lvl5pPr>
+            <a:lvl6pPr marL="2286000" indent="0">
+              <a:buNone/>
+              <a:defRPr sz="1600" b="1"/>
+            </a:lvl6pPr>
+            <a:lvl7pPr marL="2743200" indent="0">
+              <a:buNone/>
+              <a:defRPr sz="1600" b="1"/>
+            </a:lvl7pPr>
+            <a:lvl8pPr marL="3200400" indent="0">
+              <a:buNone/>
+              <a:defRPr sz="1600" b="1"/>
+            </a:lvl8pPr>
+            <a:lvl9pPr marL="3657600" indent="0">
+              <a:buNone/>
+              <a:defRPr sz="1600" b="1"/>
+            </a:lvl9pPr>
+          </a:lstStyle>
+          <a:p>
+            <a:pPr lvl="0"/>
+            <a:r>
+              <a:rPr lang="fr-FR" smtClean="0"/>
+              <a:t>Cliquez pour modifier les styles du texte du masque</a:t>
+            </a:r>
+          </a:p>
+        </p:txBody>
+      </p:sp>
+      <p:sp>
+        <p:nvSpPr>
+          <p:cNvPr id="6" name="Espace réservé du contenu 5"/>
+          <p:cNvSpPr>
+            <a:spLocks noGrp="1"/>
+          </p:cNvSpPr>
+          <p:nvPr>
+            <p:ph sz="quarter" idx="4"/>
+          </p:nvPr>
+        </p:nvSpPr>
+        <p:spPr>
+          <a:xfrm>
+            <a:off x="4645025" y="2174875"/>
+            <a:ext cx="4041775" cy="3951288"/>
+          </a:xfrm>
+        </p:spPr>
+        <p:txBody>
+          <a:bodyPr/>
+          <a:lstStyle>
+            <a:lvl1pPr>
+              <a:defRPr sz="2400"/>
+            </a:lvl1pPr>
+            <a:lvl2pPr>
+              <a:defRPr sz="2000"/>
+            </a:lvl2pPr>
+            <a:lvl3pPr>
+              <a:defRPr sz="1800"/>
+            </a:lvl3pPr>
+            <a:lvl4pPr>
+              <a:defRPr sz="1600"/>
+            </a:lvl4pPr>
+            <a:lvl5pPr>
+              <a:defRPr sz="1600"/>
+            </a:lvl5pPr>
+            <a:lvl6pPr>
+              <a:defRPr sz="1600"/>
+            </a:lvl6pPr>
+            <a:lvl7pPr>
+              <a:defRPr sz="1600"/>
+            </a:lvl7pPr>
+            <a:lvl8pPr>
+              <a:defRPr sz="1600"/>
+            </a:lvl8pPr>
+            <a:lvl9pPr>
+              <a:defRPr sz="1600"/>
+            </a:lvl9pPr>
+          </a:lstStyle>
+          <a:p>
+            <a:pPr lvl="0"/>
+            <a:r>
+              <a:rPr lang="fr-FR" smtClean="0"/>
+              <a:t>Cliquez pour modifier les styles du texte du masque</a:t>
+            </a:r>
+          </a:p>
+          <a:p>
+            <a:pPr lvl="1"/>
+            <a:r>
+              <a:rPr lang="fr-FR" smtClean="0"/>
+              <a:t>Deuxième niveau</a:t>
+            </a:r>
+          </a:p>
+          <a:p>
+            <a:pPr lvl="2"/>
+            <a:r>
+              <a:rPr lang="fr-FR" smtClean="0"/>
+              <a:t>Troisième niveau</a:t>
+            </a:r>
+          </a:p>
+          <a:p>
+            <a:pPr lvl="3"/>
+            <a:r>
+              <a:rPr lang="fr-FR" smtClean="0"/>
+              <a:t>Quatrième niveau</a:t>
+            </a:r>
+          </a:p>
+          <a:p>
+            <a:pPr lvl="4"/>
+            <a:r>
+              <a:rPr lang="fr-FR" smtClean="0"/>
+              <a:t>Cinquième niveau</a:t>
+            </a:r>
+            <a:endParaRPr lang="fr-CA"/>
+          </a:p>
+        </p:txBody>
+      </p:sp>
+      <p:sp>
+        <p:nvSpPr>
+          <p:cNvPr id="7" name="Espace réservé de la date 3"/>
+          <p:cNvSpPr>
+            <a:spLocks noGrp="1"/>
+          </p:cNvSpPr>
+          <p:nvPr>
+            <p:ph type="dt" sz="half" idx="10"/>
+          </p:nvPr>
+        </p:nvSpPr>
+        <p:spPr/>
+        <p:txBody>
+          <a:bodyPr/>
+          <a:lstStyle>
+            <a:lvl1pPr>
+              <a:defRPr/>
+            </a:lvl1pPr>
+          </a:lstStyle>
+          <a:p>
+            <a:pPr>
+              <a:defRPr/>
+            </a:pPr>
+            <a:fld id="{4F97093E-A4C8-4ECC-A5F3-4F3428078293}" type="datetimeFigureOut">
+              <a:rPr lang="fr-FR"/>
+              <a:pPr>
+                <a:defRPr/>
+              </a:pPr>
+              <a:t>17/03/2014</a:t>
+            </a:fld>
+            <a:endParaRPr lang="fr-CA"/>
+          </a:p>
+        </p:txBody>
+      </p:sp>
+      <p:sp>
+        <p:nvSpPr>
+          <p:cNvPr id="8" name="Espace réservé du pied de page 4"/>
+          <p:cNvSpPr>
+            <a:spLocks noGrp="1"/>
+          </p:cNvSpPr>
+          <p:nvPr>
+            <p:ph type="ftr" sz="quarter" idx="11"/>
+          </p:nvPr>
+        </p:nvSpPr>
+        <p:spPr/>
+        <p:txBody>
+          <a:bodyPr/>
+          <a:lstStyle>
+            <a:lvl1pPr>
+              <a:defRPr/>
+            </a:lvl1pPr>
+          </a:lstStyle>
+          <a:p>
+            <a:pPr>
+              <a:defRPr/>
+            </a:pPr>
+            <a:endParaRPr lang="fr-CA"/>
+          </a:p>
+        </p:txBody>
+      </p:sp>
+      <p:sp>
+        <p:nvSpPr>
+          <p:cNvPr id="9" name="Espace réservé du numéro de diapositive 5"/>
+          <p:cNvSpPr>
+            <a:spLocks noGrp="1"/>
+          </p:cNvSpPr>
+          <p:nvPr>
+            <p:ph type="sldNum" sz="quarter" idx="12"/>
+          </p:nvPr>
+        </p:nvSpPr>
+        <p:spPr/>
+        <p:txBody>
+          <a:bodyPr/>
+          <a:lstStyle>
+            <a:lvl1pPr>
+              <a:defRPr/>
+            </a:lvl1pPr>
+          </a:lstStyle>
+          <a:p>
+            <a:pPr>
+              <a:defRPr/>
+            </a:pPr>
+            <a:fld id="{FC658A1F-F67B-4A6E-B05E-14CC8346E358}" type="slidenum">
+              <a:rPr lang="fr-CA"/>
+              <a:pPr>
+                <a:defRPr/>
+              </a:pPr>
+              <a:t>‹#›</a:t>
+            </a:fld>
+            <a:endParaRPr lang="fr-CA"/>
+          </a:p>
+        </p:txBody>
+      </p:sp>
+    </p:spTree>
+    <p:extLst>
+      <p:ext uri="{BB962C8B-B14F-4D97-AF65-F5344CB8AC3E}">
+        <p14:creationId xmlns:p14="http://schemas.microsoft.com/office/powerpoint/2010/main" val="1525647926"/>
+      </p:ext>
+    </p:extLst>
+  </p:cSld>
+  <p:clrMapOvr>
+    <a:masterClrMapping/>
+  </p:clrMapOvr>
+</p:sldLayout>
+</file>
+
+<file path=ppt/slideLayouts/slideLayout6.xml><?xml version="1.0" encoding="utf-8"?>
+<p:sldLayout xmlns:a="http://schemas.openxmlformats.org/drawingml/2006/main" xmlns:r="http://schemas.openxmlformats.org/officeDocument/2006/relationships" xmlns:p="http://schemas.openxmlformats.org/presentationml/2006/main" type="titleOnly" preserve="1">
+  <p:cSld name="Titre seul">
+    <p:spTree>
+      <p:nvGrpSpPr>
+        <p:cNvPr id="1" name=""/>
+        <p:cNvGrpSpPr/>
+        <p:nvPr/>
+      </p:nvGrpSpPr>
+      <p:grpSpPr>
+        <a:xfrm>
+          <a:off x="0" y="0"/>
+          <a:ext cx="0" cy="0"/>
+          <a:chOff x="0" y="0"/>
+          <a:chExt cx="0" cy="0"/>
+        </a:xfrm>
+      </p:grpSpPr>
+      <p:sp>
+        <p:nvSpPr>
+          <p:cNvPr id="2" name="Titre 1"/>
+          <p:cNvSpPr>
+            <a:spLocks noGrp="1"/>
+          </p:cNvSpPr>
+          <p:nvPr>
+            <p:ph type="title"/>
+          </p:nvPr>
+        </p:nvSpPr>
+        <p:spPr/>
+        <p:txBody>
+          <a:bodyPr/>
+          <a:lstStyle/>
+          <a:p>
+            <a:r>
+              <a:rPr lang="fr-FR" smtClean="0"/>
+              <a:t>Cliquez pour modifier le style du titre</a:t>
+            </a:r>
+            <a:endParaRPr lang="fr-CA"/>
+          </a:p>
+        </p:txBody>
+      </p:sp>
+      <p:sp>
+        <p:nvSpPr>
+          <p:cNvPr id="3" name="Espace réservé de la date 3"/>
+          <p:cNvSpPr>
+            <a:spLocks noGrp="1"/>
+          </p:cNvSpPr>
+          <p:nvPr>
+            <p:ph type="dt" sz="half" idx="10"/>
+          </p:nvPr>
+        </p:nvSpPr>
+        <p:spPr/>
+        <p:txBody>
+          <a:bodyPr/>
+          <a:lstStyle>
+            <a:lvl1pPr>
+              <a:defRPr/>
+            </a:lvl1pPr>
+          </a:lstStyle>
+          <a:p>
+            <a:pPr>
+              <a:defRPr/>
+            </a:pPr>
+            <a:fld id="{2D7B113C-22A0-4609-97DC-F31794970970}" type="datetimeFigureOut">
+              <a:rPr lang="fr-FR"/>
+              <a:pPr>
+                <a:defRPr/>
+              </a:pPr>
+              <a:t>17/03/2014</a:t>
+            </a:fld>
+            <a:endParaRPr lang="fr-CA"/>
+          </a:p>
+        </p:txBody>
+      </p:sp>
+      <p:sp>
+        <p:nvSpPr>
+          <p:cNvPr id="4" name="Espace réservé du pied de page 4"/>
+          <p:cNvSpPr>
+            <a:spLocks noGrp="1"/>
+          </p:cNvSpPr>
+          <p:nvPr>
+            <p:ph type="ftr" sz="quarter" idx="11"/>
+          </p:nvPr>
+        </p:nvSpPr>
+        <p:spPr/>
+        <p:txBody>
+          <a:bodyPr/>
+          <a:lstStyle>
+            <a:lvl1pPr>
+              <a:defRPr/>
+            </a:lvl1pPr>
+          </a:lstStyle>
+          <a:p>
+            <a:pPr>
+              <a:defRPr/>
+            </a:pPr>
+            <a:endParaRPr lang="fr-CA"/>
+          </a:p>
+        </p:txBody>
+      </p:sp>
+      <p:sp>
+        <p:nvSpPr>
+          <p:cNvPr id="5" name="Espace réservé du numéro de diapositive 5"/>
+          <p:cNvSpPr>
+            <a:spLocks noGrp="1"/>
+          </p:cNvSpPr>
+          <p:nvPr>
+            <p:ph type="sldNum" sz="quarter" idx="12"/>
+          </p:nvPr>
+        </p:nvSpPr>
+        <p:spPr/>
+        <p:txBody>
+          <a:bodyPr/>
+          <a:lstStyle>
+            <a:lvl1pPr>
+              <a:defRPr/>
+            </a:lvl1pPr>
+          </a:lstStyle>
+          <a:p>
+            <a:pPr>
+              <a:defRPr/>
+            </a:pPr>
+            <a:fld id="{B792F932-8A19-4536-979E-6C4D316C1356}" type="slidenum">
+              <a:rPr lang="fr-CA"/>
+              <a:pPr>
+                <a:defRPr/>
+              </a:pPr>
+              <a:t>‹#›</a:t>
+            </a:fld>
+            <a:endParaRPr lang="fr-CA"/>
+          </a:p>
+        </p:txBody>
+      </p:sp>
+    </p:spTree>
+    <p:extLst>
+      <p:ext uri="{BB962C8B-B14F-4D97-AF65-F5344CB8AC3E}">
+        <p14:creationId xmlns:p14="http://schemas.microsoft.com/office/powerpoint/2010/main" val="726108803"/>
+      </p:ext>
+    </p:extLst>
+  </p:cSld>
+  <p:clrMapOvr>
+    <a:masterClrMapping/>
+  </p:clrMapOvr>
+</p:sldLayout>
+</file>
+
+<file path=ppt/slideLayouts/slideLayout7.xml><?xml version="1.0" encoding="utf-8"?>
+<p:sldLayout xmlns:a="http://schemas.openxmlformats.org/drawingml/2006/main" xmlns:r="http://schemas.openxmlformats.org/officeDocument/2006/relationships" xmlns:p="http://schemas.openxmlformats.org/presentationml/2006/main" type="blank" preserve="1">
+  <p:cSld name="Vide">
+    <p:spTree>
+      <p:nvGrpSpPr>
+        <p:cNvPr id="1" name=""/>
+        <p:cNvGrpSpPr/>
+        <p:nvPr/>
+      </p:nvGrpSpPr>
+      <p:grpSpPr>
+        <a:xfrm>
+          <a:off x="0" y="0"/>
+          <a:ext cx="0" cy="0"/>
+          <a:chOff x="0" y="0"/>
+          <a:chExt cx="0" cy="0"/>
+        </a:xfrm>
+      </p:grpSpPr>
+      <p:sp>
+        <p:nvSpPr>
+          <p:cNvPr id="2" name="Espace réservé de la date 3"/>
+          <p:cNvSpPr>
+            <a:spLocks noGrp="1"/>
+          </p:cNvSpPr>
+          <p:nvPr>
+            <p:ph type="dt" sz="half" idx="10"/>
+          </p:nvPr>
+        </p:nvSpPr>
+        <p:spPr/>
+        <p:txBody>
+          <a:bodyPr/>
+          <a:lstStyle>
+            <a:lvl1pPr>
+              <a:defRPr/>
+            </a:lvl1pPr>
+          </a:lstStyle>
+          <a:p>
+            <a:pPr>
+              <a:defRPr/>
+            </a:pPr>
+            <a:fld id="{4453D4E9-2AE7-44D5-B23F-79D33A9FACD1}" type="datetimeFigureOut">
+              <a:rPr lang="fr-FR"/>
+              <a:pPr>
+                <a:defRPr/>
+              </a:pPr>
+              <a:t>17/03/2014</a:t>
+            </a:fld>
+            <a:endParaRPr lang="fr-CA"/>
+          </a:p>
+        </p:txBody>
+      </p:sp>
+      <p:sp>
+        <p:nvSpPr>
+          <p:cNvPr id="3" name="Espace réservé du pied de page 4"/>
+          <p:cNvSpPr>
+            <a:spLocks noGrp="1"/>
+          </p:cNvSpPr>
+          <p:nvPr>
+            <p:ph type="ftr" sz="quarter" idx="11"/>
+          </p:nvPr>
+        </p:nvSpPr>
+        <p:spPr/>
+        <p:txBody>
+          <a:bodyPr/>
+          <a:lstStyle>
+            <a:lvl1pPr>
+              <a:defRPr/>
+            </a:lvl1pPr>
+          </a:lstStyle>
+          <a:p>
+            <a:pPr>
+              <a:defRPr/>
+            </a:pPr>
+            <a:endParaRPr lang="fr-CA"/>
+          </a:p>
+        </p:txBody>
+      </p:sp>
+      <p:sp>
+        <p:nvSpPr>
+          <p:cNvPr id="4" name="Espace réservé du numéro de diapositive 5"/>
+          <p:cNvSpPr>
+            <a:spLocks noGrp="1"/>
+          </p:cNvSpPr>
+          <p:nvPr>
+            <p:ph type="sldNum" sz="quarter" idx="12"/>
+          </p:nvPr>
+        </p:nvSpPr>
+        <p:spPr/>
+        <p:txBody>
+          <a:bodyPr/>
+          <a:lstStyle>
+            <a:lvl1pPr>
+              <a:defRPr/>
+            </a:lvl1pPr>
+          </a:lstStyle>
+          <a:p>
+            <a:pPr>
+              <a:defRPr/>
+            </a:pPr>
+            <a:fld id="{C14850EA-6C63-40DB-8DDC-8154D43146F7}" type="slidenum">
+              <a:rPr lang="fr-CA"/>
+              <a:pPr>
+                <a:defRPr/>
+              </a:pPr>
+              <a:t>‹#›</a:t>
+            </a:fld>
+            <a:endParaRPr lang="fr-CA"/>
+          </a:p>
+        </p:txBody>
+      </p:sp>
+    </p:spTree>
+    <p:extLst>
+      <p:ext uri="{BB962C8B-B14F-4D97-AF65-F5344CB8AC3E}">
+        <p14:creationId xmlns:p14="http://schemas.microsoft.com/office/powerpoint/2010/main" val="1637726097"/>
+      </p:ext>
+    </p:extLst>
+  </p:cSld>
+  <p:clrMapOvr>
+    <a:masterClrMapping/>
+  </p:clrMapOvr>
+</p:sldLayout>
+</file>
+
+<file path=ppt/slideLayouts/slideLayout8.xml><?xml version="1.0" encoding="utf-8"?>
+<p:sldLayout xmlns:a="http://schemas.openxmlformats.org/drawingml/2006/main" xmlns:r="http://schemas.openxmlformats.org/officeDocument/2006/relationships" xmlns:p="http://schemas.openxmlformats.org/presentationml/2006/main" type="objTx" preserve="1">
+  <p:cSld name="Contenu avec légende">
+    <p:spTree>
+      <p:nvGrpSpPr>
+        <p:cNvPr id="1" name=""/>
+        <p:cNvGrpSpPr/>
+        <p:nvPr/>
+      </p:nvGrpSpPr>
+      <p:grpSpPr>
+        <a:xfrm>
+          <a:off x="0" y="0"/>
+          <a:ext cx="0" cy="0"/>
+          <a:chOff x="0" y="0"/>
+          <a:chExt cx="0" cy="0"/>
+        </a:xfrm>
+      </p:grpSpPr>
+      <p:sp>
+        <p:nvSpPr>
+          <p:cNvPr id="2" name="Titre 1"/>
+          <p:cNvSpPr>
+            <a:spLocks noGrp="1"/>
+          </p:cNvSpPr>
+          <p:nvPr>
+            <p:ph type="title"/>
+          </p:nvPr>
+        </p:nvSpPr>
+        <p:spPr>
+          <a:xfrm>
+            <a:off x="457200" y="273050"/>
+            <a:ext cx="3008313" cy="1162050"/>
+          </a:xfrm>
+        </p:spPr>
+        <p:txBody>
+          <a:bodyPr anchor="b"/>
+          <a:lstStyle>
+            <a:lvl1pPr algn="l">
+              <a:defRPr sz="2000" b="1"/>
+            </a:lvl1pPr>
+          </a:lstStyle>
+          <a:p>
+            <a:r>
+              <a:rPr lang="fr-FR" smtClean="0"/>
+              <a:t>Cliquez pour modifier le style du titre</a:t>
+            </a:r>
+            <a:endParaRPr lang="fr-CA"/>
+          </a:p>
+        </p:txBody>
+      </p:sp>
+      <p:sp>
+        <p:nvSpPr>
+          <p:cNvPr id="3" name="Espace réservé du contenu 2"/>
+          <p:cNvSpPr>
+            <a:spLocks noGrp="1"/>
+          </p:cNvSpPr>
+          <p:nvPr>
+            <p:ph idx="1"/>
+          </p:nvPr>
+        </p:nvSpPr>
+        <p:spPr>
+          <a:xfrm>
+            <a:off x="3575050" y="273050"/>
+            <a:ext cx="5111750" cy="5853113"/>
+          </a:xfrm>
+        </p:spPr>
+        <p:txBody>
+          <a:bodyPr/>
+          <a:lstStyle>
+            <a:lvl1pPr>
+              <a:defRPr sz="3200"/>
+            </a:lvl1pPr>
+            <a:lvl2pPr>
+              <a:defRPr sz="2800"/>
+            </a:lvl2pPr>
+            <a:lvl3pPr>
+              <a:defRPr sz="2400"/>
+            </a:lvl3pPr>
+            <a:lvl4pPr>
+              <a:defRPr sz="2000"/>
+            </a:lvl4pPr>
+            <a:lvl5pPr>
+              <a:defRPr sz="2000"/>
+            </a:lvl5pPr>
+            <a:lvl6pPr>
+              <a:defRPr sz="2000"/>
+            </a:lvl6pPr>
+            <a:lvl7pPr>
+              <a:defRPr sz="2000"/>
+            </a:lvl7pPr>
+            <a:lvl8pPr>
+              <a:defRPr sz="2000"/>
+            </a:lvl8pPr>
+            <a:lvl9pPr>
+              <a:defRPr sz="2000"/>
+            </a:lvl9pPr>
+          </a:lstStyle>
+          <a:p>
+            <a:pPr lvl="0"/>
+            <a:r>
+              <a:rPr lang="fr-FR" smtClean="0"/>
+              <a:t>Cliquez pour modifier les styles du texte du masque</a:t>
+            </a:r>
+          </a:p>
+          <a:p>
+            <a:pPr lvl="1"/>
+            <a:r>
+              <a:rPr lang="fr-FR" smtClean="0"/>
+              <a:t>Deuxième niveau</a:t>
+            </a:r>
+          </a:p>
+          <a:p>
+            <a:pPr lvl="2"/>
+            <a:r>
+              <a:rPr lang="fr-FR" smtClean="0"/>
+              <a:t>Troisième niveau</a:t>
+            </a:r>
+          </a:p>
+          <a:p>
+            <a:pPr lvl="3"/>
+            <a:r>
+              <a:rPr lang="fr-FR" smtClean="0"/>
+              <a:t>Quatrième niveau</a:t>
+            </a:r>
+          </a:p>
+          <a:p>
+            <a:pPr lvl="4"/>
+            <a:r>
+              <a:rPr lang="fr-FR" smtClean="0"/>
+              <a:t>Cinquième niveau</a:t>
+            </a:r>
+            <a:endParaRPr lang="fr-CA"/>
+          </a:p>
+        </p:txBody>
+      </p:sp>
+      <p:sp>
+        <p:nvSpPr>
+          <p:cNvPr id="4" name="Espace réservé du texte 3"/>
+          <p:cNvSpPr>
+            <a:spLocks noGrp="1"/>
+          </p:cNvSpPr>
+          <p:nvPr>
+            <p:ph type="body" sz="half" idx="2"/>
+          </p:nvPr>
+        </p:nvSpPr>
+        <p:spPr>
+          <a:xfrm>
+            <a:off x="457200" y="1435100"/>
+            <a:ext cx="3008313" cy="4691063"/>
+          </a:xfrm>
+        </p:spPr>
+        <p:txBody>
+          <a:bodyPr/>
+          <a:lstStyle>
+            <a:lvl1pPr marL="0" indent="0">
+              <a:buNone/>
+              <a:defRPr sz="1400"/>
+            </a:lvl1pPr>
+            <a:lvl2pPr marL="457200" indent="0">
+              <a:buNone/>
+              <a:defRPr sz="1200"/>
+            </a:lvl2pPr>
+            <a:lvl3pPr marL="914400" indent="0">
+              <a:buNone/>
+              <a:defRPr sz="1000"/>
+            </a:lvl3pPr>
+            <a:lvl4pPr marL="1371600" indent="0">
+              <a:buNone/>
+              <a:defRPr sz="900"/>
+            </a:lvl4pPr>
+            <a:lvl5pPr marL="1828800" indent="0">
+              <a:buNone/>
+              <a:defRPr sz="900"/>
+            </a:lvl5pPr>
+            <a:lvl6pPr marL="2286000" indent="0">
+              <a:buNone/>
+              <a:defRPr sz="900"/>
+            </a:lvl6pPr>
+            <a:lvl7pPr marL="2743200" indent="0">
+              <a:buNone/>
+              <a:defRPr sz="900"/>
+            </a:lvl7pPr>
+            <a:lvl8pPr marL="3200400" indent="0">
+              <a:buNone/>
+              <a:defRPr sz="900"/>
+            </a:lvl8pPr>
+            <a:lvl9pPr marL="3657600" indent="0">
+              <a:buNone/>
+              <a:defRPr sz="900"/>
+            </a:lvl9pPr>
+          </a:lstStyle>
+          <a:p>
+            <a:pPr lvl="0"/>
+            <a:r>
+              <a:rPr lang="fr-FR" smtClean="0"/>
+              <a:t>Cliquez pour modifier les styles du texte du masque</a:t>
+            </a:r>
+          </a:p>
+        </p:txBody>
+      </p:sp>
+      <p:sp>
+        <p:nvSpPr>
+          <p:cNvPr id="5" name="Espace réservé de la date 3"/>
+          <p:cNvSpPr>
+            <a:spLocks noGrp="1"/>
+          </p:cNvSpPr>
+          <p:nvPr>
+            <p:ph type="dt" sz="half" idx="10"/>
+          </p:nvPr>
+        </p:nvSpPr>
+        <p:spPr/>
+        <p:txBody>
+          <a:bodyPr/>
+          <a:lstStyle>
+            <a:lvl1pPr>
+              <a:defRPr/>
+            </a:lvl1pPr>
+          </a:lstStyle>
+          <a:p>
+            <a:pPr>
+              <a:defRPr/>
+            </a:pPr>
+            <a:fld id="{CC29D74E-78CC-4F1A-B22B-281425343ABC}" type="datetimeFigureOut">
+              <a:rPr lang="fr-FR"/>
+              <a:pPr>
+                <a:defRPr/>
+              </a:pPr>
+              <a:t>17/03/2014</a:t>
+            </a:fld>
+            <a:endParaRPr lang="fr-CA"/>
+          </a:p>
+        </p:txBody>
+      </p:sp>
+      <p:sp>
+        <p:nvSpPr>
+          <p:cNvPr id="6" name="Espace réservé du pied de page 4"/>
+          <p:cNvSpPr>
+            <a:spLocks noGrp="1"/>
+          </p:cNvSpPr>
+          <p:nvPr>
+            <p:ph type="ftr" sz="quarter" idx="11"/>
+          </p:nvPr>
+        </p:nvSpPr>
+        <p:spPr/>
+        <p:txBody>
+          <a:bodyPr/>
+          <a:lstStyle>
+            <a:lvl1pPr>
+              <a:defRPr/>
+            </a:lvl1pPr>
+          </a:lstStyle>
+          <a:p>
+            <a:pPr>
+              <a:defRPr/>
+            </a:pPr>
+            <a:endParaRPr lang="fr-CA"/>
+          </a:p>
+        </p:txBody>
+      </p:sp>
+      <p:sp>
+        <p:nvSpPr>
+          <p:cNvPr id="7" name="Espace réservé du numéro de diapositive 5"/>
+          <p:cNvSpPr>
+            <a:spLocks noGrp="1"/>
+          </p:cNvSpPr>
+          <p:nvPr>
+            <p:ph type="sldNum" sz="quarter" idx="12"/>
+          </p:nvPr>
+        </p:nvSpPr>
+        <p:spPr/>
+        <p:txBody>
+          <a:bodyPr/>
+          <a:lstStyle>
+            <a:lvl1pPr>
+              <a:defRPr/>
+            </a:lvl1pPr>
+          </a:lstStyle>
+          <a:p>
+            <a:pPr>
+              <a:defRPr/>
+            </a:pPr>
+            <a:fld id="{39A539E0-6E28-4012-A28B-68A1137698A8}" type="slidenum">
+              <a:rPr lang="fr-CA"/>
+              <a:pPr>
+                <a:defRPr/>
+              </a:pPr>
+              <a:t>‹#›</a:t>
+            </a:fld>
+            <a:endParaRPr lang="fr-CA"/>
+          </a:p>
+        </p:txBody>
+      </p:sp>
+    </p:spTree>
+    <p:extLst>
+      <p:ext uri="{BB962C8B-B14F-4D97-AF65-F5344CB8AC3E}">
+        <p14:creationId xmlns:p14="http://schemas.microsoft.com/office/powerpoint/2010/main" val="416941481"/>
+      </p:ext>
+    </p:extLst>
+  </p:cSld>
+  <p:clrMapOvr>
+    <a:masterClrMapping/>
+  </p:clrMapOvr>
+</p:sldLayout>
+</file>
+
+<file path=ppt/slideLayouts/slideLayout9.xml><?xml version="1.0" encoding="utf-8"?>
+<p:sldLayout xmlns:a="http://schemas.openxmlformats.org/drawingml/2006/main" xmlns:r="http://schemas.openxmlformats.org/officeDocument/2006/relationships" xmlns:p="http://schemas.openxmlformats.org/presentationml/2006/main" type="picTx" preserve="1">
+  <p:cSld name="Image avec légende">
+    <p:spTree>
+      <p:nvGrpSpPr>
+        <p:cNvPr id="1" name=""/>
+        <p:cNvGrpSpPr/>
+        <p:nvPr/>
+      </p:nvGrpSpPr>
+      <p:grpSpPr>
+        <a:xfrm>
+          <a:off x="0" y="0"/>
+          <a:ext cx="0" cy="0"/>
+          <a:chOff x="0" y="0"/>
+          <a:chExt cx="0" cy="0"/>
+        </a:xfrm>
+      </p:grpSpPr>
+      <p:sp>
+        <p:nvSpPr>
+          <p:cNvPr id="2" name="Titre 1"/>
+          <p:cNvSpPr>
+            <a:spLocks noGrp="1"/>
+          </p:cNvSpPr>
+          <p:nvPr>
+            <p:ph type="title"/>
+          </p:nvPr>
+        </p:nvSpPr>
+        <p:spPr>
+          <a:xfrm>
+            <a:off x="1792288" y="4800600"/>
+            <a:ext cx="5486400" cy="566738"/>
+          </a:xfrm>
+        </p:spPr>
+        <p:txBody>
+          <a:bodyPr anchor="b"/>
+          <a:lstStyle>
+            <a:lvl1pPr algn="l">
+              <a:defRPr sz="2000" b="1"/>
+            </a:lvl1pPr>
+          </a:lstStyle>
+          <a:p>
+            <a:r>
+              <a:rPr lang="fr-FR" smtClean="0"/>
+              <a:t>Cliquez pour modifier le style du titre</a:t>
+            </a:r>
+            <a:endParaRPr lang="fr-CA"/>
+          </a:p>
+        </p:txBody>
+      </p:sp>
+      <p:sp>
+        <p:nvSpPr>
+          <p:cNvPr id="3" name="Espace réservé pour une image  2"/>
+          <p:cNvSpPr>
+            <a:spLocks noGrp="1"/>
+          </p:cNvSpPr>
+          <p:nvPr>
+            <p:ph type="pic" idx="1"/>
+          </p:nvPr>
+        </p:nvSpPr>
+        <p:spPr>
+          <a:xfrm>
+            <a:off x="1792288" y="612775"/>
+            <a:ext cx="5486400" cy="4114800"/>
+          </a:xfrm>
+        </p:spPr>
+        <p:txBody>
+          <a:bodyPr rtlCol="0">
+            <a:normAutofit/>
+          </a:bodyPr>
+          <a:lstStyle>
+            <a:lvl1pPr marL="0" indent="0">
+              <a:buNone/>
+              <a:defRPr sz="3200"/>
+            </a:lvl1pPr>
+            <a:lvl2pPr marL="457200" indent="0">
+              <a:buNone/>
+              <a:defRPr sz="2800"/>
+            </a:lvl2pPr>
+            <a:lvl3pPr marL="914400" indent="0">
+              <a:buNone/>
+              <a:defRPr sz="2400"/>
+            </a:lvl3pPr>
+            <a:lvl4pPr marL="1371600" indent="0">
+              <a:buNone/>
+              <a:defRPr sz="2000"/>
+            </a:lvl4pPr>
+            <a:lvl5pPr marL="1828800" indent="0">
+              <a:buNone/>
+              <a:defRPr sz="2000"/>
+            </a:lvl5pPr>
+            <a:lvl6pPr marL="2286000" indent="0">
+              <a:buNone/>
+              <a:defRPr sz="2000"/>
+            </a:lvl6pPr>
+            <a:lvl7pPr marL="2743200" indent="0">
+              <a:buNone/>
+              <a:defRPr sz="2000"/>
+            </a:lvl7pPr>
+            <a:lvl8pPr marL="3200400" indent="0">
+              <a:buNone/>
+              <a:defRPr sz="2000"/>
+            </a:lvl8pPr>
+            <a:lvl9pPr marL="3657600" indent="0">
+              <a:buNone/>
+              <a:defRPr sz="2000"/>
+            </a:lvl9pPr>
+          </a:lstStyle>
+          <a:p>
+            <a:pPr lvl="0"/>
+            <a:endParaRPr lang="fr-CA" noProof="0" smtClean="0"/>
+          </a:p>
+        </p:txBody>
+      </p:sp>
+      <p:sp>
+        <p:nvSpPr>
+          <p:cNvPr id="4" name="Espace réservé du texte 3"/>
+          <p:cNvSpPr>
+            <a:spLocks noGrp="1"/>
+          </p:cNvSpPr>
+          <p:nvPr>
+            <p:ph type="body" sz="half" idx="2"/>
+          </p:nvPr>
+        </p:nvSpPr>
+        <p:spPr>
+          <a:xfrm>
+            <a:off x="1792288" y="5367338"/>
+            <a:ext cx="5486400" cy="804862"/>
+          </a:xfrm>
+        </p:spPr>
+        <p:txBody>
+          <a:bodyPr/>
+          <a:lstStyle>
+            <a:lvl1pPr marL="0" indent="0">
+              <a:buNone/>
+              <a:defRPr sz="1400"/>
+            </a:lvl1pPr>
+            <a:lvl2pPr marL="457200" indent="0">
+              <a:buNone/>
+              <a:defRPr sz="1200"/>
+            </a:lvl2pPr>
+            <a:lvl3pPr marL="914400" indent="0">
+              <a:buNone/>
+              <a:defRPr sz="1000"/>
+            </a:lvl3pPr>
+            <a:lvl4pPr marL="1371600" indent="0">
+              <a:buNone/>
+              <a:defRPr sz="900"/>
+            </a:lvl4pPr>
+            <a:lvl5pPr marL="1828800" indent="0">
+              <a:buNone/>
+              <a:defRPr sz="900"/>
+            </a:lvl5pPr>
+            <a:lvl6pPr marL="2286000" indent="0">
+              <a:buNone/>
+              <a:defRPr sz="900"/>
+            </a:lvl6pPr>
+            <a:lvl7pPr marL="2743200" indent="0">
+              <a:buNone/>
+              <a:defRPr sz="900"/>
+            </a:lvl7pPr>
+            <a:lvl8pPr marL="3200400" indent="0">
+              <a:buNone/>
+              <a:defRPr sz="900"/>
+            </a:lvl8pPr>
+            <a:lvl9pPr marL="3657600" indent="0">
+              <a:buNone/>
+              <a:defRPr sz="900"/>
+            </a:lvl9pPr>
+          </a:lstStyle>
+          <a:p>
+            <a:pPr lvl="0"/>
+            <a:r>
+              <a:rPr lang="fr-FR" smtClean="0"/>
+              <a:t>Cliquez pour modifier les styles du texte du masque</a:t>
+            </a:r>
+          </a:p>
+        </p:txBody>
+      </p:sp>
+      <p:sp>
+        <p:nvSpPr>
+          <p:cNvPr id="5" name="Espace réservé de la date 3"/>
+          <p:cNvSpPr>
+            <a:spLocks noGrp="1"/>
+          </p:cNvSpPr>
+          <p:nvPr>
+            <p:ph type="dt" sz="half" idx="10"/>
+          </p:nvPr>
+        </p:nvSpPr>
+        <p:spPr/>
+        <p:txBody>
+          <a:bodyPr/>
+          <a:lstStyle>
+            <a:lvl1pPr>
+              <a:defRPr/>
+            </a:lvl1pPr>
+          </a:lstStyle>
+          <a:p>
+            <a:pPr>
+              <a:defRPr/>
+            </a:pPr>
+            <a:fld id="{E828ADF1-31BE-49AF-AE1F-FA49451BD604}" type="datetimeFigureOut">
+              <a:rPr lang="fr-FR"/>
+              <a:pPr>
+                <a:defRPr/>
+              </a:pPr>
+              <a:t>17/03/2014</a:t>
             </a:fld>
             <a:endParaRPr lang="fr-CA"/>
           </a:p>
@@ -6851,7 +9943,7 @@
               <a:pPr>
                 <a:defRPr/>
               </a:pPr>
-              <a:t>15/03/2014</a:t>
+              <a:t>17/03/2014</a:t>
             </a:fld>
             <a:endParaRPr lang="fr-CA"/>
           </a:p>
@@ -7578,7 +10670,7 @@
               <a:pPr>
                 <a:defRPr/>
               </a:pPr>
-              <a:t>15/03/2014</a:t>
+              <a:t>17/03/2014</a:t>
             </a:fld>
             <a:endParaRPr lang="fr-CA">
               <a:solidFill>
@@ -7729,6 +10821,762 @@
     <p:sldLayoutId id="2147483669" r:id="rId9"/>
     <p:sldLayoutId id="2147483670" r:id="rId10"/>
     <p:sldLayoutId id="2147483671" r:id="rId11"/>
+  </p:sldLayoutIdLst>
+  <p:txStyles>
+    <p:titleStyle>
+      <a:lvl1pPr algn="ctr" rtl="0" eaLnBrk="0" fontAlgn="base" hangingPunct="0">
+        <a:spcBef>
+          <a:spcPct val="0"/>
+        </a:spcBef>
+        <a:spcAft>
+          <a:spcPct val="0"/>
+        </a:spcAft>
+        <a:defRPr sz="4400" kern="1200">
+          <a:solidFill>
+            <a:schemeClr val="tx1"/>
+          </a:solidFill>
+          <a:latin typeface="+mj-lt"/>
+          <a:ea typeface="+mj-ea"/>
+          <a:cs typeface="+mj-cs"/>
+        </a:defRPr>
+      </a:lvl1pPr>
+      <a:lvl2pPr algn="ctr" rtl="0" eaLnBrk="0" fontAlgn="base" hangingPunct="0">
+        <a:spcBef>
+          <a:spcPct val="0"/>
+        </a:spcBef>
+        <a:spcAft>
+          <a:spcPct val="0"/>
+        </a:spcAft>
+        <a:defRPr sz="4400">
+          <a:solidFill>
+            <a:schemeClr val="tx1"/>
+          </a:solidFill>
+          <a:latin typeface="Calibri" pitchFamily="34" charset="0"/>
+        </a:defRPr>
+      </a:lvl2pPr>
+      <a:lvl3pPr algn="ctr" rtl="0" eaLnBrk="0" fontAlgn="base" hangingPunct="0">
+        <a:spcBef>
+          <a:spcPct val="0"/>
+        </a:spcBef>
+        <a:spcAft>
+          <a:spcPct val="0"/>
+        </a:spcAft>
+        <a:defRPr sz="4400">
+          <a:solidFill>
+            <a:schemeClr val="tx1"/>
+          </a:solidFill>
+          <a:latin typeface="Calibri" pitchFamily="34" charset="0"/>
+        </a:defRPr>
+      </a:lvl3pPr>
+      <a:lvl4pPr algn="ctr" rtl="0" eaLnBrk="0" fontAlgn="base" hangingPunct="0">
+        <a:spcBef>
+          <a:spcPct val="0"/>
+        </a:spcBef>
+        <a:spcAft>
+          <a:spcPct val="0"/>
+        </a:spcAft>
+        <a:defRPr sz="4400">
+          <a:solidFill>
+            <a:schemeClr val="tx1"/>
+          </a:solidFill>
+          <a:latin typeface="Calibri" pitchFamily="34" charset="0"/>
+        </a:defRPr>
+      </a:lvl4pPr>
+      <a:lvl5pPr algn="ctr" rtl="0" eaLnBrk="0" fontAlgn="base" hangingPunct="0">
+        <a:spcBef>
+          <a:spcPct val="0"/>
+        </a:spcBef>
+        <a:spcAft>
+          <a:spcPct val="0"/>
+        </a:spcAft>
+        <a:defRPr sz="4400">
+          <a:solidFill>
+            <a:schemeClr val="tx1"/>
+          </a:solidFill>
+          <a:latin typeface="Calibri" pitchFamily="34" charset="0"/>
+        </a:defRPr>
+      </a:lvl5pPr>
+      <a:lvl6pPr marL="457200" algn="ctr" rtl="0" fontAlgn="base">
+        <a:spcBef>
+          <a:spcPct val="0"/>
+        </a:spcBef>
+        <a:spcAft>
+          <a:spcPct val="0"/>
+        </a:spcAft>
+        <a:defRPr sz="4400">
+          <a:solidFill>
+            <a:schemeClr val="tx1"/>
+          </a:solidFill>
+          <a:latin typeface="Calibri" pitchFamily="34" charset="0"/>
+        </a:defRPr>
+      </a:lvl6pPr>
+      <a:lvl7pPr marL="914400" algn="ctr" rtl="0" fontAlgn="base">
+        <a:spcBef>
+          <a:spcPct val="0"/>
+        </a:spcBef>
+        <a:spcAft>
+          <a:spcPct val="0"/>
+        </a:spcAft>
+        <a:defRPr sz="4400">
+          <a:solidFill>
+            <a:schemeClr val="tx1"/>
+          </a:solidFill>
+          <a:latin typeface="Calibri" pitchFamily="34" charset="0"/>
+        </a:defRPr>
+      </a:lvl7pPr>
+      <a:lvl8pPr marL="1371600" algn="ctr" rtl="0" fontAlgn="base">
+        <a:spcBef>
+          <a:spcPct val="0"/>
+        </a:spcBef>
+        <a:spcAft>
+          <a:spcPct val="0"/>
+        </a:spcAft>
+        <a:defRPr sz="4400">
+          <a:solidFill>
+            <a:schemeClr val="tx1"/>
+          </a:solidFill>
+          <a:latin typeface="Calibri" pitchFamily="34" charset="0"/>
+        </a:defRPr>
+      </a:lvl8pPr>
+      <a:lvl9pPr marL="1828800" algn="ctr" rtl="0" fontAlgn="base">
+        <a:spcBef>
+          <a:spcPct val="0"/>
+        </a:spcBef>
+        <a:spcAft>
+          <a:spcPct val="0"/>
+        </a:spcAft>
+        <a:defRPr sz="4400">
+          <a:solidFill>
+            <a:schemeClr val="tx1"/>
+          </a:solidFill>
+          <a:latin typeface="Calibri" pitchFamily="34" charset="0"/>
+        </a:defRPr>
+      </a:lvl9pPr>
+    </p:titleStyle>
+    <p:bodyStyle>
+      <a:lvl1pPr marL="342900" indent="-342900" algn="l" rtl="0" eaLnBrk="0" fontAlgn="base" hangingPunct="0">
+        <a:spcBef>
+          <a:spcPct val="20000"/>
+        </a:spcBef>
+        <a:spcAft>
+          <a:spcPct val="0"/>
+        </a:spcAft>
+        <a:buFont typeface="Arial" charset="0"/>
+        <a:buChar char="•"/>
+        <a:defRPr sz="3200" kern="1200">
+          <a:solidFill>
+            <a:schemeClr val="tx1"/>
+          </a:solidFill>
+          <a:latin typeface="+mn-lt"/>
+          <a:ea typeface="+mn-ea"/>
+          <a:cs typeface="+mn-cs"/>
+        </a:defRPr>
+      </a:lvl1pPr>
+      <a:lvl2pPr marL="742950" indent="-285750" algn="l" rtl="0" eaLnBrk="0" fontAlgn="base" hangingPunct="0">
+        <a:spcBef>
+          <a:spcPct val="20000"/>
+        </a:spcBef>
+        <a:spcAft>
+          <a:spcPct val="0"/>
+        </a:spcAft>
+        <a:buFont typeface="Arial" charset="0"/>
+        <a:buChar char="–"/>
+        <a:defRPr sz="2800" kern="1200">
+          <a:solidFill>
+            <a:schemeClr val="tx1"/>
+          </a:solidFill>
+          <a:latin typeface="+mn-lt"/>
+          <a:ea typeface="+mn-ea"/>
+          <a:cs typeface="+mn-cs"/>
+        </a:defRPr>
+      </a:lvl2pPr>
+      <a:lvl3pPr marL="1143000" indent="-228600" algn="l" rtl="0" eaLnBrk="0" fontAlgn="base" hangingPunct="0">
+        <a:spcBef>
+          <a:spcPct val="20000"/>
+        </a:spcBef>
+        <a:spcAft>
+          <a:spcPct val="0"/>
+        </a:spcAft>
+        <a:buFont typeface="Arial" charset="0"/>
+        <a:buChar char="•"/>
+        <a:defRPr sz="2400" kern="1200">
+          <a:solidFill>
+            <a:schemeClr val="tx1"/>
+          </a:solidFill>
+          <a:latin typeface="+mn-lt"/>
+          <a:ea typeface="+mn-ea"/>
+          <a:cs typeface="+mn-cs"/>
+        </a:defRPr>
+      </a:lvl3pPr>
+      <a:lvl4pPr marL="1600200" indent="-228600" algn="l" rtl="0" eaLnBrk="0" fontAlgn="base" hangingPunct="0">
+        <a:spcBef>
+          <a:spcPct val="20000"/>
+        </a:spcBef>
+        <a:spcAft>
+          <a:spcPct val="0"/>
+        </a:spcAft>
+        <a:buFont typeface="Arial" charset="0"/>
+        <a:buChar char="–"/>
+        <a:defRPr sz="2000" kern="1200">
+          <a:solidFill>
+            <a:schemeClr val="tx1"/>
+          </a:solidFill>
+          <a:latin typeface="+mn-lt"/>
+          <a:ea typeface="+mn-ea"/>
+          <a:cs typeface="+mn-cs"/>
+        </a:defRPr>
+      </a:lvl4pPr>
+      <a:lvl5pPr marL="2057400" indent="-228600" algn="l" rtl="0" eaLnBrk="0" fontAlgn="base" hangingPunct="0">
+        <a:spcBef>
+          <a:spcPct val="20000"/>
+        </a:spcBef>
+        <a:spcAft>
+          <a:spcPct val="0"/>
+        </a:spcAft>
+        <a:buFont typeface="Arial" charset="0"/>
+        <a:buChar char="»"/>
+        <a:defRPr sz="2000" kern="1200">
+          <a:solidFill>
+            <a:schemeClr val="tx1"/>
+          </a:solidFill>
+          <a:latin typeface="+mn-lt"/>
+          <a:ea typeface="+mn-ea"/>
+          <a:cs typeface="+mn-cs"/>
+        </a:defRPr>
+      </a:lvl5pPr>
+      <a:lvl6pPr marL="2514600" indent="-228600" algn="l" defTabSz="914400" rtl="0" eaLnBrk="1" latinLnBrk="0" hangingPunct="1">
+        <a:spcBef>
+          <a:spcPct val="20000"/>
+        </a:spcBef>
+        <a:buFont typeface="Arial" pitchFamily="34" charset="0"/>
+        <a:buChar char="•"/>
+        <a:defRPr sz="2000" kern="1200">
+          <a:solidFill>
+            <a:schemeClr val="tx1"/>
+          </a:solidFill>
+          <a:latin typeface="+mn-lt"/>
+          <a:ea typeface="+mn-ea"/>
+          <a:cs typeface="+mn-cs"/>
+        </a:defRPr>
+      </a:lvl6pPr>
+      <a:lvl7pPr marL="2971800" indent="-228600" algn="l" defTabSz="914400" rtl="0" eaLnBrk="1" latinLnBrk="0" hangingPunct="1">
+        <a:spcBef>
+          <a:spcPct val="20000"/>
+        </a:spcBef>
+        <a:buFont typeface="Arial" pitchFamily="34" charset="0"/>
+        <a:buChar char="•"/>
+        <a:defRPr sz="2000" kern="1200">
+          <a:solidFill>
+            <a:schemeClr val="tx1"/>
+          </a:solidFill>
+          <a:latin typeface="+mn-lt"/>
+          <a:ea typeface="+mn-ea"/>
+          <a:cs typeface="+mn-cs"/>
+        </a:defRPr>
+      </a:lvl7pPr>
+      <a:lvl8pPr marL="3429000" indent="-228600" algn="l" defTabSz="914400" rtl="0" eaLnBrk="1" latinLnBrk="0" hangingPunct="1">
+        <a:spcBef>
+          <a:spcPct val="20000"/>
+        </a:spcBef>
+        <a:buFont typeface="Arial" pitchFamily="34" charset="0"/>
+        <a:buChar char="•"/>
+        <a:defRPr sz="2000" kern="1200">
+          <a:solidFill>
+            <a:schemeClr val="tx1"/>
+          </a:solidFill>
+          <a:latin typeface="+mn-lt"/>
+          <a:ea typeface="+mn-ea"/>
+          <a:cs typeface="+mn-cs"/>
+        </a:defRPr>
+      </a:lvl8pPr>
+      <a:lvl9pPr marL="3886200" indent="-228600" algn="l" defTabSz="914400" rtl="0" eaLnBrk="1" latinLnBrk="0" hangingPunct="1">
+        <a:spcBef>
+          <a:spcPct val="20000"/>
+        </a:spcBef>
+        <a:buFont typeface="Arial" pitchFamily="34" charset="0"/>
+        <a:buChar char="•"/>
+        <a:defRPr sz="2000" kern="1200">
+          <a:solidFill>
+            <a:schemeClr val="tx1"/>
+          </a:solidFill>
+          <a:latin typeface="+mn-lt"/>
+          <a:ea typeface="+mn-ea"/>
+          <a:cs typeface="+mn-cs"/>
+        </a:defRPr>
+      </a:lvl9pPr>
+    </p:bodyStyle>
+    <p:otherStyle>
+      <a:defPPr>
+        <a:defRPr lang="fr-FR"/>
+      </a:defPPr>
+      <a:lvl1pPr marL="0" algn="l" defTabSz="914400" rtl="0" eaLnBrk="1" latinLnBrk="0" hangingPunct="1">
+        <a:defRPr sz="1800" kern="1200">
+          <a:solidFill>
+            <a:schemeClr val="tx1"/>
+          </a:solidFill>
+          <a:latin typeface="+mn-lt"/>
+          <a:ea typeface="+mn-ea"/>
+          <a:cs typeface="+mn-cs"/>
+        </a:defRPr>
+      </a:lvl1pPr>
+      <a:lvl2pPr marL="457200" algn="l" defTabSz="914400" rtl="0" eaLnBrk="1" latinLnBrk="0" hangingPunct="1">
+        <a:defRPr sz="1800" kern="1200">
+          <a:solidFill>
+            <a:schemeClr val="tx1"/>
+          </a:solidFill>
+          <a:latin typeface="+mn-lt"/>
+          <a:ea typeface="+mn-ea"/>
+          <a:cs typeface="+mn-cs"/>
+        </a:defRPr>
+      </a:lvl2pPr>
+      <a:lvl3pPr marL="914400" algn="l" defTabSz="914400" rtl="0" eaLnBrk="1" latinLnBrk="0" hangingPunct="1">
+        <a:defRPr sz="1800" kern="1200">
+          <a:solidFill>
+            <a:schemeClr val="tx1"/>
+          </a:solidFill>
+          <a:latin typeface="+mn-lt"/>
+          <a:ea typeface="+mn-ea"/>
+          <a:cs typeface="+mn-cs"/>
+        </a:defRPr>
+      </a:lvl3pPr>
+      <a:lvl4pPr marL="1371600" algn="l" defTabSz="914400" rtl="0" eaLnBrk="1" latinLnBrk="0" hangingPunct="1">
+        <a:defRPr sz="1800" kern="1200">
+          <a:solidFill>
+            <a:schemeClr val="tx1"/>
+          </a:solidFill>
+          <a:latin typeface="+mn-lt"/>
+          <a:ea typeface="+mn-ea"/>
+          <a:cs typeface="+mn-cs"/>
+        </a:defRPr>
+      </a:lvl4pPr>
+      <a:lvl5pPr marL="1828800" algn="l" defTabSz="914400" rtl="0" eaLnBrk="1" latinLnBrk="0" hangingPunct="1">
+        <a:defRPr sz="1800" kern="1200">
+          <a:solidFill>
+            <a:schemeClr val="tx1"/>
+          </a:solidFill>
+          <a:latin typeface="+mn-lt"/>
+          <a:ea typeface="+mn-ea"/>
+          <a:cs typeface="+mn-cs"/>
+        </a:defRPr>
+      </a:lvl5pPr>
+      <a:lvl6pPr marL="2286000" algn="l" defTabSz="914400" rtl="0" eaLnBrk="1" latinLnBrk="0" hangingPunct="1">
+        <a:defRPr sz="1800" kern="1200">
+          <a:solidFill>
+            <a:schemeClr val="tx1"/>
+          </a:solidFill>
+          <a:latin typeface="+mn-lt"/>
+          <a:ea typeface="+mn-ea"/>
+          <a:cs typeface="+mn-cs"/>
+        </a:defRPr>
+      </a:lvl6pPr>
+      <a:lvl7pPr marL="2743200" algn="l" defTabSz="914400" rtl="0" eaLnBrk="1" latinLnBrk="0" hangingPunct="1">
+        <a:defRPr sz="1800" kern="1200">
+          <a:solidFill>
+            <a:schemeClr val="tx1"/>
+          </a:solidFill>
+          <a:latin typeface="+mn-lt"/>
+          <a:ea typeface="+mn-ea"/>
+          <a:cs typeface="+mn-cs"/>
+        </a:defRPr>
+      </a:lvl7pPr>
+      <a:lvl8pPr marL="3200400" algn="l" defTabSz="914400" rtl="0" eaLnBrk="1" latinLnBrk="0" hangingPunct="1">
+        <a:defRPr sz="1800" kern="1200">
+          <a:solidFill>
+            <a:schemeClr val="tx1"/>
+          </a:solidFill>
+          <a:latin typeface="+mn-lt"/>
+          <a:ea typeface="+mn-ea"/>
+          <a:cs typeface="+mn-cs"/>
+        </a:defRPr>
+      </a:lvl8pPr>
+      <a:lvl9pPr marL="3657600" algn="l" defTabSz="914400" rtl="0" eaLnBrk="1" latinLnBrk="0" hangingPunct="1">
+        <a:defRPr sz="1800" kern="1200">
+          <a:solidFill>
+            <a:schemeClr val="tx1"/>
+          </a:solidFill>
+          <a:latin typeface="+mn-lt"/>
+          <a:ea typeface="+mn-ea"/>
+          <a:cs typeface="+mn-cs"/>
+        </a:defRPr>
+      </a:lvl9pPr>
+    </p:otherStyle>
+  </p:txStyles>
+</p:sldMaster>
+</file>
+
+<file path=ppt/slideMasters/slideMaster3.xml><?xml version="1.0" encoding="utf-8"?>
+<p:sldMaster xmlns:a="http://schemas.openxmlformats.org/drawingml/2006/main" xmlns:r="http://schemas.openxmlformats.org/officeDocument/2006/relationships" xmlns:p="http://schemas.openxmlformats.org/presentationml/2006/main">
+  <p:cSld>
+    <p:bg>
+      <p:bgRef idx="1001">
+        <a:schemeClr val="bg1"/>
+      </p:bgRef>
+    </p:bg>
+    <p:spTree>
+      <p:nvGrpSpPr>
+        <p:cNvPr id="1" name=""/>
+        <p:cNvGrpSpPr/>
+        <p:nvPr/>
+      </p:nvGrpSpPr>
+      <p:grpSpPr>
+        <a:xfrm>
+          <a:off x="0" y="0"/>
+          <a:ext cx="0" cy="0"/>
+          <a:chOff x="0" y="0"/>
+          <a:chExt cx="0" cy="0"/>
+        </a:xfrm>
+      </p:grpSpPr>
+      <p:sp>
+        <p:nvSpPr>
+          <p:cNvPr id="1026" name="Espace réservé du titre 1"/>
+          <p:cNvSpPr>
+            <a:spLocks noGrp="1"/>
+          </p:cNvSpPr>
+          <p:nvPr>
+            <p:ph type="title"/>
+          </p:nvPr>
+        </p:nvSpPr>
+        <p:spPr bwMode="auto">
+          <a:xfrm>
+            <a:off x="457200" y="274638"/>
+            <a:ext cx="8229600" cy="1143000"/>
+          </a:xfrm>
+          <a:prstGeom prst="rect">
+            <a:avLst/>
+          </a:prstGeom>
+          <a:noFill/>
+          <a:ln>
+            <a:noFill/>
+          </a:ln>
+          <a:extLst>
+            <a:ext uri="{909E8E84-426E-40DD-AFC4-6F175D3DCCD1}">
+              <a14:hiddenFill xmlns:a14="http://schemas.microsoft.com/office/drawing/2010/main">
+                <a:solidFill>
+                  <a:srgbClr val="FFFFFF"/>
+                </a:solidFill>
+              </a14:hiddenFill>
+            </a:ext>
+            <a:ext uri="{91240B29-F687-4F45-9708-019B960494DF}">
+              <a14:hiddenLine xmlns:a14="http://schemas.microsoft.com/office/drawing/2010/main" w="9525">
+                <a:solidFill>
+                  <a:srgbClr val="000000"/>
+                </a:solidFill>
+                <a:miter lim="800000"/>
+                <a:headEnd/>
+                <a:tailEnd/>
+              </a14:hiddenLine>
+            </a:ext>
+          </a:extLst>
+        </p:spPr>
+        <p:txBody>
+          <a:bodyPr vert="horz" wrap="square" lIns="91440" tIns="45720" rIns="91440" bIns="45720" numCol="1" anchor="ctr" anchorCtr="0" compatLnSpc="1">
+            <a:prstTxWarp prst="textNoShape">
+              <a:avLst/>
+            </a:prstTxWarp>
+          </a:bodyPr>
+          <a:lstStyle/>
+          <a:p>
+            <a:pPr lvl="0"/>
+            <a:r>
+              <a:rPr lang="fr-FR" altLang="en-US" smtClean="0"/>
+              <a:t>Cliquez pour modifier le style du titre</a:t>
+            </a:r>
+            <a:endParaRPr lang="fr-CA" altLang="en-US" smtClean="0"/>
+          </a:p>
+        </p:txBody>
+      </p:sp>
+      <p:sp>
+        <p:nvSpPr>
+          <p:cNvPr id="1027" name="Espace réservé du texte 2"/>
+          <p:cNvSpPr>
+            <a:spLocks noGrp="1"/>
+          </p:cNvSpPr>
+          <p:nvPr>
+            <p:ph type="body" idx="1"/>
+          </p:nvPr>
+        </p:nvSpPr>
+        <p:spPr bwMode="auto">
+          <a:xfrm>
+            <a:off x="457200" y="1600200"/>
+            <a:ext cx="8229600" cy="4525963"/>
+          </a:xfrm>
+          <a:prstGeom prst="rect">
+            <a:avLst/>
+          </a:prstGeom>
+          <a:noFill/>
+          <a:ln>
+            <a:noFill/>
+          </a:ln>
+          <a:extLst>
+            <a:ext uri="{909E8E84-426E-40DD-AFC4-6F175D3DCCD1}">
+              <a14:hiddenFill xmlns:a14="http://schemas.microsoft.com/office/drawing/2010/main">
+                <a:solidFill>
+                  <a:srgbClr val="FFFFFF"/>
+                </a:solidFill>
+              </a14:hiddenFill>
+            </a:ext>
+            <a:ext uri="{91240B29-F687-4F45-9708-019B960494DF}">
+              <a14:hiddenLine xmlns:a14="http://schemas.microsoft.com/office/drawing/2010/main" w="9525">
+                <a:solidFill>
+                  <a:srgbClr val="000000"/>
+                </a:solidFill>
+                <a:miter lim="800000"/>
+                <a:headEnd/>
+                <a:tailEnd/>
+              </a14:hiddenLine>
+            </a:ext>
+          </a:extLst>
+        </p:spPr>
+        <p:txBody>
+          <a:bodyPr vert="horz" wrap="square" lIns="91440" tIns="45720" rIns="91440" bIns="45720" numCol="1" anchor="t" anchorCtr="0" compatLnSpc="1">
+            <a:prstTxWarp prst="textNoShape">
+              <a:avLst/>
+            </a:prstTxWarp>
+          </a:bodyPr>
+          <a:lstStyle/>
+          <a:p>
+            <a:pPr lvl="0"/>
+            <a:r>
+              <a:rPr lang="fr-FR" altLang="en-US" smtClean="0"/>
+              <a:t>Cliquez pour modifier les styles du texte du masque</a:t>
+            </a:r>
+          </a:p>
+          <a:p>
+            <a:pPr lvl="1"/>
+            <a:r>
+              <a:rPr lang="fr-FR" altLang="en-US" smtClean="0"/>
+              <a:t>Deuxième niveau</a:t>
+            </a:r>
+          </a:p>
+          <a:p>
+            <a:pPr lvl="2"/>
+            <a:r>
+              <a:rPr lang="fr-FR" altLang="en-US" smtClean="0"/>
+              <a:t>Troisième niveau</a:t>
+            </a:r>
+          </a:p>
+          <a:p>
+            <a:pPr lvl="3"/>
+            <a:r>
+              <a:rPr lang="fr-FR" altLang="en-US" smtClean="0"/>
+              <a:t>Quatrième niveau</a:t>
+            </a:r>
+          </a:p>
+          <a:p>
+            <a:pPr lvl="4"/>
+            <a:r>
+              <a:rPr lang="fr-FR" altLang="en-US" smtClean="0"/>
+              <a:t>Cinquième niveau</a:t>
+            </a:r>
+            <a:endParaRPr lang="fr-CA" altLang="en-US" smtClean="0"/>
+          </a:p>
+        </p:txBody>
+      </p:sp>
+      <p:sp>
+        <p:nvSpPr>
+          <p:cNvPr id="4" name="Espace réservé de la date 3"/>
+          <p:cNvSpPr>
+            <a:spLocks noGrp="1"/>
+          </p:cNvSpPr>
+          <p:nvPr>
+            <p:ph type="dt" sz="half" idx="2"/>
+          </p:nvPr>
+        </p:nvSpPr>
+        <p:spPr>
+          <a:xfrm>
+            <a:off x="457200" y="6356350"/>
+            <a:ext cx="2133600" cy="365125"/>
+          </a:xfrm>
+          <a:prstGeom prst="rect">
+            <a:avLst/>
+          </a:prstGeom>
+        </p:spPr>
+        <p:txBody>
+          <a:bodyPr vert="horz" lIns="91440" tIns="45720" rIns="91440" bIns="45720" rtlCol="0" anchor="ctr"/>
+          <a:lstStyle>
+            <a:lvl1pPr algn="l" fontAlgn="auto">
+              <a:spcBef>
+                <a:spcPts val="0"/>
+              </a:spcBef>
+              <a:spcAft>
+                <a:spcPts val="0"/>
+              </a:spcAft>
+              <a:defRPr sz="1200">
+                <a:solidFill>
+                  <a:schemeClr val="tx1">
+                    <a:tint val="75000"/>
+                  </a:schemeClr>
+                </a:solidFill>
+                <a:latin typeface="+mn-lt"/>
+              </a:defRPr>
+            </a:lvl1pPr>
+          </a:lstStyle>
+          <a:p>
+            <a:pPr>
+              <a:defRPr/>
+            </a:pPr>
+            <a:fld id="{2C08421A-C964-4CFF-A80C-41D93343022E}" type="datetimeFigureOut">
+              <a:rPr lang="fr-FR">
+                <a:solidFill>
+                  <a:prstClr val="black">
+                    <a:tint val="75000"/>
+                  </a:prstClr>
+                </a:solidFill>
+              </a:rPr>
+              <a:pPr>
+                <a:defRPr/>
+              </a:pPr>
+              <a:t>17/03/2014</a:t>
+            </a:fld>
+            <a:endParaRPr lang="fr-CA">
+              <a:solidFill>
+                <a:prstClr val="black">
+                  <a:tint val="75000"/>
+                </a:prstClr>
+              </a:solidFill>
+            </a:endParaRPr>
+          </a:p>
+        </p:txBody>
+      </p:sp>
+      <p:sp>
+        <p:nvSpPr>
+          <p:cNvPr id="5" name="Espace réservé du pied de page 4"/>
+          <p:cNvSpPr>
+            <a:spLocks noGrp="1"/>
+          </p:cNvSpPr>
+          <p:nvPr>
+            <p:ph type="ftr" sz="quarter" idx="3"/>
+          </p:nvPr>
+        </p:nvSpPr>
+        <p:spPr>
+          <a:xfrm>
+            <a:off x="3124200" y="6356350"/>
+            <a:ext cx="2895600" cy="365125"/>
+          </a:xfrm>
+          <a:prstGeom prst="rect">
+            <a:avLst/>
+          </a:prstGeom>
+        </p:spPr>
+        <p:txBody>
+          <a:bodyPr vert="horz" lIns="91440" tIns="45720" rIns="91440" bIns="45720" rtlCol="0" anchor="ctr"/>
+          <a:lstStyle>
+            <a:lvl1pPr algn="ctr" fontAlgn="auto">
+              <a:spcBef>
+                <a:spcPts val="0"/>
+              </a:spcBef>
+              <a:spcAft>
+                <a:spcPts val="0"/>
+              </a:spcAft>
+              <a:defRPr sz="1200">
+                <a:solidFill>
+                  <a:schemeClr val="tx1">
+                    <a:tint val="75000"/>
+                  </a:schemeClr>
+                </a:solidFill>
+                <a:latin typeface="+mn-lt"/>
+              </a:defRPr>
+            </a:lvl1pPr>
+          </a:lstStyle>
+          <a:p>
+            <a:pPr>
+              <a:defRPr/>
+            </a:pPr>
+            <a:endParaRPr lang="fr-CA">
+              <a:solidFill>
+                <a:prstClr val="black">
+                  <a:tint val="75000"/>
+                </a:prstClr>
+              </a:solidFill>
+            </a:endParaRPr>
+          </a:p>
+        </p:txBody>
+      </p:sp>
+      <p:sp>
+        <p:nvSpPr>
+          <p:cNvPr id="6" name="Espace réservé du numéro de diapositive 5"/>
+          <p:cNvSpPr>
+            <a:spLocks noGrp="1"/>
+          </p:cNvSpPr>
+          <p:nvPr>
+            <p:ph type="sldNum" sz="quarter" idx="4"/>
+          </p:nvPr>
+        </p:nvSpPr>
+        <p:spPr>
+          <a:xfrm>
+            <a:off x="6553200" y="6356350"/>
+            <a:ext cx="2133600" cy="365125"/>
+          </a:xfrm>
+          <a:prstGeom prst="rect">
+            <a:avLst/>
+          </a:prstGeom>
+        </p:spPr>
+        <p:txBody>
+          <a:bodyPr vert="horz" lIns="91440" tIns="45720" rIns="91440" bIns="45720" rtlCol="0" anchor="ctr"/>
+          <a:lstStyle>
+            <a:lvl1pPr algn="r" fontAlgn="auto">
+              <a:spcBef>
+                <a:spcPts val="0"/>
+              </a:spcBef>
+              <a:spcAft>
+                <a:spcPts val="0"/>
+              </a:spcAft>
+              <a:defRPr sz="1200">
+                <a:solidFill>
+                  <a:schemeClr val="tx1">
+                    <a:tint val="75000"/>
+                  </a:schemeClr>
+                </a:solidFill>
+                <a:latin typeface="+mn-lt"/>
+              </a:defRPr>
+            </a:lvl1pPr>
+          </a:lstStyle>
+          <a:p>
+            <a:pPr>
+              <a:defRPr/>
+            </a:pPr>
+            <a:fld id="{9905F09F-73B4-4AA4-B22F-E1FE45BCC3C3}" type="slidenum">
+              <a:rPr lang="fr-CA">
+                <a:solidFill>
+                  <a:prstClr val="black">
+                    <a:tint val="75000"/>
+                  </a:prstClr>
+                </a:solidFill>
+              </a:rPr>
+              <a:pPr>
+                <a:defRPr/>
+              </a:pPr>
+              <a:t>‹#›</a:t>
+            </a:fld>
+            <a:endParaRPr lang="fr-CA">
+              <a:solidFill>
+                <a:prstClr val="black">
+                  <a:tint val="75000"/>
+                </a:prstClr>
+              </a:solidFill>
+            </a:endParaRPr>
+          </a:p>
+        </p:txBody>
+      </p:sp>
+    </p:spTree>
+    <p:extLst>
+      <p:ext uri="{BB962C8B-B14F-4D97-AF65-F5344CB8AC3E}">
+        <p14:creationId xmlns:p14="http://schemas.microsoft.com/office/powerpoint/2010/main" val="3126623664"/>
+      </p:ext>
+    </p:extLst>
+  </p:cSld>
+  <p:clrMap bg1="lt1" tx1="dk1" bg2="lt2" tx2="dk2" accent1="accent1" accent2="accent2" accent3="accent3" accent4="accent4" accent5="accent5" accent6="accent6" hlink="hlink" folHlink="folHlink"/>
+  <p:sldLayoutIdLst>
+    <p:sldLayoutId id="2147483673" r:id="rId1"/>
+    <p:sldLayoutId id="2147483674" r:id="rId2"/>
+    <p:sldLayoutId id="2147483675" r:id="rId3"/>
+    <p:sldLayoutId id="2147483676" r:id="rId4"/>
+    <p:sldLayoutId id="2147483677" r:id="rId5"/>
+    <p:sldLayoutId id="2147483678" r:id="rId6"/>
+    <p:sldLayoutId id="2147483679" r:id="rId7"/>
+    <p:sldLayoutId id="2147483680" r:id="rId8"/>
+    <p:sldLayoutId id="2147483681" r:id="rId9"/>
+    <p:sldLayoutId id="2147483682" r:id="rId10"/>
+    <p:sldLayoutId id="2147483683" r:id="rId11"/>
   </p:sldLayoutIdLst>
   <p:txStyles>
     <p:titleStyle>
@@ -8232,6 +12080,60 @@
           </a:p>
         </p:txBody>
       </p:sp>
+      <p:pic>
+        <p:nvPicPr>
+          <p:cNvPr id="1026" name="Picture 2"/>
+          <p:cNvPicPr>
+            <a:picLocks noChangeAspect="1" noChangeArrowheads="1"/>
+          </p:cNvPicPr>
+          <p:nvPr/>
+        </p:nvPicPr>
+        <p:blipFill>
+          <a:blip r:embed="rId3">
+            <a:extLst>
+              <a:ext uri="{28A0092B-C50C-407E-A947-70E740481C1C}">
+                <a14:useLocalDpi xmlns:a14="http://schemas.microsoft.com/office/drawing/2010/main" val="0"/>
+              </a:ext>
+            </a:extLst>
+          </a:blip>
+          <a:srcRect/>
+          <a:stretch>
+            <a:fillRect/>
+          </a:stretch>
+        </p:blipFill>
+        <p:spPr bwMode="auto">
+          <a:xfrm>
+            <a:off x="7661779" y="6493985"/>
+            <a:ext cx="1400175" cy="323850"/>
+          </a:xfrm>
+          <a:prstGeom prst="rect">
+            <a:avLst/>
+          </a:prstGeom>
+          <a:noFill/>
+          <a:ln>
+            <a:noFill/>
+          </a:ln>
+          <a:extLst>
+            <a:ext uri="{909E8E84-426E-40DD-AFC4-6F175D3DCCD1}">
+              <a14:hiddenFill xmlns:a14="http://schemas.microsoft.com/office/drawing/2010/main">
+                <a:solidFill>
+                  <a:schemeClr val="accent1"/>
+                </a:solidFill>
+              </a14:hiddenFill>
+            </a:ext>
+            <a:ext uri="{91240B29-F687-4F45-9708-019B960494DF}">
+              <a14:hiddenLine xmlns:a14="http://schemas.microsoft.com/office/drawing/2010/main" w="9525">
+                <a:solidFill>
+                  <a:schemeClr val="tx1"/>
+                </a:solidFill>
+                <a:miter lim="800000"/>
+                <a:headEnd/>
+                <a:tailEnd/>
+              </a14:hiddenLine>
+            </a:ext>
+          </a:extLst>
+        </p:spPr>
+      </p:pic>
     </p:spTree>
   </p:cSld>
   <p:clrMapOvr>
@@ -8288,8 +12190,8 @@
         </p:nvSpPr>
         <p:spPr>
           <a:xfrm>
-            <a:off x="2286000" y="274638"/>
-            <a:ext cx="6400800" cy="1143000"/>
+            <a:off x="2286000" y="116632"/>
+            <a:ext cx="6400800" cy="864096"/>
           </a:xfrm>
         </p:spPr>
         <p:txBody>
@@ -8320,8 +12222,8 @@
         </p:nvSpPr>
         <p:spPr>
           <a:xfrm>
-            <a:off x="2286000" y="1600200"/>
-            <a:ext cx="6400800" cy="4525963"/>
+            <a:off x="2286000" y="836712"/>
+            <a:ext cx="6400800" cy="5289451"/>
           </a:xfrm>
         </p:spPr>
         <p:txBody>
@@ -8347,9 +12249,78 @@
                   </a:schemeClr>
                 </a:solidFill>
               </a:rPr>
+              <a:t> JDK </a:t>
+            </a:r>
+            <a:r>
+              <a:rPr lang="fr-CA" altLang="en-US" b="1" dirty="0" err="1" smtClean="0">
+                <a:solidFill>
+                  <a:schemeClr val="accent1">
+                    <a:lumMod val="50000"/>
+                  </a:schemeClr>
+                </a:solidFill>
+              </a:rPr>
+              <a:t>from</a:t>
+            </a:r>
+            <a:r>
+              <a:rPr lang="fr-CA" altLang="en-US" dirty="0" smtClean="0">
+                <a:solidFill>
+                  <a:schemeClr val="accent1">
+                    <a:lumMod val="50000"/>
+                  </a:schemeClr>
+                </a:solidFill>
+              </a:rPr>
               <a:t> </a:t>
             </a:r>
             <a:r>
+              <a:rPr lang="fr-CA" altLang="en-US" dirty="0">
+                <a:solidFill>
+                  <a:schemeClr val="accent1">
+                    <a:lumMod val="50000"/>
+                  </a:schemeClr>
+                </a:solidFill>
+              </a:rPr>
+              <a:t>Oracle.com</a:t>
+            </a:r>
+            <a:br>
+              <a:rPr lang="fr-CA" altLang="en-US" dirty="0">
+                <a:solidFill>
+                  <a:schemeClr val="accent1">
+                    <a:lumMod val="50000"/>
+                  </a:schemeClr>
+                </a:solidFill>
+              </a:rPr>
+            </a:br>
+            <a:r>
+              <a:rPr lang="fr-CA" altLang="en-US" sz="1800" i="1" dirty="0">
+                <a:solidFill>
+                  <a:schemeClr val="accent1">
+                    <a:lumMod val="50000"/>
+                  </a:schemeClr>
+                </a:solidFill>
+              </a:rPr>
+              <a:t>http://www.oracle.com/technetwork/java/javase/downloads/jdk7-downloads-1880260.html</a:t>
+            </a:r>
+            <a:endParaRPr lang="fr-CA" altLang="en-US" sz="1800" i="1" dirty="0" smtClean="0">
+              <a:solidFill>
+                <a:schemeClr val="accent1">
+                  <a:lumMod val="50000"/>
+                </a:schemeClr>
+              </a:solidFill>
+            </a:endParaRPr>
+          </a:p>
+          <a:p>
+            <a:pPr eaLnBrk="1" hangingPunct="1"/>
+            <a:r>
+              <a:rPr lang="fr-CA" altLang="en-US" dirty="0" err="1" smtClean="0">
+                <a:solidFill>
+                  <a:schemeClr val="accent1">
+                    <a:lumMod val="50000"/>
+                  </a:schemeClr>
+                </a:solidFill>
+              </a:rPr>
+              <a:t>Download</a:t>
+            </a:r>
+            <a:r>
               <a:rPr lang="fr-CA" altLang="en-US" dirty="0" smtClean="0">
                 <a:solidFill>
                   <a:schemeClr val="accent1">
@@ -8357,7 +12328,7 @@
                   </a:schemeClr>
                 </a:solidFill>
               </a:rPr>
-              <a:t>JDK </a:t>
+              <a:t> </a:t>
             </a:r>
             <a:r>
               <a:rPr lang="fr-CA" altLang="en-US" dirty="0" err="1" smtClean="0">
@@ -8367,6 +12338,46 @@
                   </a:schemeClr>
                 </a:solidFill>
               </a:rPr>
+              <a:t>GAJavaIntro</a:t>
+            </a:r>
+            <a:r>
+              <a:rPr lang="fr-CA" altLang="en-US" dirty="0" smtClean="0">
+                <a:solidFill>
+                  <a:schemeClr val="accent1">
+                    <a:lumMod val="50000"/>
+                  </a:schemeClr>
+                </a:solidFill>
+              </a:rPr>
+              <a:t> </a:t>
+            </a:r>
+            <a:r>
+              <a:rPr lang="fr-CA" altLang="en-US" dirty="0" err="1" smtClean="0">
+                <a:solidFill>
+                  <a:schemeClr val="accent1">
+                    <a:lumMod val="50000"/>
+                  </a:schemeClr>
+                </a:solidFill>
+              </a:rPr>
+              <a:t>folder</a:t>
+            </a:r>
+            <a:r>
+              <a:rPr lang="fr-CA" altLang="en-US" dirty="0" smtClean="0">
+                <a:solidFill>
+                  <a:schemeClr val="accent1">
+                    <a:lumMod val="50000"/>
+                  </a:schemeClr>
+                </a:solidFill>
+              </a:rPr>
+              <a:t> </a:t>
+            </a:r>
+            <a:r>
+              <a:rPr lang="fr-CA" altLang="en-US" dirty="0" err="1" smtClean="0">
+                <a:solidFill>
+                  <a:schemeClr val="accent1">
+                    <a:lumMod val="50000"/>
+                  </a:schemeClr>
+                </a:solidFill>
+              </a:rPr>
               <a:t>from</a:t>
             </a:r>
             <a:r>
@@ -8377,7 +12388,129 @@
                   </a:schemeClr>
                 </a:solidFill>
               </a:rPr>
-              <a:t> Oracle.com</a:t>
+              <a:t> </a:t>
+            </a:r>
+            <a:r>
+              <a:rPr lang="fr-CA" altLang="en-US" dirty="0" err="1" smtClean="0">
+                <a:solidFill>
+                  <a:schemeClr val="accent1">
+                    <a:lumMod val="50000"/>
+                  </a:schemeClr>
+                </a:solidFill>
+              </a:rPr>
+              <a:t>GitHub</a:t>
+            </a:r>
+            <a:r>
+              <a:rPr lang="fr-CA" altLang="en-US" dirty="0">
+                <a:solidFill>
+                  <a:schemeClr val="accent1">
+                    <a:lumMod val="50000"/>
+                  </a:schemeClr>
+                </a:solidFill>
+              </a:rPr>
+              <a:t>.</a:t>
+            </a:r>
+            <a:br>
+              <a:rPr lang="fr-CA" altLang="en-US" dirty="0">
+                <a:solidFill>
+                  <a:schemeClr val="accent1">
+                    <a:lumMod val="50000"/>
+                  </a:schemeClr>
+                </a:solidFill>
+              </a:rPr>
+            </a:br>
+            <a:r>
+              <a:rPr lang="fr-CA" altLang="en-US" sz="1800" i="1" dirty="0">
+                <a:solidFill>
+                  <a:schemeClr val="accent1">
+                    <a:lumMod val="50000"/>
+                  </a:schemeClr>
+                </a:solidFill>
+              </a:rPr>
+              <a:t>https://github.com/sophianachiba/GAJavaIntro</a:t>
+            </a:r>
+            <a:endParaRPr lang="fr-CA" altLang="en-US" sz="1800" i="1" dirty="0" smtClean="0">
+              <a:solidFill>
+                <a:schemeClr val="accent1">
+                  <a:lumMod val="50000"/>
+                </a:schemeClr>
+              </a:solidFill>
+            </a:endParaRPr>
+          </a:p>
+          <a:p>
+            <a:pPr eaLnBrk="1" hangingPunct="1"/>
+            <a:r>
+              <a:rPr lang="fr-CA" altLang="en-US" dirty="0" smtClean="0">
+                <a:solidFill>
+                  <a:schemeClr val="accent1">
+                    <a:lumMod val="50000"/>
+                  </a:schemeClr>
+                </a:solidFill>
+              </a:rPr>
+              <a:t>Open command prompt</a:t>
+            </a:r>
+          </a:p>
+          <a:p>
+            <a:pPr eaLnBrk="1" hangingPunct="1"/>
+            <a:r>
+              <a:rPr lang="fr-CA" altLang="en-US" dirty="0" smtClean="0">
+                <a:solidFill>
+                  <a:schemeClr val="accent1">
+                    <a:lumMod val="50000"/>
+                  </a:schemeClr>
+                </a:solidFill>
+              </a:rPr>
+              <a:t>Go to </a:t>
+            </a:r>
+            <a:r>
+              <a:rPr lang="fr-CA" altLang="en-US" dirty="0" err="1" smtClean="0">
+                <a:solidFill>
+                  <a:schemeClr val="accent1">
+                    <a:lumMod val="50000"/>
+                  </a:schemeClr>
+                </a:solidFill>
+              </a:rPr>
+              <a:t>your</a:t>
+            </a:r>
+            <a:r>
+              <a:rPr lang="fr-CA" altLang="en-US" dirty="0" smtClean="0">
+                <a:solidFill>
+                  <a:schemeClr val="accent1">
+                    <a:lumMod val="50000"/>
+                  </a:schemeClr>
+                </a:solidFill>
+              </a:rPr>
+              <a:t> </a:t>
+            </a:r>
+            <a:r>
+              <a:rPr lang="fr-CA" altLang="en-US" dirty="0" err="1" smtClean="0">
+                <a:solidFill>
+                  <a:schemeClr val="accent1">
+                    <a:lumMod val="50000"/>
+                  </a:schemeClr>
+                </a:solidFill>
+              </a:rPr>
+              <a:t>GAJavaIntro</a:t>
+            </a:r>
+            <a:r>
+              <a:rPr lang="fr-CA" altLang="en-US" dirty="0" smtClean="0">
+                <a:solidFill>
+                  <a:schemeClr val="accent1">
+                    <a:lumMod val="50000"/>
+                  </a:schemeClr>
+                </a:solidFill>
+              </a:rPr>
+              <a:t> </a:t>
+            </a:r>
+            <a:r>
+              <a:rPr lang="fr-CA" altLang="en-US" dirty="0" err="1" smtClean="0">
+                <a:solidFill>
+                  <a:schemeClr val="accent1">
+                    <a:lumMod val="50000"/>
+                  </a:schemeClr>
+                </a:solidFill>
+              </a:rPr>
+              <a:t>folder</a:t>
             </a:r>
             <a:endParaRPr lang="fr-CA" altLang="en-US" dirty="0" smtClean="0">
               <a:solidFill>
@@ -8397,7 +12530,7 @@
                   </a:schemeClr>
                 </a:solidFill>
               </a:rPr>
-              <a:t>Download</a:t>
+              <a:t>Run</a:t>
             </a:r>
             <a:r>
               <a:rPr lang="fr-CA" altLang="en-US" dirty="0" smtClean="0">
@@ -8407,7 +12540,7 @@
                   </a:schemeClr>
                 </a:solidFill>
               </a:rPr>
-              <a:t> </a:t>
+              <a:t> command: </a:t>
             </a:r>
             <a:r>
               <a:rPr lang="fr-CA" altLang="en-US" dirty="0" err="1" smtClean="0">
@@ -8417,7 +12550,7 @@
                   </a:schemeClr>
                 </a:solidFill>
               </a:rPr>
-              <a:t>GAJavaIntro</a:t>
+              <a:t>javac</a:t>
             </a:r>
             <a:r>
               <a:rPr lang="fr-CA" altLang="en-US" dirty="0" smtClean="0">
@@ -8427,8 +12560,11 @@
                   </a:schemeClr>
                 </a:solidFill>
               </a:rPr>
-              <a:t> </a:t>
-            </a:r>
+              <a:t> helloworld.java</a:t>
+            </a:r>
+          </a:p>
+          <a:p>
+            <a:pPr eaLnBrk="1" hangingPunct="1"/>
             <a:r>
               <a:rPr lang="fr-CA" altLang="en-US" dirty="0" err="1" smtClean="0">
                 <a:solidFill>
@@ -8437,7 +12573,7 @@
                   </a:schemeClr>
                 </a:solidFill>
               </a:rPr>
-              <a:t>folder</a:t>
+              <a:t>Run</a:t>
             </a:r>
             <a:r>
               <a:rPr lang="fr-CA" altLang="en-US" dirty="0" smtClean="0">
@@ -8447,7 +12583,7 @@
                   </a:schemeClr>
                 </a:solidFill>
               </a:rPr>
-              <a:t> </a:t>
+              <a:t> command: java </a:t>
             </a:r>
             <a:r>
               <a:rPr lang="fr-CA" altLang="en-US" dirty="0" err="1" smtClean="0">
@@ -8457,37 +12593,7 @@
                   </a:schemeClr>
                 </a:solidFill>
               </a:rPr>
-              <a:t>from</a:t>
-            </a:r>
-            <a:r>
-              <a:rPr lang="fr-CA" altLang="en-US" dirty="0" smtClean="0">
-                <a:solidFill>
-                  <a:schemeClr val="accent1">
-                    <a:lumMod val="50000"/>
-                  </a:schemeClr>
-                </a:solidFill>
-              </a:rPr>
-              <a:t> </a:t>
-            </a:r>
-            <a:r>
-              <a:rPr lang="fr-CA" altLang="en-US" dirty="0" err="1" smtClean="0">
-                <a:solidFill>
-                  <a:schemeClr val="accent1">
-                    <a:lumMod val="50000"/>
-                  </a:schemeClr>
-                </a:solidFill>
-              </a:rPr>
-              <a:t>GitHub</a:t>
-            </a:r>
-            <a:r>
-              <a:rPr lang="fr-CA" altLang="en-US" dirty="0" smtClean="0">
-                <a:solidFill>
-                  <a:schemeClr val="accent1">
-                    <a:lumMod val="50000"/>
-                  </a:schemeClr>
-                </a:solidFill>
-              </a:rPr>
-              <a:t>.</a:t>
+              <a:t>helloworld</a:t>
             </a:r>
             <a:endParaRPr lang="fr-CA" altLang="en-US" dirty="0" smtClean="0">
               <a:solidFill>
@@ -8500,6 +12606,16 @@
           <a:p>
             <a:pPr eaLnBrk="1" hangingPunct="1"/>
             <a:r>
+              <a:rPr lang="fr-CA" altLang="en-US" dirty="0" err="1" smtClean="0">
+                <a:solidFill>
+                  <a:schemeClr val="accent1">
+                    <a:lumMod val="50000"/>
+                  </a:schemeClr>
+                </a:solidFill>
+              </a:rPr>
+              <a:t>Result</a:t>
+            </a:r>
+            <a:r>
               <a:rPr lang="fr-CA" altLang="en-US" dirty="0" smtClean="0">
                 <a:solidFill>
                   <a:schemeClr val="accent1">
@@ -8507,193 +12623,7 @@
                   </a:schemeClr>
                 </a:solidFill>
               </a:rPr>
-              <a:t>Open command prompt</a:t>
-            </a:r>
-          </a:p>
-          <a:p>
-            <a:pPr eaLnBrk="1" hangingPunct="1"/>
-            <a:r>
-              <a:rPr lang="fr-CA" altLang="en-US" dirty="0" smtClean="0">
-                <a:solidFill>
-                  <a:schemeClr val="accent1">
-                    <a:lumMod val="50000"/>
-                  </a:schemeClr>
-                </a:solidFill>
-              </a:rPr>
-              <a:t>Go to </a:t>
-            </a:r>
-            <a:r>
-              <a:rPr lang="fr-CA" altLang="en-US" dirty="0" err="1" smtClean="0">
-                <a:solidFill>
-                  <a:schemeClr val="accent1">
-                    <a:lumMod val="50000"/>
-                  </a:schemeClr>
-                </a:solidFill>
-              </a:rPr>
-              <a:t>your</a:t>
-            </a:r>
-            <a:r>
-              <a:rPr lang="fr-CA" altLang="en-US" dirty="0" smtClean="0">
-                <a:solidFill>
-                  <a:schemeClr val="accent1">
-                    <a:lumMod val="50000"/>
-                  </a:schemeClr>
-                </a:solidFill>
-              </a:rPr>
-              <a:t> </a:t>
-            </a:r>
-            <a:r>
-              <a:rPr lang="fr-CA" altLang="en-US" dirty="0" err="1" smtClean="0">
-                <a:solidFill>
-                  <a:schemeClr val="accent1">
-                    <a:lumMod val="50000"/>
-                  </a:schemeClr>
-                </a:solidFill>
-              </a:rPr>
-              <a:t>GAJavaIntro</a:t>
-            </a:r>
-            <a:r>
-              <a:rPr lang="fr-CA" altLang="en-US" dirty="0" smtClean="0">
-                <a:solidFill>
-                  <a:schemeClr val="accent1">
-                    <a:lumMod val="50000"/>
-                  </a:schemeClr>
-                </a:solidFill>
-              </a:rPr>
-              <a:t> </a:t>
-            </a:r>
-            <a:r>
-              <a:rPr lang="fr-CA" altLang="en-US" dirty="0" err="1" smtClean="0">
-                <a:solidFill>
-                  <a:schemeClr val="accent1">
-                    <a:lumMod val="50000"/>
-                  </a:schemeClr>
-                </a:solidFill>
-              </a:rPr>
-              <a:t>folder</a:t>
-            </a:r>
-            <a:endParaRPr lang="fr-CA" altLang="en-US" dirty="0" smtClean="0">
-              <a:solidFill>
-                <a:schemeClr val="accent1">
-                  <a:lumMod val="50000"/>
-                </a:schemeClr>
-              </a:solidFill>
-            </a:endParaRPr>
-          </a:p>
-          <a:p>
-            <a:pPr eaLnBrk="1" hangingPunct="1"/>
-            <a:r>
-              <a:rPr lang="fr-CA" altLang="en-US" dirty="0" err="1" smtClean="0">
-                <a:solidFill>
-                  <a:schemeClr val="accent1">
-                    <a:lumMod val="50000"/>
-                  </a:schemeClr>
-                </a:solidFill>
-              </a:rPr>
-              <a:t>Run</a:t>
-            </a:r>
-            <a:r>
-              <a:rPr lang="fr-CA" altLang="en-US" dirty="0" smtClean="0">
-                <a:solidFill>
-                  <a:schemeClr val="accent1">
-                    <a:lumMod val="50000"/>
-                  </a:schemeClr>
-                </a:solidFill>
-              </a:rPr>
-              <a:t> command: </a:t>
-            </a:r>
-            <a:r>
-              <a:rPr lang="fr-CA" altLang="en-US" dirty="0" err="1" smtClean="0">
-                <a:solidFill>
-                  <a:schemeClr val="accent1">
-                    <a:lumMod val="50000"/>
-                  </a:schemeClr>
-                </a:solidFill>
-              </a:rPr>
-              <a:t>javac</a:t>
-            </a:r>
-            <a:r>
-              <a:rPr lang="fr-CA" altLang="en-US" dirty="0" smtClean="0">
-                <a:solidFill>
-                  <a:schemeClr val="accent1">
-                    <a:lumMod val="50000"/>
-                  </a:schemeClr>
-                </a:solidFill>
-              </a:rPr>
-              <a:t> helloworld.java</a:t>
-            </a:r>
-          </a:p>
-          <a:p>
-            <a:pPr eaLnBrk="1" hangingPunct="1"/>
-            <a:r>
-              <a:rPr lang="fr-CA" altLang="en-US" dirty="0" err="1" smtClean="0">
-                <a:solidFill>
-                  <a:schemeClr val="accent1">
-                    <a:lumMod val="50000"/>
-                  </a:schemeClr>
-                </a:solidFill>
-              </a:rPr>
-              <a:t>Run</a:t>
-            </a:r>
-            <a:r>
-              <a:rPr lang="fr-CA" altLang="en-US" dirty="0" smtClean="0">
-                <a:solidFill>
-                  <a:schemeClr val="accent1">
-                    <a:lumMod val="50000"/>
-                  </a:schemeClr>
-                </a:solidFill>
-              </a:rPr>
-              <a:t> command: java </a:t>
-            </a:r>
-            <a:r>
-              <a:rPr lang="fr-CA" altLang="en-US" dirty="0" err="1" smtClean="0">
-                <a:solidFill>
-                  <a:schemeClr val="accent1">
-                    <a:lumMod val="50000"/>
-                  </a:schemeClr>
-                </a:solidFill>
-              </a:rPr>
-              <a:t>helloworld</a:t>
-            </a:r>
-            <a:endParaRPr lang="fr-CA" altLang="en-US" dirty="0" smtClean="0">
-              <a:solidFill>
-                <a:schemeClr val="accent1">
-                  <a:lumMod val="50000"/>
-                </a:schemeClr>
-              </a:solidFill>
-            </a:endParaRPr>
-          </a:p>
-          <a:p>
-            <a:pPr eaLnBrk="1" hangingPunct="1"/>
-            <a:r>
-              <a:rPr lang="fr-CA" altLang="en-US" dirty="0" err="1" smtClean="0">
-                <a:solidFill>
-                  <a:schemeClr val="accent1">
-                    <a:lumMod val="50000"/>
-                  </a:schemeClr>
-                </a:solidFill>
-              </a:rPr>
-              <a:t>Result</a:t>
-            </a:r>
-            <a:r>
-              <a:rPr lang="fr-CA" altLang="en-US" dirty="0" smtClean="0">
-                <a:solidFill>
-                  <a:schemeClr val="accent1">
-                    <a:lumMod val="50000"/>
-                  </a:schemeClr>
-                </a:solidFill>
-              </a:rPr>
-              <a:t>: </a:t>
-            </a:r>
-            <a:r>
-              <a:rPr lang="fr-CA" altLang="en-US" dirty="0" smtClean="0">
-                <a:solidFill>
-                  <a:schemeClr val="accent1">
-                    <a:lumMod val="50000"/>
-                  </a:schemeClr>
-                </a:solidFill>
-              </a:rPr>
-              <a:t>« Hello World »</a:t>
+              <a:t>: « Hello World »</a:t>
             </a:r>
           </a:p>
         </p:txBody>
@@ -10222,17 +14152,7 @@
                   </a:schemeClr>
                 </a:solidFill>
               </a:rPr>
-              <a:t>21</a:t>
-            </a:r>
-            <a:r>
-              <a:rPr lang="fr-CA" altLang="en-US" dirty="0" smtClean="0">
-                <a:solidFill>
-                  <a:schemeClr val="accent1">
-                    <a:lumMod val="50000"/>
-                  </a:schemeClr>
-                </a:solidFill>
-              </a:rPr>
-              <a:t>; double pie= 3.14;</a:t>
+              <a:t>21; double pie= 3.14;</a:t>
             </a:r>
             <a:endParaRPr lang="fr-CA" altLang="en-US" dirty="0">
               <a:solidFill>
@@ -10388,25 +14308,8 @@
                   </a:schemeClr>
                 </a:solidFill>
               </a:rPr>
-              <a:t>: </a:t>
-            </a:r>
-            <a:r>
-              <a:rPr lang="fr-CA" altLang="en-US" dirty="0" smtClean="0">
-                <a:solidFill>
-                  <a:schemeClr val="accent1">
-                    <a:lumMod val="50000"/>
-                  </a:schemeClr>
-                </a:solidFill>
-              </a:rPr>
-              <a:t>String</a:t>
-            </a:r>
-            <a:endParaRPr lang="fr-CA" altLang="en-US" dirty="0" smtClean="0">
-              <a:solidFill>
-                <a:schemeClr val="accent1">
-                  <a:lumMod val="50000"/>
-                </a:schemeClr>
-              </a:solidFill>
-            </a:endParaRPr>
+              <a:t>: String</a:t>
+            </a:r>
           </a:p>
           <a:p>
             <a:pPr lvl="1" eaLnBrk="1" hangingPunct="1"/>
@@ -11278,7 +15181,6 @@
               <a:rPr lang="fr-CA" altLang="en-US" dirty="0" smtClean="0"/>
               <a:t> Name Is</a:t>
             </a:r>
-            <a:endParaRPr lang="fr-CA" altLang="en-US" dirty="0" smtClean="0"/>
           </a:p>
         </p:txBody>
       </p:sp>
@@ -11602,25 +15504,8 @@
                   </a:schemeClr>
                 </a:solidFill>
               </a:rPr>
-              <a:t>“Objects</a:t>
-            </a:r>
-            <a:r>
-              <a:rPr lang="en-US" dirty="0" smtClean="0">
-                <a:solidFill>
-                  <a:schemeClr val="accent1">
-                    <a:lumMod val="50000"/>
-                  </a:schemeClr>
-                </a:solidFill>
-              </a:rPr>
-              <a:t>“</a:t>
-            </a:r>
-            <a:endParaRPr lang="en-US" dirty="0" smtClean="0">
-              <a:solidFill>
-                <a:schemeClr val="accent1">
-                  <a:lumMod val="50000"/>
-                </a:schemeClr>
-              </a:solidFill>
-            </a:endParaRPr>
+              <a:t>“Objects“</a:t>
+            </a:r>
           </a:p>
           <a:p>
             <a:pPr eaLnBrk="1" hangingPunct="1"/>
@@ -11632,25 +15517,8 @@
                   </a:schemeClr>
                 </a:solidFill>
               </a:rPr>
-              <a:t>Object contains data fields and </a:t>
-            </a:r>
-            <a:r>
-              <a:rPr lang="en-US" altLang="en-US" dirty="0" smtClean="0">
-                <a:solidFill>
-                  <a:schemeClr val="accent1">
-                    <a:lumMod val="50000"/>
-                  </a:schemeClr>
-                </a:solidFill>
-              </a:rPr>
-              <a:t>methods.</a:t>
-            </a:r>
-            <a:endParaRPr lang="en-US" altLang="en-US" dirty="0" smtClean="0">
-              <a:solidFill>
-                <a:schemeClr val="accent1">
-                  <a:lumMod val="50000"/>
-                </a:schemeClr>
-              </a:solidFill>
-            </a:endParaRPr>
+              <a:t>Object contains data fields and methods.</a:t>
+            </a:r>
           </a:p>
           <a:p>
             <a:pPr eaLnBrk="1" hangingPunct="1"/>
@@ -12456,13 +16324,6 @@
               </a:rPr>
               <a:t> gallons){</a:t>
             </a:r>
-            <a:endParaRPr lang="fr-CA" altLang="en-US" b="1" dirty="0" smtClean="0">
-              <a:solidFill>
-                <a:schemeClr val="accent1">
-                  <a:lumMod val="50000"/>
-                </a:schemeClr>
-              </a:solidFill>
-            </a:endParaRPr>
           </a:p>
           <a:p>
             <a:pPr marL="0" indent="0" eaLnBrk="1" hangingPunct="1">
@@ -12476,17 +16337,7 @@
                   </a:schemeClr>
                 </a:solidFill>
               </a:rPr>
-              <a:t>      </a:t>
-            </a:r>
-            <a:r>
-              <a:rPr lang="fr-CA" altLang="en-US" b="1" dirty="0" smtClean="0">
-                <a:solidFill>
-                  <a:schemeClr val="accent1">
-                    <a:lumMod val="50000"/>
-                  </a:schemeClr>
-                </a:solidFill>
-              </a:rPr>
-              <a:t>return </a:t>
+              <a:t>      return </a:t>
             </a:r>
             <a:r>
               <a:rPr lang="fr-CA" altLang="en-US" b="1" dirty="0" err="1" smtClean="0">
@@ -13480,11 +17331,7 @@
             </a:r>
             <a:r>
               <a:rPr lang="fr-CA" altLang="en-US" dirty="0" smtClean="0"/>
-              <a:t> </a:t>
-            </a:r>
-            <a:r>
-              <a:rPr lang="fr-CA" altLang="en-US" dirty="0" smtClean="0"/>
-              <a:t>Agency</a:t>
+              <a:t> Agency</a:t>
             </a:r>
           </a:p>
         </p:txBody>
@@ -13631,27 +17478,7 @@
                   </a:schemeClr>
                 </a:solidFill>
               </a:rPr>
-              <a:t>the </a:t>
-            </a:r>
-            <a:r>
-              <a:rPr lang="en-US" dirty="0" smtClean="0">
-                <a:solidFill>
-                  <a:schemeClr val="accent1">
-                    <a:lumMod val="50000"/>
-                  </a:schemeClr>
-                </a:solidFill>
-              </a:rPr>
-              <a:t>From and </a:t>
-            </a:r>
-            <a:r>
-              <a:rPr lang="en-US" dirty="0" smtClean="0">
-                <a:solidFill>
-                  <a:schemeClr val="accent1">
-                    <a:lumMod val="50000"/>
-                  </a:schemeClr>
-                </a:solidFill>
-              </a:rPr>
-              <a:t>To in your Object.</a:t>
+              <a:t>the From and To in your Object.</a:t>
             </a:r>
             <a:endParaRPr lang="fr-CA" dirty="0">
               <a:solidFill>
@@ -13701,17 +17528,7 @@
                   </a:schemeClr>
                 </a:solidFill>
               </a:rPr>
-              <a:t> </a:t>
-            </a:r>
-            <a:r>
-              <a:rPr lang="fr-CA" dirty="0" smtClean="0">
-                <a:solidFill>
-                  <a:schemeClr val="accent1">
-                    <a:lumMod val="50000"/>
-                  </a:schemeClr>
-                </a:solidFill>
-              </a:rPr>
-              <a:t>of </a:t>
+              <a:t> of </a:t>
             </a:r>
             <a:r>
               <a:rPr lang="fr-CA" dirty="0" err="1" smtClean="0">
@@ -13771,17 +17588,7 @@
                   </a:schemeClr>
                 </a:solidFill>
               </a:rPr>
-              <a:t> </a:t>
-            </a:r>
-            <a:r>
-              <a:rPr lang="fr-CA" dirty="0" smtClean="0">
-                <a:solidFill>
-                  <a:schemeClr val="accent1">
-                    <a:lumMod val="50000"/>
-                  </a:schemeClr>
-                </a:solidFill>
-              </a:rPr>
-              <a:t>and </a:t>
+              <a:t> and </a:t>
             </a:r>
             <a:r>
               <a:rPr lang="fr-CA" dirty="0" err="1" smtClean="0">
@@ -14254,13 +18061,6 @@
               </a:rPr>
               <a:t> its property.</a:t>
             </a:r>
-            <a:endParaRPr lang="en-US" dirty="0" smtClean="0">
-              <a:solidFill>
-                <a:schemeClr val="accent1">
-                  <a:lumMod val="50000"/>
-                </a:schemeClr>
-              </a:solidFill>
-            </a:endParaRPr>
           </a:p>
           <a:p>
             <a:pPr eaLnBrk="1" hangingPunct="1"/>
@@ -14655,7 +18455,6 @@
               <a:rPr lang="fr-CA" altLang="en-US" dirty="0" smtClean="0"/>
               <a:t>!</a:t>
             </a:r>
-            <a:endParaRPr lang="fr-CA" altLang="en-US" dirty="0" smtClean="0"/>
           </a:p>
         </p:txBody>
       </p:sp>
@@ -16249,368 +20048,6 @@
 </file>
 
 <file path=ppt/slides/slide22.xml><?xml version="1.0" encoding="utf-8"?>
-<p:sld xmlns:a="http://schemas.openxmlformats.org/drawingml/2006/main" xmlns:r="http://schemas.openxmlformats.org/officeDocument/2006/relationships" xmlns:p="http://schemas.openxmlformats.org/presentationml/2006/main">
-  <p:cSld>
-    <p:bg>
-      <p:bgPr>
-        <a:blipFill dpi="0" rotWithShape="0">
-          <a:blip r:embed="rId2"/>
-          <a:srcRect/>
-          <a:stretch>
-            <a:fillRect/>
-          </a:stretch>
-        </a:blipFill>
-        <a:effectLst/>
-      </p:bgPr>
-    </p:bg>
-    <p:spTree>
-      <p:nvGrpSpPr>
-        <p:cNvPr id="1" name=""/>
-        <p:cNvGrpSpPr/>
-        <p:nvPr/>
-      </p:nvGrpSpPr>
-      <p:grpSpPr>
-        <a:xfrm>
-          <a:off x="0" y="0"/>
-          <a:ext cx="0" cy="0"/>
-          <a:chOff x="0" y="0"/>
-          <a:chExt cx="0" cy="0"/>
-        </a:xfrm>
-      </p:grpSpPr>
-      <p:sp>
-        <p:nvSpPr>
-          <p:cNvPr id="7" name="Espace réservé du contenu 2"/>
-          <p:cNvSpPr>
-            <a:spLocks noGrp="1"/>
-          </p:cNvSpPr>
-          <p:nvPr>
-            <p:ph idx="1"/>
-          </p:nvPr>
-        </p:nvSpPr>
-        <p:spPr>
-          <a:xfrm>
-            <a:off x="2286000" y="2060848"/>
-            <a:ext cx="6858000" cy="1656184"/>
-          </a:xfrm>
-        </p:spPr>
-        <p:txBody>
-          <a:bodyPr/>
-          <a:lstStyle/>
-          <a:p>
-            <a:pPr marL="0" indent="0" algn="ctr" eaLnBrk="1" hangingPunct="1">
-              <a:buNone/>
-            </a:pPr>
-            <a:r>
-              <a:rPr lang="fr-CA" altLang="en-US" sz="7200" b="1" dirty="0" err="1" smtClean="0">
-                <a:solidFill>
-                  <a:schemeClr val="accent1">
-                    <a:lumMod val="50000"/>
-                  </a:schemeClr>
-                </a:solidFill>
-              </a:rPr>
-              <a:t>Let’s</a:t>
-            </a:r>
-            <a:r>
-              <a:rPr lang="fr-CA" altLang="en-US" sz="7200" b="1" dirty="0" smtClean="0">
-                <a:solidFill>
-                  <a:schemeClr val="accent1">
-                    <a:lumMod val="50000"/>
-                  </a:schemeClr>
-                </a:solidFill>
-              </a:rPr>
-              <a:t> Design!</a:t>
-            </a:r>
-            <a:endParaRPr lang="fr-CA" altLang="en-US" sz="7200" b="1" dirty="0">
-              <a:solidFill>
-                <a:schemeClr val="accent1">
-                  <a:lumMod val="50000"/>
-                </a:schemeClr>
-              </a:solidFill>
-            </a:endParaRPr>
-          </a:p>
-        </p:txBody>
-      </p:sp>
-      <p:pic>
-        <p:nvPicPr>
-          <p:cNvPr id="4" name="Picture 2"/>
-          <p:cNvPicPr>
-            <a:picLocks noChangeAspect="1" noChangeArrowheads="1"/>
-          </p:cNvPicPr>
-          <p:nvPr/>
-        </p:nvPicPr>
-        <p:blipFill>
-          <a:blip r:embed="rId3">
-            <a:extLst>
-              <a:ext uri="{28A0092B-C50C-407E-A947-70E740481C1C}">
-                <a14:useLocalDpi xmlns:a14="http://schemas.microsoft.com/office/drawing/2010/main" val="0"/>
-              </a:ext>
-            </a:extLst>
-          </a:blip>
-          <a:srcRect/>
-          <a:stretch>
-            <a:fillRect/>
-          </a:stretch>
-        </p:blipFill>
-        <p:spPr bwMode="auto">
-          <a:xfrm>
-            <a:off x="25726" y="4869161"/>
-            <a:ext cx="2170009" cy="1943424"/>
-          </a:xfrm>
-          <a:prstGeom prst="rect">
-            <a:avLst/>
-          </a:prstGeom>
-          <a:noFill/>
-          <a:ln>
-            <a:noFill/>
-          </a:ln>
-          <a:extLst>
-            <a:ext uri="{909E8E84-426E-40DD-AFC4-6F175D3DCCD1}">
-              <a14:hiddenFill xmlns:a14="http://schemas.microsoft.com/office/drawing/2010/main">
-                <a:solidFill>
-                  <a:schemeClr val="accent1"/>
-                </a:solidFill>
-              </a14:hiddenFill>
-            </a:ext>
-            <a:ext uri="{91240B29-F687-4F45-9708-019B960494DF}">
-              <a14:hiddenLine xmlns:a14="http://schemas.microsoft.com/office/drawing/2010/main" w="9525">
-                <a:solidFill>
-                  <a:schemeClr val="tx1"/>
-                </a:solidFill>
-                <a:miter lim="800000"/>
-                <a:headEnd/>
-                <a:tailEnd/>
-              </a14:hiddenLine>
-            </a:ext>
-          </a:extLst>
-        </p:spPr>
-      </p:pic>
-      <p:sp>
-        <p:nvSpPr>
-          <p:cNvPr id="5" name="TextBox 4"/>
-          <p:cNvSpPr txBox="1"/>
-          <p:nvPr/>
-        </p:nvSpPr>
-        <p:spPr>
-          <a:xfrm>
-            <a:off x="683568" y="404664"/>
-            <a:ext cx="1152128" cy="5262979"/>
-          </a:xfrm>
-          <a:prstGeom prst="rect">
-            <a:avLst/>
-          </a:prstGeom>
-          <a:noFill/>
-        </p:spPr>
-        <p:txBody>
-          <a:bodyPr wrap="square" rtlCol="0">
-            <a:spAutoFit/>
-          </a:bodyPr>
-          <a:lstStyle/>
-          <a:p>
-            <a:pPr algn="ctr"/>
-            <a:r>
-              <a:rPr lang="en-US" sz="4800" dirty="0" smtClean="0">
-                <a:ln w="18415" cmpd="sng">
-                  <a:solidFill>
-                    <a:srgbClr val="FFFFFF"/>
-                  </a:solidFill>
-                  <a:prstDash val="solid"/>
-                </a:ln>
-                <a:solidFill>
-                  <a:srgbClr val="FFFFFF"/>
-                </a:solidFill>
-                <a:effectLst>
-                  <a:outerShdw blurRad="63500" dir="3600000" algn="tl" rotWithShape="0">
-                    <a:srgbClr val="000000">
-                      <a:alpha val="70000"/>
-                    </a:srgbClr>
-                  </a:outerShdw>
-                </a:effectLst>
-              </a:rPr>
-              <a:t>D</a:t>
-            </a:r>
-          </a:p>
-          <a:p>
-            <a:pPr algn="ctr"/>
-            <a:r>
-              <a:rPr lang="en-US" sz="4800" dirty="0" smtClean="0">
-                <a:ln w="18415" cmpd="sng">
-                  <a:solidFill>
-                    <a:srgbClr val="FFFFFF"/>
-                  </a:solidFill>
-                  <a:prstDash val="solid"/>
-                </a:ln>
-                <a:solidFill>
-                  <a:srgbClr val="FFFFFF"/>
-                </a:solidFill>
-                <a:effectLst>
-                  <a:outerShdw blurRad="63500" dir="3600000" algn="tl" rotWithShape="0">
-                    <a:srgbClr val="000000">
-                      <a:alpha val="70000"/>
-                    </a:srgbClr>
-                  </a:outerShdw>
-                </a:effectLst>
-              </a:rPr>
-              <a:t>E</a:t>
-            </a:r>
-          </a:p>
-          <a:p>
-            <a:pPr algn="ctr"/>
-            <a:r>
-              <a:rPr lang="en-US" sz="4800" dirty="0" smtClean="0">
-                <a:ln w="18415" cmpd="sng">
-                  <a:solidFill>
-                    <a:srgbClr val="FFFFFF"/>
-                  </a:solidFill>
-                  <a:prstDash val="solid"/>
-                </a:ln>
-                <a:solidFill>
-                  <a:srgbClr val="FFFFFF"/>
-                </a:solidFill>
-                <a:effectLst>
-                  <a:outerShdw blurRad="63500" dir="3600000" algn="tl" rotWithShape="0">
-                    <a:srgbClr val="000000">
-                      <a:alpha val="70000"/>
-                    </a:srgbClr>
-                  </a:outerShdw>
-                </a:effectLst>
-              </a:rPr>
-              <a:t>S</a:t>
-            </a:r>
-          </a:p>
-          <a:p>
-            <a:pPr algn="ctr"/>
-            <a:r>
-              <a:rPr lang="en-US" sz="4800" dirty="0" smtClean="0">
-                <a:ln w="18415" cmpd="sng">
-                  <a:solidFill>
-                    <a:srgbClr val="FFFFFF"/>
-                  </a:solidFill>
-                  <a:prstDash val="solid"/>
-                </a:ln>
-                <a:solidFill>
-                  <a:srgbClr val="FFFFFF"/>
-                </a:solidFill>
-                <a:effectLst>
-                  <a:outerShdw blurRad="63500" dir="3600000" algn="tl" rotWithShape="0">
-                    <a:srgbClr val="000000">
-                      <a:alpha val="70000"/>
-                    </a:srgbClr>
-                  </a:outerShdw>
-                </a:effectLst>
-              </a:rPr>
-              <a:t>I</a:t>
-            </a:r>
-          </a:p>
-          <a:p>
-            <a:pPr algn="ctr"/>
-            <a:r>
-              <a:rPr lang="en-US" sz="4800" dirty="0" smtClean="0">
-                <a:ln w="18415" cmpd="sng">
-                  <a:solidFill>
-                    <a:srgbClr val="FFFFFF"/>
-                  </a:solidFill>
-                  <a:prstDash val="solid"/>
-                </a:ln>
-                <a:solidFill>
-                  <a:srgbClr val="FFFFFF"/>
-                </a:solidFill>
-                <a:effectLst>
-                  <a:outerShdw blurRad="63500" dir="3600000" algn="tl" rotWithShape="0">
-                    <a:srgbClr val="000000">
-                      <a:alpha val="70000"/>
-                    </a:srgbClr>
-                  </a:outerShdw>
-                </a:effectLst>
-              </a:rPr>
-              <a:t>G</a:t>
-            </a:r>
-          </a:p>
-          <a:p>
-            <a:pPr algn="ctr"/>
-            <a:r>
-              <a:rPr lang="en-US" sz="4800" dirty="0">
-                <a:ln w="18415" cmpd="sng">
-                  <a:solidFill>
-                    <a:srgbClr val="FFFFFF"/>
-                  </a:solidFill>
-                  <a:prstDash val="solid"/>
-                </a:ln>
-                <a:solidFill>
-                  <a:srgbClr val="FFFFFF"/>
-                </a:solidFill>
-                <a:effectLst>
-                  <a:outerShdw blurRad="63500" dir="3600000" algn="tl" rotWithShape="0">
-                    <a:srgbClr val="000000">
-                      <a:alpha val="70000"/>
-                    </a:srgbClr>
-                  </a:outerShdw>
-                </a:effectLst>
-              </a:rPr>
-              <a:t>N</a:t>
-            </a:r>
-            <a:endParaRPr lang="en-US" sz="4800" dirty="0" smtClean="0">
-              <a:ln w="18415" cmpd="sng">
-                <a:solidFill>
-                  <a:srgbClr val="FFFFFF"/>
-                </a:solidFill>
-                <a:prstDash val="solid"/>
-              </a:ln>
-              <a:solidFill>
-                <a:srgbClr val="FFFFFF"/>
-              </a:solidFill>
-              <a:effectLst>
-                <a:outerShdw blurRad="63500" dir="3600000" algn="tl" rotWithShape="0">
-                  <a:srgbClr val="000000">
-                    <a:alpha val="70000"/>
-                  </a:srgbClr>
-                </a:outerShdw>
-              </a:effectLst>
-            </a:endParaRPr>
-          </a:p>
-          <a:p>
-            <a:pPr algn="ctr"/>
-            <a:endParaRPr lang="en-US" sz="4800" dirty="0">
-              <a:ln w="18415" cmpd="sng">
-                <a:solidFill>
-                  <a:srgbClr val="FFFFFF"/>
-                </a:solidFill>
-                <a:prstDash val="solid"/>
-              </a:ln>
-              <a:solidFill>
-                <a:srgbClr val="FFFFFF"/>
-              </a:solidFill>
-              <a:effectLst>
-                <a:outerShdw blurRad="63500" dir="3600000" algn="tl" rotWithShape="0">
-                  <a:srgbClr val="000000">
-                    <a:alpha val="70000"/>
-                  </a:srgbClr>
-                </a:outerShdw>
-              </a:effectLst>
-            </a:endParaRPr>
-          </a:p>
-        </p:txBody>
-      </p:sp>
-    </p:spTree>
-    <p:extLst>
-      <p:ext uri="{BB962C8B-B14F-4D97-AF65-F5344CB8AC3E}">
-        <p14:creationId xmlns:p14="http://schemas.microsoft.com/office/powerpoint/2010/main" val="3537148833"/>
-      </p:ext>
-    </p:extLst>
-  </p:cSld>
-  <p:clrMapOvr>
-    <a:masterClrMapping/>
-  </p:clrMapOvr>
-  <p:timing>
-    <p:tnLst>
-      <p:par>
-        <p:cTn id="1" dur="indefinite" restart="never" nodeType="tmRoot"/>
-      </p:par>
-    </p:tnLst>
-  </p:timing>
-</p:sld>
-</file>
-
-<file path=ppt/slides/slide23.xml><?xml version="1.0" encoding="utf-8"?>
 <p:sld xmlns:a="http://schemas.openxmlformats.org/drawingml/2006/main" xmlns:r="http://schemas.openxmlformats.org/officeDocument/2006/relationships" xmlns:p="http://schemas.openxmlformats.org/presentationml/2006/main">
   <p:cSld>
     <p:bg>
@@ -16769,7 +20206,7 @@
       </p:sp>
       <p:sp>
         <p:nvSpPr>
-          <p:cNvPr id="5" name="TextBox 4"/>
+          <p:cNvPr id="7" name="TextBox 6"/>
           <p:cNvSpPr txBox="1"/>
           <p:nvPr/>
         </p:nvSpPr>
@@ -16809,7 +20246,7 @@
                   </a:outerShdw>
                 </a:effectLst>
               </a:rPr>
-              <a:t>D</a:t>
+              <a:t>O</a:t>
             </a:r>
           </a:p>
           <a:p>
@@ -16833,7 +20270,7 @@
                   </a:outerShdw>
                 </a:effectLst>
               </a:rPr>
-              <a:t>E</a:t>
+              <a:t>B</a:t>
             </a:r>
           </a:p>
           <a:p>
@@ -16857,7 +20294,7 @@
                   </a:outerShdw>
                 </a:effectLst>
               </a:rPr>
-              <a:t>S</a:t>
+              <a:t>J</a:t>
             </a:r>
           </a:p>
           <a:p>
@@ -16881,7 +20318,7 @@
                   </a:outerShdw>
                 </a:effectLst>
               </a:rPr>
-              <a:t>I</a:t>
+              <a:t>E</a:t>
             </a:r>
           </a:p>
           <a:p>
@@ -16905,13 +20342,13 @@
                   </a:outerShdw>
                 </a:effectLst>
               </a:rPr>
-              <a:t>G</a:t>
+              <a:t>C</a:t>
             </a:r>
           </a:p>
           <a:p>
             <a:pPr algn="ctr"/>
             <a:r>
-              <a:rPr lang="en-US" sz="4800" dirty="0">
+              <a:rPr lang="en-US" sz="4800" dirty="0" smtClean="0">
                 <a:ln w="18415" cmpd="sng">
                   <a:solidFill>
                     <a:srgbClr val="FFFFFF"/>
@@ -16929,9 +20366,12 @@
                   </a:outerShdw>
                 </a:effectLst>
               </a:rPr>
-              <a:t>N</a:t>
-            </a:r>
-            <a:endParaRPr lang="en-US" sz="4800" dirty="0" smtClean="0">
+              <a:t>T</a:t>
+            </a:r>
+          </a:p>
+          <a:p>
+            <a:pPr algn="ctr"/>
+            <a:endParaRPr lang="en-US" sz="4800" dirty="0">
               <a:ln w="18415" cmpd="sng">
                 <a:solidFill>
                   <a:srgbClr val="FFFFFF"/>
@@ -16950,9 +20390,329 @@
               </a:effectLst>
             </a:endParaRPr>
           </a:p>
+        </p:txBody>
+      </p:sp>
+    </p:spTree>
+    <p:extLst>
+      <p:ext uri="{BB962C8B-B14F-4D97-AF65-F5344CB8AC3E}">
+        <p14:creationId xmlns:p14="http://schemas.microsoft.com/office/powerpoint/2010/main" val="3536131286"/>
+      </p:ext>
+    </p:extLst>
+  </p:cSld>
+  <p:clrMapOvr>
+    <a:masterClrMapping/>
+  </p:clrMapOvr>
+  <p:timing>
+    <p:tnLst>
+      <p:par>
+        <p:cTn id="1" dur="indefinite" restart="never" nodeType="tmRoot"/>
+      </p:par>
+    </p:tnLst>
+  </p:timing>
+</p:sld>
+</file>
+
+<file path=ppt/slides/slide23.xml><?xml version="1.0" encoding="utf-8"?>
+<p:sld xmlns:a="http://schemas.openxmlformats.org/drawingml/2006/main" xmlns:r="http://schemas.openxmlformats.org/officeDocument/2006/relationships" xmlns:p="http://schemas.openxmlformats.org/presentationml/2006/main">
+  <p:cSld>
+    <p:bg>
+      <p:bgPr>
+        <a:blipFill dpi="0" rotWithShape="0">
+          <a:blip r:embed="rId2"/>
+          <a:srcRect/>
+          <a:stretch>
+            <a:fillRect/>
+          </a:stretch>
+        </a:blipFill>
+        <a:effectLst/>
+      </p:bgPr>
+    </p:bg>
+    <p:spTree>
+      <p:nvGrpSpPr>
+        <p:cNvPr id="1" name=""/>
+        <p:cNvGrpSpPr/>
+        <p:nvPr/>
+      </p:nvGrpSpPr>
+      <p:grpSpPr>
+        <a:xfrm>
+          <a:off x="0" y="0"/>
+          <a:ext cx="0" cy="0"/>
+          <a:chOff x="0" y="0"/>
+          <a:chExt cx="0" cy="0"/>
+        </a:xfrm>
+      </p:grpSpPr>
+      <p:sp>
+        <p:nvSpPr>
+          <p:cNvPr id="7" name="Espace réservé du contenu 2"/>
+          <p:cNvSpPr>
+            <a:spLocks noGrp="1"/>
+          </p:cNvSpPr>
+          <p:nvPr>
+            <p:ph idx="1"/>
+          </p:nvPr>
+        </p:nvSpPr>
+        <p:spPr>
+          <a:xfrm>
+            <a:off x="2286000" y="2060848"/>
+            <a:ext cx="6858000" cy="1656184"/>
+          </a:xfrm>
+        </p:spPr>
+        <p:txBody>
+          <a:bodyPr/>
+          <a:lstStyle/>
+          <a:p>
+            <a:pPr marL="0" indent="0" algn="ctr" eaLnBrk="1" hangingPunct="1">
+              <a:buNone/>
+            </a:pPr>
+            <a:r>
+              <a:rPr lang="fr-CA" altLang="en-US" sz="7200" b="1" dirty="0" err="1" smtClean="0">
+                <a:solidFill>
+                  <a:schemeClr val="accent1">
+                    <a:lumMod val="50000"/>
+                  </a:schemeClr>
+                </a:solidFill>
+              </a:rPr>
+              <a:t>Let’s</a:t>
+            </a:r>
+            <a:r>
+              <a:rPr lang="fr-CA" altLang="en-US" sz="7200" b="1" dirty="0" smtClean="0">
+                <a:solidFill>
+                  <a:schemeClr val="accent1">
+                    <a:lumMod val="50000"/>
+                  </a:schemeClr>
+                </a:solidFill>
+              </a:rPr>
+              <a:t> Design!</a:t>
+            </a:r>
+            <a:endParaRPr lang="fr-CA" altLang="en-US" sz="7200" b="1" dirty="0">
+              <a:solidFill>
+                <a:schemeClr val="accent1">
+                  <a:lumMod val="50000"/>
+                </a:schemeClr>
+              </a:solidFill>
+            </a:endParaRPr>
+          </a:p>
+        </p:txBody>
+      </p:sp>
+      <p:pic>
+        <p:nvPicPr>
+          <p:cNvPr id="4" name="Picture 2"/>
+          <p:cNvPicPr>
+            <a:picLocks noChangeAspect="1" noChangeArrowheads="1"/>
+          </p:cNvPicPr>
+          <p:nvPr/>
+        </p:nvPicPr>
+        <p:blipFill>
+          <a:blip r:embed="rId3">
+            <a:extLst>
+              <a:ext uri="{28A0092B-C50C-407E-A947-70E740481C1C}">
+                <a14:useLocalDpi xmlns:a14="http://schemas.microsoft.com/office/drawing/2010/main" val="0"/>
+              </a:ext>
+            </a:extLst>
+          </a:blip>
+          <a:srcRect/>
+          <a:stretch>
+            <a:fillRect/>
+          </a:stretch>
+        </p:blipFill>
+        <p:spPr bwMode="auto">
+          <a:xfrm>
+            <a:off x="25726" y="4869161"/>
+            <a:ext cx="2170009" cy="1943424"/>
+          </a:xfrm>
+          <a:prstGeom prst="rect">
+            <a:avLst/>
+          </a:prstGeom>
+          <a:noFill/>
+          <a:ln>
+            <a:noFill/>
+          </a:ln>
+          <a:extLst>
+            <a:ext uri="{909E8E84-426E-40DD-AFC4-6F175D3DCCD1}">
+              <a14:hiddenFill xmlns:a14="http://schemas.microsoft.com/office/drawing/2010/main">
+                <a:solidFill>
+                  <a:schemeClr val="accent1"/>
+                </a:solidFill>
+              </a14:hiddenFill>
+            </a:ext>
+            <a:ext uri="{91240B29-F687-4F45-9708-019B960494DF}">
+              <a14:hiddenLine xmlns:a14="http://schemas.microsoft.com/office/drawing/2010/main" w="9525">
+                <a:solidFill>
+                  <a:schemeClr val="tx1"/>
+                </a:solidFill>
+                <a:miter lim="800000"/>
+                <a:headEnd/>
+                <a:tailEnd/>
+              </a14:hiddenLine>
+            </a:ext>
+          </a:extLst>
+        </p:spPr>
+      </p:pic>
+      <p:sp>
+        <p:nvSpPr>
+          <p:cNvPr id="5" name="TextBox 4"/>
+          <p:cNvSpPr txBox="1"/>
+          <p:nvPr/>
+        </p:nvSpPr>
+        <p:spPr>
+          <a:xfrm>
+            <a:off x="683568" y="404664"/>
+            <a:ext cx="1152128" cy="5262979"/>
+          </a:xfrm>
+          <a:prstGeom prst="rect">
+            <a:avLst/>
+          </a:prstGeom>
+          <a:noFill/>
+        </p:spPr>
+        <p:txBody>
+          <a:bodyPr wrap="square" rtlCol="0">
+            <a:spAutoFit/>
+          </a:bodyPr>
+          <a:lstStyle/>
           <a:p>
             <a:pPr algn="ctr"/>
-            <a:endParaRPr lang="en-US" sz="4800" dirty="0">
+            <a:r>
+              <a:rPr lang="en-US" sz="4800" dirty="0" smtClean="0">
+                <a:ln w="18415" cmpd="sng">
+                  <a:solidFill>
+                    <a:srgbClr val="FFFFFF"/>
+                  </a:solidFill>
+                  <a:prstDash val="solid"/>
+                </a:ln>
+                <a:solidFill>
+                  <a:srgbClr val="FFFFFF"/>
+                </a:solidFill>
+                <a:effectLst>
+                  <a:outerShdw blurRad="63500" dir="3600000" algn="tl" rotWithShape="0">
+                    <a:srgbClr val="000000">
+                      <a:alpha val="70000"/>
+                    </a:srgbClr>
+                  </a:outerShdw>
+                </a:effectLst>
+              </a:rPr>
+              <a:t>D</a:t>
+            </a:r>
+          </a:p>
+          <a:p>
+            <a:pPr algn="ctr"/>
+            <a:r>
+              <a:rPr lang="en-US" sz="4800" dirty="0" smtClean="0">
+                <a:ln w="18415" cmpd="sng">
+                  <a:solidFill>
+                    <a:srgbClr val="FFFFFF"/>
+                  </a:solidFill>
+                  <a:prstDash val="solid"/>
+                </a:ln>
+                <a:solidFill>
+                  <a:srgbClr val="FFFFFF"/>
+                </a:solidFill>
+                <a:effectLst>
+                  <a:outerShdw blurRad="63500" dir="3600000" algn="tl" rotWithShape="0">
+                    <a:srgbClr val="000000">
+                      <a:alpha val="70000"/>
+                    </a:srgbClr>
+                  </a:outerShdw>
+                </a:effectLst>
+              </a:rPr>
+              <a:t>E</a:t>
+            </a:r>
+          </a:p>
+          <a:p>
+            <a:pPr algn="ctr"/>
+            <a:r>
+              <a:rPr lang="en-US" sz="4800" dirty="0" smtClean="0">
+                <a:ln w="18415" cmpd="sng">
+                  <a:solidFill>
+                    <a:srgbClr val="FFFFFF"/>
+                  </a:solidFill>
+                  <a:prstDash val="solid"/>
+                </a:ln>
+                <a:solidFill>
+                  <a:srgbClr val="FFFFFF"/>
+                </a:solidFill>
+                <a:effectLst>
+                  <a:outerShdw blurRad="63500" dir="3600000" algn="tl" rotWithShape="0">
+                    <a:srgbClr val="000000">
+                      <a:alpha val="70000"/>
+                    </a:srgbClr>
+                  </a:outerShdw>
+                </a:effectLst>
+              </a:rPr>
+              <a:t>S</a:t>
+            </a:r>
+          </a:p>
+          <a:p>
+            <a:pPr algn="ctr"/>
+            <a:r>
+              <a:rPr lang="en-US" sz="4800" dirty="0" smtClean="0">
+                <a:ln w="18415" cmpd="sng">
+                  <a:solidFill>
+                    <a:srgbClr val="FFFFFF"/>
+                  </a:solidFill>
+                  <a:prstDash val="solid"/>
+                </a:ln>
+                <a:solidFill>
+                  <a:srgbClr val="FFFFFF"/>
+                </a:solidFill>
+                <a:effectLst>
+                  <a:outerShdw blurRad="63500" dir="3600000" algn="tl" rotWithShape="0">
+                    <a:srgbClr val="000000">
+                      <a:alpha val="70000"/>
+                    </a:srgbClr>
+                  </a:outerShdw>
+                </a:effectLst>
+              </a:rPr>
+              <a:t>I</a:t>
+            </a:r>
+          </a:p>
+          <a:p>
+            <a:pPr algn="ctr"/>
+            <a:r>
+              <a:rPr lang="en-US" sz="4800" dirty="0" smtClean="0">
+                <a:ln w="18415" cmpd="sng">
+                  <a:solidFill>
+                    <a:srgbClr val="FFFFFF"/>
+                  </a:solidFill>
+                  <a:prstDash val="solid"/>
+                </a:ln>
+                <a:solidFill>
+                  <a:srgbClr val="FFFFFF"/>
+                </a:solidFill>
+                <a:effectLst>
+                  <a:outerShdw blurRad="63500" dir="3600000" algn="tl" rotWithShape="0">
+                    <a:srgbClr val="000000">
+                      <a:alpha val="70000"/>
+                    </a:srgbClr>
+                  </a:outerShdw>
+                </a:effectLst>
+              </a:rPr>
+              <a:t>G</a:t>
+            </a:r>
+          </a:p>
+          <a:p>
+            <a:pPr algn="ctr"/>
+            <a:r>
+              <a:rPr lang="en-US" sz="4800" dirty="0">
+                <a:ln w="18415" cmpd="sng">
+                  <a:solidFill>
+                    <a:srgbClr val="FFFFFF"/>
+                  </a:solidFill>
+                  <a:prstDash val="solid"/>
+                </a:ln>
+                <a:solidFill>
+                  <a:srgbClr val="FFFFFF"/>
+                </a:solidFill>
+                <a:effectLst>
+                  <a:outerShdw blurRad="63500" dir="3600000" algn="tl" rotWithShape="0">
+                    <a:srgbClr val="000000">
+                      <a:alpha val="70000"/>
+                    </a:srgbClr>
+                  </a:outerShdw>
+                </a:effectLst>
+              </a:rPr>
+              <a:t>N</a:t>
+            </a:r>
+            <a:endParaRPr lang="en-US" sz="4800" dirty="0" smtClean="0">
               <a:ln w="18415" cmpd="sng">
                 <a:solidFill>
                   <a:srgbClr val="FFFFFF"/>
@@ -16971,12 +20731,33 @@
               </a:effectLst>
             </a:endParaRPr>
           </a:p>
+          <a:p>
+            <a:pPr algn="ctr"/>
+            <a:endParaRPr lang="en-US" sz="4800" dirty="0">
+              <a:ln w="18415" cmpd="sng">
+                <a:solidFill>
+                  <a:srgbClr val="FFFFFF"/>
+                </a:solidFill>
+                <a:prstDash val="solid"/>
+              </a:ln>
+              <a:solidFill>
+                <a:srgbClr val="FFFFFF"/>
+              </a:solidFill>
+              <a:effectLst>
+                <a:outerShdw blurRad="63500" dir="3600000" algn="tl" rotWithShape="0">
+                  <a:srgbClr val="000000">
+                    <a:alpha val="70000"/>
+                  </a:srgbClr>
+                </a:outerShdw>
+              </a:effectLst>
+            </a:endParaRPr>
+          </a:p>
         </p:txBody>
       </p:sp>
     </p:spTree>
     <p:extLst>
       <p:ext uri="{BB962C8B-B14F-4D97-AF65-F5344CB8AC3E}">
-        <p14:creationId xmlns:p14="http://schemas.microsoft.com/office/powerpoint/2010/main" val="3194112321"/>
+        <p14:creationId xmlns:p14="http://schemas.microsoft.com/office/powerpoint/2010/main" val="3537148833"/>
       </p:ext>
     </p:extLst>
   </p:cSld>
@@ -17138,8 +20919,13 @@
             <a:pPr eaLnBrk="1" hangingPunct="1"/>
             <a:r>
               <a:rPr lang="fr-CA" altLang="en-US" dirty="0" smtClean="0"/>
-              <a:t>Online Shopping</a:t>
-            </a:r>
+              <a:t>Online Shopping </a:t>
+            </a:r>
+            <a:r>
+              <a:rPr lang="fr-CA" altLang="en-US" dirty="0" err="1" smtClean="0"/>
+              <a:t>Example</a:t>
+            </a:r>
+            <a:endParaRPr lang="fr-CA" altLang="en-US" dirty="0" smtClean="0"/>
           </a:p>
         </p:txBody>
       </p:sp>
@@ -17827,16 +21613,6 @@
               </a:rPr>
               <a:t>.</a:t>
             </a:r>
-            <a:r>
-              <a:rPr lang="en-US" dirty="0" smtClean="0">
-                <a:solidFill>
-                  <a:schemeClr val="accent1">
-                    <a:lumMod val="50000"/>
-                  </a:schemeClr>
-                </a:solidFill>
-              </a:rPr>
-              <a:t/>
-            </a:r>
             <a:br>
               <a:rPr lang="en-US" dirty="0" smtClean="0">
                 <a:solidFill>
@@ -19799,11 +23575,7 @@
             </a:r>
             <a:r>
               <a:rPr lang="fr-CA" altLang="en-US" dirty="0" smtClean="0"/>
-              <a:t> </a:t>
-            </a:r>
-            <a:r>
-              <a:rPr lang="fr-CA" altLang="en-US" dirty="0" smtClean="0"/>
-              <a:t>– Front End</a:t>
+              <a:t> – Front End</a:t>
             </a:r>
           </a:p>
         </p:txBody>
@@ -20234,11 +24006,7 @@
             </a:r>
             <a:r>
               <a:rPr lang="fr-CA" altLang="en-US" dirty="0" smtClean="0"/>
-              <a:t> </a:t>
-            </a:r>
-            <a:r>
-              <a:rPr lang="fr-CA" altLang="en-US" dirty="0" smtClean="0"/>
-              <a:t>– Web </a:t>
+              <a:t> – Web </a:t>
             </a:r>
             <a:r>
               <a:rPr lang="fr-CA" altLang="en-US" dirty="0" err="1" smtClean="0"/>
@@ -20813,11 +24581,7 @@
             </a:r>
             <a:r>
               <a:rPr lang="fr-CA" altLang="en-US" dirty="0" smtClean="0"/>
-              <a:t> </a:t>
-            </a:r>
-            <a:r>
-              <a:rPr lang="fr-CA" altLang="en-US" dirty="0" smtClean="0"/>
-              <a:t>– </a:t>
+              <a:t> – </a:t>
             </a:r>
             <a:r>
               <a:rPr lang="fr-CA" altLang="en-US" dirty="0" err="1" smtClean="0"/>
@@ -21364,11 +25128,7 @@
             </a:r>
             <a:r>
               <a:rPr lang="fr-CA" altLang="en-US" dirty="0" smtClean="0"/>
-              <a:t> </a:t>
-            </a:r>
-            <a:r>
-              <a:rPr lang="fr-CA" altLang="en-US" dirty="0" smtClean="0"/>
-              <a:t>– </a:t>
+              <a:t> – </a:t>
             </a:r>
             <a:r>
               <a:rPr lang="fr-CA" altLang="en-US" dirty="0" err="1" smtClean="0"/>
@@ -22359,6 +26119,289 @@
 </file>
 
 <file path=ppt/theme/theme3.xml><?xml version="1.0" encoding="utf-8"?>
+<a:theme xmlns:a="http://schemas.openxmlformats.org/drawingml/2006/main" name="2_Thème Office">
+  <a:themeElements>
+    <a:clrScheme name="Office">
+      <a:dk1>
+        <a:sysClr val="windowText" lastClr="000000"/>
+      </a:dk1>
+      <a:lt1>
+        <a:sysClr val="window" lastClr="FFFFFF"/>
+      </a:lt1>
+      <a:dk2>
+        <a:srgbClr val="1F497D"/>
+      </a:dk2>
+      <a:lt2>
+        <a:srgbClr val="EEECE1"/>
+      </a:lt2>
+      <a:accent1>
+        <a:srgbClr val="4F81BD"/>
+      </a:accent1>
+      <a:accent2>
+        <a:srgbClr val="C0504D"/>
+      </a:accent2>
+      <a:accent3>
+        <a:srgbClr val="9BBB59"/>
+      </a:accent3>
+      <a:accent4>
+        <a:srgbClr val="8064A2"/>
+      </a:accent4>
+      <a:accent5>
+        <a:srgbClr val="4BACC6"/>
+      </a:accent5>
+      <a:accent6>
+        <a:srgbClr val="F79646"/>
+      </a:accent6>
+      <a:hlink>
+        <a:srgbClr val="0000FF"/>
+      </a:hlink>
+      <a:folHlink>
+        <a:srgbClr val="800080"/>
+      </a:folHlink>
+    </a:clrScheme>
+    <a:fontScheme name="Office">
+      <a:majorFont>
+        <a:latin typeface="Calibri"/>
+        <a:ea typeface=""/>
+        <a:cs typeface=""/>
+        <a:font script="Jpan" typeface="ＭＳ Ｐゴシック"/>
+        <a:font script="Hang" typeface="맑은 고딕"/>
+        <a:font script="Hans" typeface="宋体"/>
+        <a:font script="Hant" typeface="新細明體"/>
+        <a:font script="Arab" typeface="Times New Roman"/>
+        <a:font script="Hebr" typeface="Times New Roman"/>
+        <a:font script="Thai" typeface="Angsana New"/>
+        <a:font script="Ethi" typeface="Nyala"/>
+        <a:font script="Beng" typeface="Vrinda"/>
+        <a:font script="Gujr" typeface="Shruti"/>
+        <a:font script="Khmr" typeface="MoolBoran"/>
+        <a:font script="Knda" typeface="Tunga"/>
+        <a:font script="Guru" typeface="Raavi"/>
+        <a:font script="Cans" typeface="Euphemia"/>
+        <a:font script="Cher" typeface="Plantagenet Cherokee"/>
+        <a:font script="Yiii" typeface="Microsoft Yi Baiti"/>
+        <a:font script="Tibt" typeface="Microsoft Himalaya"/>
+        <a:font script="Thaa" typeface="MV Boli"/>
+        <a:font script="Deva" typeface="Mangal"/>
+        <a:font script="Telu" typeface="Gautami"/>
+        <a:font script="Taml" typeface="Latha"/>
+        <a:font script="Syrc" typeface="Estrangelo Edessa"/>
+        <a:font script="Orya" typeface="Kalinga"/>
+        <a:font script="Mlym" typeface="Kartika"/>
+        <a:font script="Laoo" typeface="DokChampa"/>
+        <a:font script="Sinh" typeface="Iskoola Pota"/>
+        <a:font script="Mong" typeface="Mongolian Baiti"/>
+        <a:font script="Viet" typeface="Times New Roman"/>
+        <a:font script="Uigh" typeface="Microsoft Uighur"/>
+      </a:majorFont>
+      <a:minorFont>
+        <a:latin typeface="Calibri"/>
+        <a:ea typeface=""/>
+        <a:cs typeface=""/>
+        <a:font script="Jpan" typeface="ＭＳ Ｐゴシック"/>
+        <a:font script="Hang" typeface="맑은 고딕"/>
+        <a:font script="Hans" typeface="宋体"/>
+        <a:font script="Hant" typeface="新細明體"/>
+        <a:font script="Arab" typeface="Arial"/>
+        <a:font script="Hebr" typeface="Arial"/>
+        <a:font script="Thai" typeface="Cordia New"/>
+        <a:font script="Ethi" typeface="Nyala"/>
+        <a:font script="Beng" typeface="Vrinda"/>
+        <a:font script="Gujr" typeface="Shruti"/>
+        <a:font script="Khmr" typeface="DaunPenh"/>
+        <a:font script="Knda" typeface="Tunga"/>
+        <a:font script="Guru" typeface="Raavi"/>
+        <a:font script="Cans" typeface="Euphemia"/>
+        <a:font script="Cher" typeface="Plantagenet Cherokee"/>
+        <a:font script="Yiii" typeface="Microsoft Yi Baiti"/>
+        <a:font script="Tibt" typeface="Microsoft Himalaya"/>
+        <a:font script="Thaa" typeface="MV Boli"/>
+        <a:font script="Deva" typeface="Mangal"/>
+        <a:font script="Telu" typeface="Gautami"/>
+        <a:font script="Taml" typeface="Latha"/>
+        <a:font script="Syrc" typeface="Estrangelo Edessa"/>
+        <a:font script="Orya" typeface="Kalinga"/>
+        <a:font script="Mlym" typeface="Kartika"/>
+        <a:font script="Laoo" typeface="DokChampa"/>
+        <a:font script="Sinh" typeface="Iskoola Pota"/>
+        <a:font script="Mong" typeface="Mongolian Baiti"/>
+        <a:font script="Viet" typeface="Arial"/>
+        <a:font script="Uigh" typeface="Microsoft Uighur"/>
+      </a:minorFont>
+    </a:fontScheme>
+    <a:fmtScheme name="Office">
+      <a:fillStyleLst>
+        <a:solidFill>
+          <a:schemeClr val="phClr"/>
+        </a:solidFill>
+        <a:gradFill rotWithShape="1">
+          <a:gsLst>
+            <a:gs pos="0">
+              <a:schemeClr val="phClr">
+                <a:tint val="50000"/>
+                <a:satMod val="300000"/>
+              </a:schemeClr>
+            </a:gs>
+            <a:gs pos="35000">
+              <a:schemeClr val="phClr">
+                <a:tint val="37000"/>
+                <a:satMod val="300000"/>
+              </a:schemeClr>
+            </a:gs>
+            <a:gs pos="100000">
+              <a:schemeClr val="phClr">
+                <a:tint val="15000"/>
+                <a:satMod val="350000"/>
+              </a:schemeClr>
+            </a:gs>
+          </a:gsLst>
+          <a:lin ang="16200000" scaled="1"/>
+        </a:gradFill>
+        <a:gradFill rotWithShape="1">
+          <a:gsLst>
+            <a:gs pos="0">
+              <a:schemeClr val="phClr">
+                <a:shade val="51000"/>
+                <a:satMod val="130000"/>
+              </a:schemeClr>
+            </a:gs>
+            <a:gs pos="80000">
+              <a:schemeClr val="phClr">
+                <a:shade val="93000"/>
+                <a:satMod val="130000"/>
+              </a:schemeClr>
+            </a:gs>
+            <a:gs pos="100000">
+              <a:schemeClr val="phClr">
+                <a:shade val="94000"/>
+                <a:satMod val="135000"/>
+              </a:schemeClr>
+            </a:gs>
+          </a:gsLst>
+          <a:lin ang="16200000" scaled="0"/>
+        </a:gradFill>
+      </a:fillStyleLst>
+      <a:lnStyleLst>
+        <a:ln w="9525" cap="flat" cmpd="sng" algn="ctr">
+          <a:solidFill>
+            <a:schemeClr val="phClr">
+              <a:shade val="95000"/>
+              <a:satMod val="105000"/>
+            </a:schemeClr>
+          </a:solidFill>
+          <a:prstDash val="solid"/>
+        </a:ln>
+        <a:ln w="25400" cap="flat" cmpd="sng" algn="ctr">
+          <a:solidFill>
+            <a:schemeClr val="phClr"/>
+          </a:solidFill>
+          <a:prstDash val="solid"/>
+        </a:ln>
+        <a:ln w="38100" cap="flat" cmpd="sng" algn="ctr">
+          <a:solidFill>
+            <a:schemeClr val="phClr"/>
+          </a:solidFill>
+          <a:prstDash val="solid"/>
+        </a:ln>
+      </a:lnStyleLst>
+      <a:effectStyleLst>
+        <a:effectStyle>
+          <a:effectLst>
+            <a:outerShdw blurRad="40000" dist="20000" dir="5400000" rotWithShape="0">
+              <a:srgbClr val="000000">
+                <a:alpha val="38000"/>
+              </a:srgbClr>
+            </a:outerShdw>
+          </a:effectLst>
+        </a:effectStyle>
+        <a:effectStyle>
+          <a:effectLst>
+            <a:outerShdw blurRad="40000" dist="23000" dir="5400000" rotWithShape="0">
+              <a:srgbClr val="000000">
+                <a:alpha val="35000"/>
+              </a:srgbClr>
+            </a:outerShdw>
+          </a:effectLst>
+        </a:effectStyle>
+        <a:effectStyle>
+          <a:effectLst>
+            <a:outerShdw blurRad="40000" dist="23000" dir="5400000" rotWithShape="0">
+              <a:srgbClr val="000000">
+                <a:alpha val="35000"/>
+              </a:srgbClr>
+            </a:outerShdw>
+          </a:effectLst>
+          <a:scene3d>
+            <a:camera prst="orthographicFront">
+              <a:rot lat="0" lon="0" rev="0"/>
+            </a:camera>
+            <a:lightRig rig="threePt" dir="t">
+              <a:rot lat="0" lon="0" rev="1200000"/>
+            </a:lightRig>
+          </a:scene3d>
+          <a:sp3d>
+            <a:bevelT w="63500" h="25400"/>
+          </a:sp3d>
+        </a:effectStyle>
+      </a:effectStyleLst>
+      <a:bgFillStyleLst>
+        <a:solidFill>
+          <a:schemeClr val="phClr"/>
+        </a:solidFill>
+        <a:gradFill rotWithShape="1">
+          <a:gsLst>
+            <a:gs pos="0">
+              <a:schemeClr val="phClr">
+                <a:tint val="40000"/>
+                <a:satMod val="350000"/>
+              </a:schemeClr>
+            </a:gs>
+            <a:gs pos="40000">
+              <a:schemeClr val="phClr">
+                <a:tint val="45000"/>
+                <a:shade val="99000"/>
+                <a:satMod val="350000"/>
+              </a:schemeClr>
+            </a:gs>
+            <a:gs pos="100000">
+              <a:schemeClr val="phClr">
+                <a:shade val="20000"/>
+                <a:satMod val="255000"/>
+              </a:schemeClr>
+            </a:gs>
+          </a:gsLst>
+          <a:path path="circle">
+            <a:fillToRect l="50000" t="-80000" r="50000" b="180000"/>
+          </a:path>
+        </a:gradFill>
+        <a:gradFill rotWithShape="1">
+          <a:gsLst>
+            <a:gs pos="0">
+              <a:schemeClr val="phClr">
+                <a:tint val="80000"/>
+                <a:satMod val="300000"/>
+              </a:schemeClr>
+            </a:gs>
+            <a:gs pos="100000">
+              <a:schemeClr val="phClr">
+                <a:shade val="30000"/>
+                <a:satMod val="200000"/>
+              </a:schemeClr>
+            </a:gs>
+          </a:gsLst>
+          <a:path path="circle">
+            <a:fillToRect l="50000" t="50000" r="50000" b="50000"/>
+          </a:path>
+        </a:gradFill>
+      </a:bgFillStyleLst>
+    </a:fmtScheme>
+  </a:themeElements>
+  <a:objectDefaults/>
+  <a:extraClrSchemeLst/>
+</a:theme>
+</file>
+
+<file path=ppt/theme/theme4.xml><?xml version="1.0" encoding="utf-8"?>
 <a:theme xmlns:a="http://schemas.openxmlformats.org/drawingml/2006/main" name="Office Theme">
   <a:themeElements>
     <a:clrScheme name="Office">
